--- a/docs/Presentatie/Presentatie.pptx
+++ b/docs/Presentatie/Presentatie.pptx
@@ -2,10 +2,13 @@
 <file path=ppt/presentation.xml><?xml version="1.0" encoding="utf-8"?>
 <p:presentation xmlns:a="http://schemas.openxmlformats.org/drawingml/2006/main" xmlns:r="http://schemas.openxmlformats.org/officeDocument/2006/relationships" xmlns:p="http://schemas.openxmlformats.org/presentationml/2006/main" autoCompressPictures="0">
   <p:sldMasterIdLst>
-    <p:sldMasterId id="2147483669" r:id="rId1"/>
+    <p:sldMasterId id="2147483852" r:id="rId1"/>
   </p:sldMasterIdLst>
   <p:sldIdLst>
     <p:sldId id="256" r:id="rId2"/>
+    <p:sldId id="257" r:id="rId3"/>
+    <p:sldId id="258" r:id="rId4"/>
+    <p:sldId id="259" r:id="rId5"/>
   </p:sldIdLst>
   <p:sldSz cx="12192000" cy="6858000"/>
   <p:notesSz cx="6858000" cy="9144000"/>
@@ -104,22 +107,17 @@
       </a:defRPr>
     </a:lvl9pPr>
   </p:defaultTextStyle>
+  <p:extLst>
+    <p:ext uri="{EFAFB233-063F-42B5-8137-9DF3F51BA10A}">
+      <p15:sldGuideLst xmlns:p15="http://schemas.microsoft.com/office/powerpoint/2012/main"/>
+    </p:ext>
+  </p:extLst>
 </p:presentation>
 </file>
 
 <file path=ppt/slideLayouts/slideLayout1.xml><?xml version="1.0" encoding="utf-8"?>
-<p:sldLayout xmlns:a="http://schemas.openxmlformats.org/drawingml/2006/main" xmlns:r="http://schemas.openxmlformats.org/officeDocument/2006/relationships" xmlns:p="http://schemas.openxmlformats.org/presentationml/2006/main" showMasterSp="0" type="title" preserve="1">
+<p:sldLayout xmlns:a="http://schemas.openxmlformats.org/drawingml/2006/main" xmlns:r="http://schemas.openxmlformats.org/officeDocument/2006/relationships" xmlns:p="http://schemas.openxmlformats.org/presentationml/2006/main" type="title" preserve="1">
   <p:cSld name="Titeldia">
-    <p:bg>
-      <p:bgPr>
-        <a:solidFill>
-          <a:schemeClr val="bg2">
-            <a:lumMod val="75000"/>
-          </a:schemeClr>
-        </a:solidFill>
-        <a:effectLst/>
-      </p:bgPr>
-    </p:bg>
     <p:spTree>
       <p:nvGrpSpPr>
         <p:cNvPr id="1" name=""/>
@@ -146,8 +144,74 @@
         </p:nvSpPr>
         <p:spPr>
           <a:xfrm>
-            <a:off x="1261872" y="758952"/>
-            <a:ext cx="9418320" cy="4041648"/>
+            <a:off x="2209800" y="4464028"/>
+            <a:ext cx="9144000" cy="1641490"/>
+          </a:xfrm>
+        </p:spPr>
+        <p:txBody>
+          <a:bodyPr wrap="none" anchor="t">
+            <a:normAutofit/>
+          </a:bodyPr>
+          <a:lstStyle>
+            <a:lvl1pPr algn="r">
+              <a:defRPr sz="9600" b="0" spc="-300">
+                <a:gradFill flip="none" rotWithShape="1">
+                  <a:gsLst>
+                    <a:gs pos="32000">
+                      <a:schemeClr val="tx1">
+                        <a:lumMod val="89000"/>
+                      </a:schemeClr>
+                    </a:gs>
+                    <a:gs pos="0">
+                      <a:schemeClr val="bg1">
+                        <a:lumMod val="41000"/>
+                        <a:lumOff val="59000"/>
+                      </a:schemeClr>
+                    </a:gs>
+                    <a:gs pos="100000">
+                      <a:schemeClr val="tx2">
+                        <a:lumMod val="0"/>
+                        <a:lumOff val="100000"/>
+                      </a:schemeClr>
+                    </a:gs>
+                  </a:gsLst>
+                  <a:lin ang="8100000" scaled="1"/>
+                  <a:tileRect/>
+                </a:gradFill>
+                <a:effectLst>
+                  <a:outerShdw blurRad="469900" dist="342900" dir="5400000" sy="-20000" rotWithShape="0">
+                    <a:prstClr val="black">
+                      <a:alpha val="66000"/>
+                    </a:prstClr>
+                  </a:outerShdw>
+                </a:effectLst>
+                <a:latin typeface="+mj-lt"/>
+              </a:defRPr>
+            </a:lvl1pPr>
+          </a:lstStyle>
+          <a:p>
+            <a:r>
+              <a:rPr lang="nl-NL"/>
+              <a:t>Klik om de stijl te bewerken</a:t>
+            </a:r>
+            <a:endParaRPr lang="en-US" dirty="0"/>
+          </a:p>
+        </p:txBody>
+      </p:sp>
+      <p:sp>
+        <p:nvSpPr>
+          <p:cNvPr id="3" name="Subtitle 2"/>
+          <p:cNvSpPr>
+            <a:spLocks noGrp="1"/>
+          </p:cNvSpPr>
+          <p:nvPr>
+            <p:ph type="subTitle" idx="1"/>
+          </p:nvPr>
+        </p:nvSpPr>
+        <p:spPr>
+          <a:xfrm>
+            <a:off x="2209799" y="3694375"/>
+            <a:ext cx="9144000" cy="754025"/>
           </a:xfrm>
         </p:spPr>
         <p:txBody>
@@ -155,93 +219,75 @@
             <a:normAutofit/>
           </a:bodyPr>
           <a:lstStyle>
-            <a:lvl1pPr algn="l">
-              <a:lnSpc>
-                <a:spcPct val="85000"/>
-              </a:lnSpc>
-              <a:defRPr sz="7200" baseline="0">
-                <a:solidFill>
-                  <a:schemeClr val="tx1"/>
-                </a:solidFill>
-              </a:defRPr>
-            </a:lvl1pPr>
-          </a:lstStyle>
-          <a:p>
-            <a:r>
-              <a:rPr lang="nl-NL" smtClean="0"/>
-              <a:t>Klik om de stijl te bewerken</a:t>
-            </a:r>
-            <a:endParaRPr lang="en-US" dirty="0"/>
-          </a:p>
-        </p:txBody>
-      </p:sp>
-      <p:sp>
-        <p:nvSpPr>
-          <p:cNvPr id="3" name="Subtitle 2"/>
-          <p:cNvSpPr>
-            <a:spLocks noGrp="1"/>
-          </p:cNvSpPr>
-          <p:nvPr>
-            <p:ph type="subTitle" idx="1"/>
-          </p:nvPr>
-        </p:nvSpPr>
-        <p:spPr>
-          <a:xfrm>
-            <a:off x="1261872" y="4800600"/>
-            <a:ext cx="9418320" cy="1691640"/>
-          </a:xfrm>
-        </p:spPr>
-        <p:txBody>
-          <a:bodyPr>
-            <a:normAutofit/>
-          </a:bodyPr>
-          <a:lstStyle>
-            <a:lvl1pPr marL="0" indent="0" algn="l">
-              <a:buNone/>
-              <a:defRPr sz="2200" baseline="0">
-                <a:solidFill>
-                  <a:schemeClr val="tx1">
-                    <a:lumMod val="75000"/>
-                  </a:schemeClr>
-                </a:solidFill>
+            <a:lvl1pPr marL="0" indent="0" algn="r">
+              <a:buNone/>
+              <a:defRPr sz="3200" b="0">
+                <a:gradFill flip="none" rotWithShape="1">
+                  <a:gsLst>
+                    <a:gs pos="15000">
+                      <a:schemeClr val="tx2"/>
+                    </a:gs>
+                    <a:gs pos="73000">
+                      <a:schemeClr val="tx2">
+                        <a:lumMod val="60000"/>
+                        <a:lumOff val="40000"/>
+                      </a:schemeClr>
+                    </a:gs>
+                    <a:gs pos="0">
+                      <a:schemeClr val="tx2">
+                        <a:lumMod val="90000"/>
+                        <a:lumOff val="10000"/>
+                      </a:schemeClr>
+                    </a:gs>
+                    <a:gs pos="100000">
+                      <a:schemeClr val="tx2">
+                        <a:lumMod val="0"/>
+                        <a:lumOff val="100000"/>
+                      </a:schemeClr>
+                    </a:gs>
+                  </a:gsLst>
+                  <a:lin ang="16200000" scaled="1"/>
+                  <a:tileRect/>
+                </a:gradFill>
+                <a:latin typeface="+mj-lt"/>
               </a:defRPr>
             </a:lvl1pPr>
             <a:lvl2pPr marL="457200" indent="0" algn="ctr">
               <a:buNone/>
-              <a:defRPr sz="2200"/>
+              <a:defRPr sz="2000"/>
             </a:lvl2pPr>
             <a:lvl3pPr marL="914400" indent="0" algn="ctr">
               <a:buNone/>
-              <a:defRPr sz="2200"/>
+              <a:defRPr sz="1800"/>
             </a:lvl3pPr>
             <a:lvl4pPr marL="1371600" indent="0" algn="ctr">
               <a:buNone/>
-              <a:defRPr sz="2000"/>
+              <a:defRPr sz="1600"/>
             </a:lvl4pPr>
             <a:lvl5pPr marL="1828800" indent="0" algn="ctr">
               <a:buNone/>
-              <a:defRPr sz="2000"/>
+              <a:defRPr sz="1600"/>
             </a:lvl5pPr>
             <a:lvl6pPr marL="2286000" indent="0" algn="ctr">
               <a:buNone/>
-              <a:defRPr sz="2000"/>
+              <a:defRPr sz="1600"/>
             </a:lvl6pPr>
             <a:lvl7pPr marL="2743200" indent="0" algn="ctr">
               <a:buNone/>
-              <a:defRPr sz="2000"/>
+              <a:defRPr sz="1600"/>
             </a:lvl7pPr>
             <a:lvl8pPr marL="3200400" indent="0" algn="ctr">
               <a:buNone/>
-              <a:defRPr sz="2000"/>
+              <a:defRPr sz="1600"/>
             </a:lvl8pPr>
             <a:lvl9pPr marL="3657600" indent="0" algn="ctr">
               <a:buNone/>
-              <a:defRPr sz="2000"/>
+              <a:defRPr sz="1600"/>
             </a:lvl9pPr>
           </a:lstStyle>
           <a:p>
             <a:r>
-              <a:rPr lang="nl-NL" smtClean="0"/>
+              <a:rPr lang="nl-NL"/>
               <a:t>Klik om de ondertitelstijl van het model te bewerken</a:t>
             </a:r>
             <a:endParaRPr lang="en-US" dirty="0"/>
@@ -250,7 +296,7 @@
       </p:sp>
       <p:sp>
         <p:nvSpPr>
-          <p:cNvPr id="4" name="Date Placeholder 3"/>
+          <p:cNvPr id="7" name="Date Placeholder 6"/>
           <p:cNvSpPr>
             <a:spLocks noGrp="1"/>
           </p:cNvSpPr>
@@ -261,21 +307,11 @@
         <p:spPr/>
         <p:txBody>
           <a:bodyPr/>
-          <a:lstStyle>
-            <a:lvl1pPr>
-              <a:defRPr>
-                <a:solidFill>
-                  <a:schemeClr val="tx1">
-                    <a:lumMod val="50000"/>
-                  </a:schemeClr>
-                </a:solidFill>
-              </a:defRPr>
-            </a:lvl1pPr>
-          </a:lstStyle>
-          <a:p>
-            <a:fld id="{48A87A34-81AB-432B-8DAE-1953F412C126}" type="datetimeFigureOut">
+          <a:lstStyle/>
+          <a:p>
+            <a:fld id="{9E016143-E03C-4CFD-AFDC-14E5BDEA754C}" type="datetimeFigureOut">
               <a:rPr lang="en-US" smtClean="0"/>
-              <a:t>10/26/2016</a:t>
+              <a:t>1/3/2017</a:t>
             </a:fld>
             <a:endParaRPr lang="en-US" dirty="0"/>
           </a:p>
@@ -283,7 +319,7 @@
       </p:sp>
       <p:sp>
         <p:nvSpPr>
-          <p:cNvPr id="5" name="Footer Placeholder 4"/>
+          <p:cNvPr id="8" name="Footer Placeholder 7"/>
           <p:cNvSpPr>
             <a:spLocks noGrp="1"/>
           </p:cNvSpPr>
@@ -294,25 +330,15 @@
         <p:spPr/>
         <p:txBody>
           <a:bodyPr/>
-          <a:lstStyle>
-            <a:lvl1pPr>
-              <a:defRPr>
-                <a:solidFill>
-                  <a:schemeClr val="tx1">
-                    <a:lumMod val="65000"/>
-                  </a:schemeClr>
-                </a:solidFill>
-              </a:defRPr>
-            </a:lvl1pPr>
-          </a:lstStyle>
-          <a:p>
-            <a:endParaRPr lang="en-US" dirty="0"/>
-          </a:p>
-        </p:txBody>
-      </p:sp>
-      <p:sp>
-        <p:nvSpPr>
-          <p:cNvPr id="6" name="Slide Number Placeholder 5"/>
+          <a:lstStyle/>
+          <a:p>
+            <a:endParaRPr lang="en-US" dirty="0"/>
+          </a:p>
+        </p:txBody>
+      </p:sp>
+      <p:sp>
+        <p:nvSpPr>
+          <p:cNvPr id="9" name="Slide Number Placeholder 8"/>
           <p:cNvSpPr>
             <a:spLocks noGrp="1"/>
           </p:cNvSpPr>
@@ -323,78 +349,2580 @@
         <p:spPr/>
         <p:txBody>
           <a:bodyPr/>
-          <a:lstStyle>
-            <a:lvl1pPr>
-              <a:defRPr>
-                <a:solidFill>
-                  <a:schemeClr val="tx1">
-                    <a:lumMod val="65000"/>
-                  </a:schemeClr>
-                </a:solidFill>
-              </a:defRPr>
-            </a:lvl1pPr>
-          </a:lstStyle>
-          <a:p>
-            <a:fld id="{6D22F896-40B5-4ADD-8801-0D06FADFA095}" type="slidenum">
+          <a:lstStyle/>
+          <a:p>
+            <a:fld id="{4FAB73BC-B049-4115-A692-8D63A059BFB8}" type="slidenum">
               <a:rPr lang="en-US" smtClean="0"/>
+              <a:pPr/>
               <a:t>‹nr.›</a:t>
             </a:fld>
             <a:endParaRPr lang="en-US" dirty="0"/>
           </a:p>
         </p:txBody>
-      </p:sp>
-      <p:sp>
-        <p:nvSpPr>
-          <p:cNvPr id="7" name="Rectangle 6"/>
-          <p:cNvSpPr/>
-          <p:nvPr/>
-        </p:nvSpPr>
-        <p:spPr>
-          <a:xfrm>
-            <a:off x="0" y="0"/>
-            <a:ext cx="457200" cy="6858000"/>
-          </a:xfrm>
-          <a:prstGeom prst="rect">
-            <a:avLst/>
-          </a:prstGeom>
-          <a:solidFill>
-            <a:schemeClr val="accent1"/>
-          </a:solidFill>
-          <a:ln>
-            <a:noFill/>
-          </a:ln>
-        </p:spPr>
-        <p:style>
-          <a:lnRef idx="2">
-            <a:schemeClr val="accent1">
-              <a:shade val="50000"/>
-            </a:schemeClr>
-          </a:lnRef>
-          <a:fillRef idx="1">
-            <a:schemeClr val="accent1"/>
-          </a:fillRef>
-          <a:effectRef idx="0">
-            <a:schemeClr val="accent1"/>
-          </a:effectRef>
-          <a:fontRef idx="minor">
-            <a:schemeClr val="lt1"/>
-          </a:fontRef>
-        </p:style>
       </p:sp>
     </p:spTree>
     <p:extLst>
       <p:ext uri="{BB962C8B-B14F-4D97-AF65-F5344CB8AC3E}">
-        <p14:creationId xmlns:p14="http://schemas.microsoft.com/office/powerpoint/2010/main" val="4187469236"/>
+        <p14:creationId xmlns:p14="http://schemas.microsoft.com/office/powerpoint/2010/main" val="3565884342"/>
       </p:ext>
     </p:extLst>
   </p:cSld>
   <p:clrMapOvr>
-    <a:overrideClrMapping bg1="dk1" tx1="lt1" bg2="dk2" tx2="lt2" accent1="accent1" accent2="accent2" accent3="accent3" accent4="accent4" accent5="accent5" accent6="accent6" hlink="hlink" folHlink="folHlink"/>
+    <a:masterClrMapping/>
   </p:clrMapOvr>
 </p:sldLayout>
 </file>
 
 <file path=ppt/slideLayouts/slideLayout10.xml><?xml version="1.0" encoding="utf-8"?>
+<p:sldLayout xmlns:a="http://schemas.openxmlformats.org/drawingml/2006/main" xmlns:r="http://schemas.openxmlformats.org/officeDocument/2006/relationships" xmlns:p="http://schemas.openxmlformats.org/presentationml/2006/main" preserve="1">
+  <p:cSld name="Panoramische afbeelding met bijschrift">
+    <p:spTree>
+      <p:nvGrpSpPr>
+        <p:cNvPr id="1" name=""/>
+        <p:cNvGrpSpPr/>
+        <p:nvPr/>
+      </p:nvGrpSpPr>
+      <p:grpSpPr>
+        <a:xfrm>
+          <a:off x="0" y="0"/>
+          <a:ext cx="0" cy="0"/>
+          <a:chOff x="0" y="0"/>
+          <a:chExt cx="0" cy="0"/>
+        </a:xfrm>
+      </p:grpSpPr>
+      <p:sp>
+        <p:nvSpPr>
+          <p:cNvPr id="2" name="Title 1"/>
+          <p:cNvSpPr>
+            <a:spLocks noGrp="1"/>
+          </p:cNvSpPr>
+          <p:nvPr>
+            <p:ph type="title"/>
+          </p:nvPr>
+        </p:nvSpPr>
+        <p:spPr>
+          <a:xfrm>
+            <a:off x="839788" y="4367160"/>
+            <a:ext cx="10515600" cy="819355"/>
+          </a:xfrm>
+        </p:spPr>
+        <p:txBody>
+          <a:bodyPr anchor="b"/>
+          <a:lstStyle>
+            <a:lvl1pPr>
+              <a:defRPr sz="3200"/>
+            </a:lvl1pPr>
+          </a:lstStyle>
+          <a:p>
+            <a:r>
+              <a:rPr lang="nl-NL"/>
+              <a:t>Klik om de stijl te bewerken</a:t>
+            </a:r>
+            <a:endParaRPr lang="en-US" dirty="0"/>
+          </a:p>
+        </p:txBody>
+      </p:sp>
+      <p:sp>
+        <p:nvSpPr>
+          <p:cNvPr id="3" name="Picture Placeholder 2"/>
+          <p:cNvSpPr>
+            <a:spLocks noGrp="1" noChangeAspect="1"/>
+          </p:cNvSpPr>
+          <p:nvPr>
+            <p:ph type="pic" idx="1"/>
+          </p:nvPr>
+        </p:nvSpPr>
+        <p:spPr>
+          <a:xfrm>
+            <a:off x="839788" y="987425"/>
+            <a:ext cx="10515600" cy="3379735"/>
+          </a:xfrm>
+        </p:spPr>
+        <p:txBody>
+          <a:bodyPr anchor="t"/>
+          <a:lstStyle>
+            <a:lvl1pPr marL="0" indent="0">
+              <a:buNone/>
+              <a:defRPr sz="3200"/>
+            </a:lvl1pPr>
+            <a:lvl2pPr marL="457200" indent="0">
+              <a:buNone/>
+              <a:defRPr sz="2800"/>
+            </a:lvl2pPr>
+            <a:lvl3pPr marL="914400" indent="0">
+              <a:buNone/>
+              <a:defRPr sz="2400"/>
+            </a:lvl3pPr>
+            <a:lvl4pPr marL="1371600" indent="0">
+              <a:buNone/>
+              <a:defRPr sz="2000"/>
+            </a:lvl4pPr>
+            <a:lvl5pPr marL="1828800" indent="0">
+              <a:buNone/>
+              <a:defRPr sz="2000"/>
+            </a:lvl5pPr>
+            <a:lvl6pPr marL="2286000" indent="0">
+              <a:buNone/>
+              <a:defRPr sz="2000"/>
+            </a:lvl6pPr>
+            <a:lvl7pPr marL="2743200" indent="0">
+              <a:buNone/>
+              <a:defRPr sz="2000"/>
+            </a:lvl7pPr>
+            <a:lvl8pPr marL="3200400" indent="0">
+              <a:buNone/>
+              <a:defRPr sz="2000"/>
+            </a:lvl8pPr>
+            <a:lvl9pPr marL="3657600" indent="0">
+              <a:buNone/>
+              <a:defRPr sz="2000"/>
+            </a:lvl9pPr>
+          </a:lstStyle>
+          <a:p>
+            <a:r>
+              <a:rPr lang="nl-NL"/>
+              <a:t>Klik op het pictogram als u een afbeelding wilt toevoegen</a:t>
+            </a:r>
+            <a:endParaRPr lang="en-US" dirty="0"/>
+          </a:p>
+        </p:txBody>
+      </p:sp>
+      <p:sp>
+        <p:nvSpPr>
+          <p:cNvPr id="4" name="Text Placeholder 3"/>
+          <p:cNvSpPr>
+            <a:spLocks noGrp="1"/>
+          </p:cNvSpPr>
+          <p:nvPr>
+            <p:ph type="body" sz="half" idx="2"/>
+          </p:nvPr>
+        </p:nvSpPr>
+        <p:spPr>
+          <a:xfrm>
+            <a:off x="839788" y="5186516"/>
+            <a:ext cx="10514012" cy="682472"/>
+          </a:xfrm>
+        </p:spPr>
+        <p:txBody>
+          <a:bodyPr/>
+          <a:lstStyle>
+            <a:lvl1pPr marL="0" indent="0">
+              <a:buNone/>
+              <a:defRPr sz="1600">
+                <a:gradFill>
+                  <a:gsLst>
+                    <a:gs pos="15000">
+                      <a:schemeClr val="tx2"/>
+                    </a:gs>
+                    <a:gs pos="73000">
+                      <a:schemeClr val="tx2">
+                        <a:lumMod val="60000"/>
+                        <a:lumOff val="40000"/>
+                      </a:schemeClr>
+                    </a:gs>
+                    <a:gs pos="0">
+                      <a:schemeClr val="tx1"/>
+                    </a:gs>
+                    <a:gs pos="100000">
+                      <a:schemeClr val="tx2">
+                        <a:lumMod val="0"/>
+                        <a:lumOff val="100000"/>
+                      </a:schemeClr>
+                    </a:gs>
+                  </a:gsLst>
+                  <a:lin ang="16200000" scaled="1"/>
+                </a:gradFill>
+              </a:defRPr>
+            </a:lvl1pPr>
+            <a:lvl2pPr marL="457200" indent="0">
+              <a:buNone/>
+              <a:defRPr sz="1400"/>
+            </a:lvl2pPr>
+            <a:lvl3pPr marL="914400" indent="0">
+              <a:buNone/>
+              <a:defRPr sz="1200"/>
+            </a:lvl3pPr>
+            <a:lvl4pPr marL="1371600" indent="0">
+              <a:buNone/>
+              <a:defRPr sz="1000"/>
+            </a:lvl4pPr>
+            <a:lvl5pPr marL="1828800" indent="0">
+              <a:buNone/>
+              <a:defRPr sz="1000"/>
+            </a:lvl5pPr>
+            <a:lvl6pPr marL="2286000" indent="0">
+              <a:buNone/>
+              <a:defRPr sz="1000"/>
+            </a:lvl6pPr>
+            <a:lvl7pPr marL="2743200" indent="0">
+              <a:buNone/>
+              <a:defRPr sz="1000"/>
+            </a:lvl7pPr>
+            <a:lvl8pPr marL="3200400" indent="0">
+              <a:buNone/>
+              <a:defRPr sz="1000"/>
+            </a:lvl8pPr>
+            <a:lvl9pPr marL="3657600" indent="0">
+              <a:buNone/>
+              <a:defRPr sz="1000"/>
+            </a:lvl9pPr>
+          </a:lstStyle>
+          <a:p>
+            <a:pPr lvl="0"/>
+            <a:r>
+              <a:rPr lang="nl-NL"/>
+              <a:t>Tekststijl van het model bewerken</a:t>
+            </a:r>
+          </a:p>
+        </p:txBody>
+      </p:sp>
+      <p:sp>
+        <p:nvSpPr>
+          <p:cNvPr id="5" name="Date Placeholder 4"/>
+          <p:cNvSpPr>
+            <a:spLocks noGrp="1"/>
+          </p:cNvSpPr>
+          <p:nvPr>
+            <p:ph type="dt" sz="half" idx="10"/>
+          </p:nvPr>
+        </p:nvSpPr>
+        <p:spPr/>
+        <p:txBody>
+          <a:bodyPr/>
+          <a:lstStyle/>
+          <a:p>
+            <a:fld id="{0E59FD0C-5451-4CA0-86AF-E70AE3279989}" type="datetimeFigureOut">
+              <a:rPr lang="en-US" smtClean="0"/>
+              <a:t>1/3/2017</a:t>
+            </a:fld>
+            <a:endParaRPr lang="en-US" dirty="0"/>
+          </a:p>
+        </p:txBody>
+      </p:sp>
+      <p:sp>
+        <p:nvSpPr>
+          <p:cNvPr id="6" name="Footer Placeholder 5"/>
+          <p:cNvSpPr>
+            <a:spLocks noGrp="1"/>
+          </p:cNvSpPr>
+          <p:nvPr>
+            <p:ph type="ftr" sz="quarter" idx="11"/>
+          </p:nvPr>
+        </p:nvSpPr>
+        <p:spPr/>
+        <p:txBody>
+          <a:bodyPr/>
+          <a:lstStyle/>
+          <a:p>
+            <a:endParaRPr lang="en-US" dirty="0"/>
+          </a:p>
+        </p:txBody>
+      </p:sp>
+      <p:sp>
+        <p:nvSpPr>
+          <p:cNvPr id="7" name="Slide Number Placeholder 6"/>
+          <p:cNvSpPr>
+            <a:spLocks noGrp="1"/>
+          </p:cNvSpPr>
+          <p:nvPr>
+            <p:ph type="sldNum" sz="quarter" idx="12"/>
+          </p:nvPr>
+        </p:nvSpPr>
+        <p:spPr/>
+        <p:txBody>
+          <a:bodyPr/>
+          <a:lstStyle/>
+          <a:p>
+            <a:fld id="{4FAB73BC-B049-4115-A692-8D63A059BFB8}" type="slidenum">
+              <a:rPr lang="en-US" smtClean="0"/>
+              <a:pPr/>
+              <a:t>‹nr.›</a:t>
+            </a:fld>
+            <a:endParaRPr lang="en-US" dirty="0"/>
+          </a:p>
+        </p:txBody>
+      </p:sp>
+    </p:spTree>
+    <p:extLst>
+      <p:ext uri="{BB962C8B-B14F-4D97-AF65-F5344CB8AC3E}">
+        <p14:creationId xmlns:p14="http://schemas.microsoft.com/office/powerpoint/2010/main" val="2172377546"/>
+      </p:ext>
+    </p:extLst>
+  </p:cSld>
+  <p:clrMapOvr>
+    <a:masterClrMapping/>
+  </p:clrMapOvr>
+  <p:hf sldNum="0" hdr="0" ftr="0" dt="0"/>
+</p:sldLayout>
+</file>
+
+<file path=ppt/slideLayouts/slideLayout11.xml><?xml version="1.0" encoding="utf-8"?>
+<p:sldLayout xmlns:a="http://schemas.openxmlformats.org/drawingml/2006/main" xmlns:r="http://schemas.openxmlformats.org/officeDocument/2006/relationships" xmlns:p="http://schemas.openxmlformats.org/presentationml/2006/main" preserve="1">
+  <p:cSld name="Titel en bijschrift">
+    <p:spTree>
+      <p:nvGrpSpPr>
+        <p:cNvPr id="1" name=""/>
+        <p:cNvGrpSpPr/>
+        <p:nvPr/>
+      </p:nvGrpSpPr>
+      <p:grpSpPr>
+        <a:xfrm>
+          <a:off x="0" y="0"/>
+          <a:ext cx="0" cy="0"/>
+          <a:chOff x="0" y="0"/>
+          <a:chExt cx="0" cy="0"/>
+        </a:xfrm>
+      </p:grpSpPr>
+      <p:sp>
+        <p:nvSpPr>
+          <p:cNvPr id="2" name="Title 1"/>
+          <p:cNvSpPr>
+            <a:spLocks noGrp="1"/>
+          </p:cNvSpPr>
+          <p:nvPr>
+            <p:ph type="title"/>
+          </p:nvPr>
+        </p:nvSpPr>
+        <p:spPr>
+          <a:xfrm>
+            <a:off x="839788" y="365125"/>
+            <a:ext cx="10515600" cy="3534344"/>
+          </a:xfrm>
+        </p:spPr>
+        <p:txBody>
+          <a:bodyPr anchor="ctr"/>
+          <a:lstStyle>
+            <a:lvl1pPr>
+              <a:defRPr sz="3200"/>
+            </a:lvl1pPr>
+          </a:lstStyle>
+          <a:p>
+            <a:r>
+              <a:rPr lang="nl-NL"/>
+              <a:t>Klik om de stijl te bewerken</a:t>
+            </a:r>
+            <a:endParaRPr lang="en-US" dirty="0"/>
+          </a:p>
+        </p:txBody>
+      </p:sp>
+      <p:sp>
+        <p:nvSpPr>
+          <p:cNvPr id="4" name="Text Placeholder 3"/>
+          <p:cNvSpPr>
+            <a:spLocks noGrp="1"/>
+          </p:cNvSpPr>
+          <p:nvPr>
+            <p:ph type="body" sz="half" idx="2"/>
+          </p:nvPr>
+        </p:nvSpPr>
+        <p:spPr>
+          <a:xfrm>
+            <a:off x="839788" y="4489399"/>
+            <a:ext cx="10514012" cy="1501826"/>
+          </a:xfrm>
+        </p:spPr>
+        <p:txBody>
+          <a:bodyPr anchor="ctr"/>
+          <a:lstStyle>
+            <a:lvl1pPr marL="0" indent="0">
+              <a:buNone/>
+              <a:defRPr sz="1600"/>
+            </a:lvl1pPr>
+            <a:lvl2pPr marL="457200" indent="0">
+              <a:buNone/>
+              <a:defRPr sz="1400"/>
+            </a:lvl2pPr>
+            <a:lvl3pPr marL="914400" indent="0">
+              <a:buNone/>
+              <a:defRPr sz="1200"/>
+            </a:lvl3pPr>
+            <a:lvl4pPr marL="1371600" indent="0">
+              <a:buNone/>
+              <a:defRPr sz="1000"/>
+            </a:lvl4pPr>
+            <a:lvl5pPr marL="1828800" indent="0">
+              <a:buNone/>
+              <a:defRPr sz="1000"/>
+            </a:lvl5pPr>
+            <a:lvl6pPr marL="2286000" indent="0">
+              <a:buNone/>
+              <a:defRPr sz="1000"/>
+            </a:lvl6pPr>
+            <a:lvl7pPr marL="2743200" indent="0">
+              <a:buNone/>
+              <a:defRPr sz="1000"/>
+            </a:lvl7pPr>
+            <a:lvl8pPr marL="3200400" indent="0">
+              <a:buNone/>
+              <a:defRPr sz="1000"/>
+            </a:lvl8pPr>
+            <a:lvl9pPr marL="3657600" indent="0">
+              <a:buNone/>
+              <a:defRPr sz="1000"/>
+            </a:lvl9pPr>
+          </a:lstStyle>
+          <a:p>
+            <a:pPr lvl="0"/>
+            <a:r>
+              <a:rPr lang="nl-NL"/>
+              <a:t>Tekststijl van het model bewerken</a:t>
+            </a:r>
+          </a:p>
+        </p:txBody>
+      </p:sp>
+      <p:sp>
+        <p:nvSpPr>
+          <p:cNvPr id="5" name="Date Placeholder 4"/>
+          <p:cNvSpPr>
+            <a:spLocks noGrp="1"/>
+          </p:cNvSpPr>
+          <p:nvPr>
+            <p:ph type="dt" sz="half" idx="10"/>
+          </p:nvPr>
+        </p:nvSpPr>
+        <p:spPr/>
+        <p:txBody>
+          <a:bodyPr/>
+          <a:lstStyle/>
+          <a:p>
+            <a:fld id="{0E59FD0C-5451-4CA0-86AF-E70AE3279989}" type="datetimeFigureOut">
+              <a:rPr lang="en-US" smtClean="0"/>
+              <a:t>1/3/2017</a:t>
+            </a:fld>
+            <a:endParaRPr lang="en-US" dirty="0"/>
+          </a:p>
+        </p:txBody>
+      </p:sp>
+      <p:sp>
+        <p:nvSpPr>
+          <p:cNvPr id="6" name="Footer Placeholder 5"/>
+          <p:cNvSpPr>
+            <a:spLocks noGrp="1"/>
+          </p:cNvSpPr>
+          <p:nvPr>
+            <p:ph type="ftr" sz="quarter" idx="11"/>
+          </p:nvPr>
+        </p:nvSpPr>
+        <p:spPr/>
+        <p:txBody>
+          <a:bodyPr/>
+          <a:lstStyle/>
+          <a:p>
+            <a:endParaRPr lang="en-US" dirty="0"/>
+          </a:p>
+        </p:txBody>
+      </p:sp>
+      <p:sp>
+        <p:nvSpPr>
+          <p:cNvPr id="7" name="Slide Number Placeholder 6"/>
+          <p:cNvSpPr>
+            <a:spLocks noGrp="1"/>
+          </p:cNvSpPr>
+          <p:nvPr>
+            <p:ph type="sldNum" sz="quarter" idx="12"/>
+          </p:nvPr>
+        </p:nvSpPr>
+        <p:spPr/>
+        <p:txBody>
+          <a:bodyPr/>
+          <a:lstStyle/>
+          <a:p>
+            <a:fld id="{4FAB73BC-B049-4115-A692-8D63A059BFB8}" type="slidenum">
+              <a:rPr lang="en-US" smtClean="0"/>
+              <a:pPr/>
+              <a:t>‹nr.›</a:t>
+            </a:fld>
+            <a:endParaRPr lang="en-US" dirty="0"/>
+          </a:p>
+        </p:txBody>
+      </p:sp>
+    </p:spTree>
+    <p:extLst>
+      <p:ext uri="{BB962C8B-B14F-4D97-AF65-F5344CB8AC3E}">
+        <p14:creationId xmlns:p14="http://schemas.microsoft.com/office/powerpoint/2010/main" val="3954014829"/>
+      </p:ext>
+    </p:extLst>
+  </p:cSld>
+  <p:clrMapOvr>
+    <a:masterClrMapping/>
+  </p:clrMapOvr>
+  <p:hf sldNum="0" hdr="0" ftr="0" dt="0"/>
+</p:sldLayout>
+</file>
+
+<file path=ppt/slideLayouts/slideLayout12.xml><?xml version="1.0" encoding="utf-8"?>
+<p:sldLayout xmlns:a="http://schemas.openxmlformats.org/drawingml/2006/main" xmlns:r="http://schemas.openxmlformats.org/officeDocument/2006/relationships" xmlns:p="http://schemas.openxmlformats.org/presentationml/2006/main" preserve="1">
+  <p:cSld name="Citeraat met bijschrift">
+    <p:spTree>
+      <p:nvGrpSpPr>
+        <p:cNvPr id="1" name=""/>
+        <p:cNvGrpSpPr/>
+        <p:nvPr/>
+      </p:nvGrpSpPr>
+      <p:grpSpPr>
+        <a:xfrm>
+          <a:off x="0" y="0"/>
+          <a:ext cx="0" cy="0"/>
+          <a:chOff x="0" y="0"/>
+          <a:chExt cx="0" cy="0"/>
+        </a:xfrm>
+      </p:grpSpPr>
+      <p:sp>
+        <p:nvSpPr>
+          <p:cNvPr id="2" name="Title 1"/>
+          <p:cNvSpPr>
+            <a:spLocks noGrp="1"/>
+          </p:cNvSpPr>
+          <p:nvPr>
+            <p:ph type="title"/>
+          </p:nvPr>
+        </p:nvSpPr>
+        <p:spPr>
+          <a:xfrm>
+            <a:off x="1446212" y="365125"/>
+            <a:ext cx="9302752" cy="2992904"/>
+          </a:xfrm>
+        </p:spPr>
+        <p:txBody>
+          <a:bodyPr anchor="ctr"/>
+          <a:lstStyle>
+            <a:lvl1pPr>
+              <a:defRPr sz="4400"/>
+            </a:lvl1pPr>
+          </a:lstStyle>
+          <a:p>
+            <a:r>
+              <a:rPr lang="nl-NL"/>
+              <a:t>Klik om de stijl te bewerken</a:t>
+            </a:r>
+            <a:endParaRPr lang="en-US" dirty="0"/>
+          </a:p>
+        </p:txBody>
+      </p:sp>
+      <p:sp>
+        <p:nvSpPr>
+          <p:cNvPr id="12" name="Text Placeholder 3"/>
+          <p:cNvSpPr>
+            <a:spLocks noGrp="1"/>
+          </p:cNvSpPr>
+          <p:nvPr>
+            <p:ph type="body" sz="half" idx="13"/>
+          </p:nvPr>
+        </p:nvSpPr>
+        <p:spPr>
+          <a:xfrm>
+            <a:off x="1720644" y="3365557"/>
+            <a:ext cx="8752299" cy="548968"/>
+          </a:xfrm>
+        </p:spPr>
+        <p:txBody>
+          <a:bodyPr anchor="t">
+            <a:normAutofit/>
+          </a:bodyPr>
+          <a:lstStyle>
+            <a:lvl1pPr marL="0" indent="0">
+              <a:buNone/>
+              <a:defRPr sz="1400"/>
+            </a:lvl1pPr>
+            <a:lvl2pPr marL="457200" indent="0">
+              <a:buNone/>
+              <a:defRPr sz="1400"/>
+            </a:lvl2pPr>
+            <a:lvl3pPr marL="914400" indent="0">
+              <a:buNone/>
+              <a:defRPr sz="1200"/>
+            </a:lvl3pPr>
+            <a:lvl4pPr marL="1371600" indent="0">
+              <a:buNone/>
+              <a:defRPr sz="1000"/>
+            </a:lvl4pPr>
+            <a:lvl5pPr marL="1828800" indent="0">
+              <a:buNone/>
+              <a:defRPr sz="1000"/>
+            </a:lvl5pPr>
+            <a:lvl6pPr marL="2286000" indent="0">
+              <a:buNone/>
+              <a:defRPr sz="1000"/>
+            </a:lvl6pPr>
+            <a:lvl7pPr marL="2743200" indent="0">
+              <a:buNone/>
+              <a:defRPr sz="1000"/>
+            </a:lvl7pPr>
+            <a:lvl8pPr marL="3200400" indent="0">
+              <a:buNone/>
+              <a:defRPr sz="1000"/>
+            </a:lvl8pPr>
+            <a:lvl9pPr marL="3657600" indent="0">
+              <a:buNone/>
+              <a:defRPr sz="1000"/>
+            </a:lvl9pPr>
+          </a:lstStyle>
+          <a:p>
+            <a:pPr lvl="0"/>
+            <a:r>
+              <a:rPr lang="nl-NL"/>
+              <a:t>Tekststijl van het model bewerken</a:t>
+            </a:r>
+          </a:p>
+        </p:txBody>
+      </p:sp>
+      <p:sp>
+        <p:nvSpPr>
+          <p:cNvPr id="4" name="Text Placeholder 3"/>
+          <p:cNvSpPr>
+            <a:spLocks noGrp="1"/>
+          </p:cNvSpPr>
+          <p:nvPr>
+            <p:ph type="body" sz="half" idx="2"/>
+          </p:nvPr>
+        </p:nvSpPr>
+        <p:spPr>
+          <a:xfrm>
+            <a:off x="838200" y="4501729"/>
+            <a:ext cx="10512424" cy="1489496"/>
+          </a:xfrm>
+        </p:spPr>
+        <p:txBody>
+          <a:bodyPr anchor="ctr">
+            <a:normAutofit/>
+          </a:bodyPr>
+          <a:lstStyle>
+            <a:lvl1pPr marL="0" indent="0">
+              <a:buNone/>
+              <a:defRPr sz="1600"/>
+            </a:lvl1pPr>
+            <a:lvl2pPr marL="457200" indent="0">
+              <a:buNone/>
+              <a:defRPr sz="1400"/>
+            </a:lvl2pPr>
+            <a:lvl3pPr marL="914400" indent="0">
+              <a:buNone/>
+              <a:defRPr sz="1200"/>
+            </a:lvl3pPr>
+            <a:lvl4pPr marL="1371600" indent="0">
+              <a:buNone/>
+              <a:defRPr sz="1000"/>
+            </a:lvl4pPr>
+            <a:lvl5pPr marL="1828800" indent="0">
+              <a:buNone/>
+              <a:defRPr sz="1000"/>
+            </a:lvl5pPr>
+            <a:lvl6pPr marL="2286000" indent="0">
+              <a:buNone/>
+              <a:defRPr sz="1000"/>
+            </a:lvl6pPr>
+            <a:lvl7pPr marL="2743200" indent="0">
+              <a:buNone/>
+              <a:defRPr sz="1000"/>
+            </a:lvl7pPr>
+            <a:lvl8pPr marL="3200400" indent="0">
+              <a:buNone/>
+              <a:defRPr sz="1000"/>
+            </a:lvl8pPr>
+            <a:lvl9pPr marL="3657600" indent="0">
+              <a:buNone/>
+              <a:defRPr sz="1000"/>
+            </a:lvl9pPr>
+          </a:lstStyle>
+          <a:p>
+            <a:pPr lvl="0"/>
+            <a:r>
+              <a:rPr lang="nl-NL"/>
+              <a:t>Tekststijl van het model bewerken</a:t>
+            </a:r>
+          </a:p>
+        </p:txBody>
+      </p:sp>
+      <p:sp>
+        <p:nvSpPr>
+          <p:cNvPr id="5" name="Date Placeholder 4"/>
+          <p:cNvSpPr>
+            <a:spLocks noGrp="1"/>
+          </p:cNvSpPr>
+          <p:nvPr>
+            <p:ph type="dt" sz="half" idx="10"/>
+          </p:nvPr>
+        </p:nvSpPr>
+        <p:spPr/>
+        <p:txBody>
+          <a:bodyPr/>
+          <a:lstStyle/>
+          <a:p>
+            <a:fld id="{0E59FD0C-5451-4CA0-86AF-E70AE3279989}" type="datetimeFigureOut">
+              <a:rPr lang="en-US" smtClean="0"/>
+              <a:t>1/3/2017</a:t>
+            </a:fld>
+            <a:endParaRPr lang="en-US" dirty="0"/>
+          </a:p>
+        </p:txBody>
+      </p:sp>
+      <p:sp>
+        <p:nvSpPr>
+          <p:cNvPr id="6" name="Footer Placeholder 5"/>
+          <p:cNvSpPr>
+            <a:spLocks noGrp="1"/>
+          </p:cNvSpPr>
+          <p:nvPr>
+            <p:ph type="ftr" sz="quarter" idx="11"/>
+          </p:nvPr>
+        </p:nvSpPr>
+        <p:spPr/>
+        <p:txBody>
+          <a:bodyPr/>
+          <a:lstStyle/>
+          <a:p>
+            <a:endParaRPr lang="en-US" dirty="0"/>
+          </a:p>
+        </p:txBody>
+      </p:sp>
+      <p:sp>
+        <p:nvSpPr>
+          <p:cNvPr id="7" name="Slide Number Placeholder 6"/>
+          <p:cNvSpPr>
+            <a:spLocks noGrp="1"/>
+          </p:cNvSpPr>
+          <p:nvPr>
+            <p:ph type="sldNum" sz="quarter" idx="12"/>
+          </p:nvPr>
+        </p:nvSpPr>
+        <p:spPr/>
+        <p:txBody>
+          <a:bodyPr/>
+          <a:lstStyle/>
+          <a:p>
+            <a:fld id="{4FAB73BC-B049-4115-A692-8D63A059BFB8}" type="slidenum">
+              <a:rPr lang="en-US" smtClean="0"/>
+              <a:pPr/>
+              <a:t>‹nr.›</a:t>
+            </a:fld>
+            <a:endParaRPr lang="en-US" dirty="0"/>
+          </a:p>
+        </p:txBody>
+      </p:sp>
+      <p:sp>
+        <p:nvSpPr>
+          <p:cNvPr id="9" name="TextBox 8"/>
+          <p:cNvSpPr txBox="1"/>
+          <p:nvPr/>
+        </p:nvSpPr>
+        <p:spPr>
+          <a:xfrm>
+            <a:off x="1111044" y="786824"/>
+            <a:ext cx="609600" cy="584776"/>
+          </a:xfrm>
+          <a:prstGeom prst="rect">
+            <a:avLst/>
+          </a:prstGeom>
+        </p:spPr>
+        <p:txBody>
+          <a:bodyPr vert="horz" lIns="91440" tIns="45720" rIns="91440" bIns="45720" rtlCol="0" anchor="ctr">
+            <a:noAutofit/>
+          </a:bodyPr>
+          <a:lstStyle>
+            <a:lvl1pPr>
+              <a:spcBef>
+                <a:spcPct val="0"/>
+              </a:spcBef>
+              <a:buNone/>
+              <a:defRPr sz="3200" b="0" cap="all">
+                <a:ln w="3175" cmpd="sng">
+                  <a:noFill/>
+                </a:ln>
+                <a:effectLst>
+                  <a:glow rad="38100">
+                    <a:schemeClr val="bg1">
+                      <a:lumMod val="65000"/>
+                      <a:lumOff val="35000"/>
+                      <a:alpha val="40000"/>
+                    </a:schemeClr>
+                  </a:glow>
+                  <a:outerShdw blurRad="28575" dist="38100" dir="14040000" algn="tl" rotWithShape="0">
+                    <a:srgbClr val="000000">
+                      <a:alpha val="25000"/>
+                    </a:srgbClr>
+                  </a:outerShdw>
+                </a:effectLst>
+              </a:defRPr>
+            </a:lvl1pPr>
+            <a:lvl2pPr>
+              <a:defRPr>
+                <a:solidFill>
+                  <a:schemeClr val="tx2"/>
+                </a:solidFill>
+              </a:defRPr>
+            </a:lvl2pPr>
+            <a:lvl3pPr>
+              <a:defRPr>
+                <a:solidFill>
+                  <a:schemeClr val="tx2"/>
+                </a:solidFill>
+              </a:defRPr>
+            </a:lvl3pPr>
+            <a:lvl4pPr>
+              <a:defRPr>
+                <a:solidFill>
+                  <a:schemeClr val="tx2"/>
+                </a:solidFill>
+              </a:defRPr>
+            </a:lvl4pPr>
+            <a:lvl5pPr>
+              <a:defRPr>
+                <a:solidFill>
+                  <a:schemeClr val="tx2"/>
+                </a:solidFill>
+              </a:defRPr>
+            </a:lvl5pPr>
+            <a:lvl6pPr>
+              <a:defRPr>
+                <a:solidFill>
+                  <a:schemeClr val="tx2"/>
+                </a:solidFill>
+              </a:defRPr>
+            </a:lvl6pPr>
+            <a:lvl7pPr>
+              <a:defRPr>
+                <a:solidFill>
+                  <a:schemeClr val="tx2"/>
+                </a:solidFill>
+              </a:defRPr>
+            </a:lvl7pPr>
+            <a:lvl8pPr>
+              <a:defRPr>
+                <a:solidFill>
+                  <a:schemeClr val="tx2"/>
+                </a:solidFill>
+              </a:defRPr>
+            </a:lvl8pPr>
+            <a:lvl9pPr>
+              <a:defRPr>
+                <a:solidFill>
+                  <a:schemeClr val="tx2"/>
+                </a:solidFill>
+              </a:defRPr>
+            </a:lvl9pPr>
+          </a:lstStyle>
+          <a:p>
+            <a:pPr lvl="0"/>
+            <a:r>
+              <a:rPr lang="en-US" sz="8000" dirty="0">
+                <a:solidFill>
+                  <a:schemeClr val="tx1"/>
+                </a:solidFill>
+                <a:effectLst/>
+              </a:rPr>
+              <a:t>“</a:t>
+            </a:r>
+          </a:p>
+        </p:txBody>
+      </p:sp>
+      <p:sp>
+        <p:nvSpPr>
+          <p:cNvPr id="10" name="TextBox 9"/>
+          <p:cNvSpPr txBox="1"/>
+          <p:nvPr/>
+        </p:nvSpPr>
+        <p:spPr>
+          <a:xfrm>
+            <a:off x="10437812" y="2743200"/>
+            <a:ext cx="609600" cy="584776"/>
+          </a:xfrm>
+          <a:prstGeom prst="rect">
+            <a:avLst/>
+          </a:prstGeom>
+        </p:spPr>
+        <p:txBody>
+          <a:bodyPr vert="horz" lIns="91440" tIns="45720" rIns="91440" bIns="45720" rtlCol="0" anchor="ctr">
+            <a:noAutofit/>
+          </a:bodyPr>
+          <a:lstStyle>
+            <a:lvl1pPr>
+              <a:spcBef>
+                <a:spcPct val="0"/>
+              </a:spcBef>
+              <a:buNone/>
+              <a:defRPr sz="3200" b="0" cap="all">
+                <a:ln w="3175" cmpd="sng">
+                  <a:noFill/>
+                </a:ln>
+                <a:effectLst>
+                  <a:glow rad="38100">
+                    <a:schemeClr val="bg1">
+                      <a:lumMod val="65000"/>
+                      <a:lumOff val="35000"/>
+                      <a:alpha val="40000"/>
+                    </a:schemeClr>
+                  </a:glow>
+                  <a:outerShdw blurRad="28575" dist="38100" dir="14040000" algn="tl" rotWithShape="0">
+                    <a:srgbClr val="000000">
+                      <a:alpha val="25000"/>
+                    </a:srgbClr>
+                  </a:outerShdw>
+                </a:effectLst>
+              </a:defRPr>
+            </a:lvl1pPr>
+            <a:lvl2pPr>
+              <a:defRPr>
+                <a:solidFill>
+                  <a:schemeClr val="tx2"/>
+                </a:solidFill>
+              </a:defRPr>
+            </a:lvl2pPr>
+            <a:lvl3pPr>
+              <a:defRPr>
+                <a:solidFill>
+                  <a:schemeClr val="tx2"/>
+                </a:solidFill>
+              </a:defRPr>
+            </a:lvl3pPr>
+            <a:lvl4pPr>
+              <a:defRPr>
+                <a:solidFill>
+                  <a:schemeClr val="tx2"/>
+                </a:solidFill>
+              </a:defRPr>
+            </a:lvl4pPr>
+            <a:lvl5pPr>
+              <a:defRPr>
+                <a:solidFill>
+                  <a:schemeClr val="tx2"/>
+                </a:solidFill>
+              </a:defRPr>
+            </a:lvl5pPr>
+            <a:lvl6pPr>
+              <a:defRPr>
+                <a:solidFill>
+                  <a:schemeClr val="tx2"/>
+                </a:solidFill>
+              </a:defRPr>
+            </a:lvl6pPr>
+            <a:lvl7pPr>
+              <a:defRPr>
+                <a:solidFill>
+                  <a:schemeClr val="tx2"/>
+                </a:solidFill>
+              </a:defRPr>
+            </a:lvl7pPr>
+            <a:lvl8pPr>
+              <a:defRPr>
+                <a:solidFill>
+                  <a:schemeClr val="tx2"/>
+                </a:solidFill>
+              </a:defRPr>
+            </a:lvl8pPr>
+            <a:lvl9pPr>
+              <a:defRPr>
+                <a:solidFill>
+                  <a:schemeClr val="tx2"/>
+                </a:solidFill>
+              </a:defRPr>
+            </a:lvl9pPr>
+          </a:lstStyle>
+          <a:p>
+            <a:pPr lvl="0" algn="r"/>
+            <a:r>
+              <a:rPr lang="en-US" sz="8000" dirty="0">
+                <a:solidFill>
+                  <a:schemeClr val="tx1"/>
+                </a:solidFill>
+                <a:effectLst/>
+              </a:rPr>
+              <a:t>”</a:t>
+            </a:r>
+          </a:p>
+        </p:txBody>
+      </p:sp>
+    </p:spTree>
+    <p:extLst>
+      <p:ext uri="{BB962C8B-B14F-4D97-AF65-F5344CB8AC3E}">
+        <p14:creationId xmlns:p14="http://schemas.microsoft.com/office/powerpoint/2010/main" val="601250742"/>
+      </p:ext>
+    </p:extLst>
+  </p:cSld>
+  <p:clrMapOvr>
+    <a:masterClrMapping/>
+  </p:clrMapOvr>
+  <p:hf sldNum="0" hdr="0" ftr="0" dt="0"/>
+</p:sldLayout>
+</file>
+
+<file path=ppt/slideLayouts/slideLayout13.xml><?xml version="1.0" encoding="utf-8"?>
+<p:sldLayout xmlns:a="http://schemas.openxmlformats.org/drawingml/2006/main" xmlns:r="http://schemas.openxmlformats.org/officeDocument/2006/relationships" xmlns:p="http://schemas.openxmlformats.org/presentationml/2006/main" preserve="1">
+  <p:cSld name="Naamkaartje">
+    <p:spTree>
+      <p:nvGrpSpPr>
+        <p:cNvPr id="1" name=""/>
+        <p:cNvGrpSpPr/>
+        <p:nvPr/>
+      </p:nvGrpSpPr>
+      <p:grpSpPr>
+        <a:xfrm>
+          <a:off x="0" y="0"/>
+          <a:ext cx="0" cy="0"/>
+          <a:chOff x="0" y="0"/>
+          <a:chExt cx="0" cy="0"/>
+        </a:xfrm>
+      </p:grpSpPr>
+      <p:sp>
+        <p:nvSpPr>
+          <p:cNvPr id="2" name="Title 1"/>
+          <p:cNvSpPr>
+            <a:spLocks noGrp="1"/>
+          </p:cNvSpPr>
+          <p:nvPr>
+            <p:ph type="title"/>
+          </p:nvPr>
+        </p:nvSpPr>
+        <p:spPr>
+          <a:xfrm>
+            <a:off x="839788" y="2326967"/>
+            <a:ext cx="10515600" cy="2511835"/>
+          </a:xfrm>
+        </p:spPr>
+        <p:txBody>
+          <a:bodyPr anchor="b">
+            <a:normAutofit/>
+          </a:bodyPr>
+          <a:lstStyle>
+            <a:lvl1pPr>
+              <a:defRPr sz="5400"/>
+            </a:lvl1pPr>
+          </a:lstStyle>
+          <a:p>
+            <a:r>
+              <a:rPr lang="nl-NL"/>
+              <a:t>Klik om de stijl te bewerken</a:t>
+            </a:r>
+            <a:endParaRPr lang="en-US" dirty="0"/>
+          </a:p>
+        </p:txBody>
+      </p:sp>
+      <p:sp>
+        <p:nvSpPr>
+          <p:cNvPr id="4" name="Text Placeholder 3"/>
+          <p:cNvSpPr>
+            <a:spLocks noGrp="1"/>
+          </p:cNvSpPr>
+          <p:nvPr>
+            <p:ph type="body" sz="half" idx="2"/>
+          </p:nvPr>
+        </p:nvSpPr>
+        <p:spPr>
+          <a:xfrm>
+            <a:off x="839788" y="4850581"/>
+            <a:ext cx="10514012" cy="1140644"/>
+          </a:xfrm>
+        </p:spPr>
+        <p:txBody>
+          <a:bodyPr anchor="t"/>
+          <a:lstStyle>
+            <a:lvl1pPr marL="0" indent="0">
+              <a:buNone/>
+              <a:defRPr sz="1600"/>
+            </a:lvl1pPr>
+            <a:lvl2pPr marL="457200" indent="0">
+              <a:buNone/>
+              <a:defRPr sz="1400"/>
+            </a:lvl2pPr>
+            <a:lvl3pPr marL="914400" indent="0">
+              <a:buNone/>
+              <a:defRPr sz="1200"/>
+            </a:lvl3pPr>
+            <a:lvl4pPr marL="1371600" indent="0">
+              <a:buNone/>
+              <a:defRPr sz="1000"/>
+            </a:lvl4pPr>
+            <a:lvl5pPr marL="1828800" indent="0">
+              <a:buNone/>
+              <a:defRPr sz="1000"/>
+            </a:lvl5pPr>
+            <a:lvl6pPr marL="2286000" indent="0">
+              <a:buNone/>
+              <a:defRPr sz="1000"/>
+            </a:lvl6pPr>
+            <a:lvl7pPr marL="2743200" indent="0">
+              <a:buNone/>
+              <a:defRPr sz="1000"/>
+            </a:lvl7pPr>
+            <a:lvl8pPr marL="3200400" indent="0">
+              <a:buNone/>
+              <a:defRPr sz="1000"/>
+            </a:lvl8pPr>
+            <a:lvl9pPr marL="3657600" indent="0">
+              <a:buNone/>
+              <a:defRPr sz="1000"/>
+            </a:lvl9pPr>
+          </a:lstStyle>
+          <a:p>
+            <a:pPr lvl="0"/>
+            <a:r>
+              <a:rPr lang="nl-NL"/>
+              <a:t>Tekststijl van het model bewerken</a:t>
+            </a:r>
+          </a:p>
+        </p:txBody>
+      </p:sp>
+      <p:sp>
+        <p:nvSpPr>
+          <p:cNvPr id="5" name="Date Placeholder 4"/>
+          <p:cNvSpPr>
+            <a:spLocks noGrp="1"/>
+          </p:cNvSpPr>
+          <p:nvPr>
+            <p:ph type="dt" sz="half" idx="10"/>
+          </p:nvPr>
+        </p:nvSpPr>
+        <p:spPr/>
+        <p:txBody>
+          <a:bodyPr/>
+          <a:lstStyle/>
+          <a:p>
+            <a:fld id="{0E59FD0C-5451-4CA0-86AF-E70AE3279989}" type="datetimeFigureOut">
+              <a:rPr lang="en-US" smtClean="0"/>
+              <a:t>1/3/2017</a:t>
+            </a:fld>
+            <a:endParaRPr lang="en-US" dirty="0"/>
+          </a:p>
+        </p:txBody>
+      </p:sp>
+      <p:sp>
+        <p:nvSpPr>
+          <p:cNvPr id="6" name="Footer Placeholder 5"/>
+          <p:cNvSpPr>
+            <a:spLocks noGrp="1"/>
+          </p:cNvSpPr>
+          <p:nvPr>
+            <p:ph type="ftr" sz="quarter" idx="11"/>
+          </p:nvPr>
+        </p:nvSpPr>
+        <p:spPr/>
+        <p:txBody>
+          <a:bodyPr/>
+          <a:lstStyle/>
+          <a:p>
+            <a:endParaRPr lang="en-US" dirty="0"/>
+          </a:p>
+        </p:txBody>
+      </p:sp>
+      <p:sp>
+        <p:nvSpPr>
+          <p:cNvPr id="7" name="Slide Number Placeholder 6"/>
+          <p:cNvSpPr>
+            <a:spLocks noGrp="1"/>
+          </p:cNvSpPr>
+          <p:nvPr>
+            <p:ph type="sldNum" sz="quarter" idx="12"/>
+          </p:nvPr>
+        </p:nvSpPr>
+        <p:spPr/>
+        <p:txBody>
+          <a:bodyPr/>
+          <a:lstStyle/>
+          <a:p>
+            <a:fld id="{4FAB73BC-B049-4115-A692-8D63A059BFB8}" type="slidenum">
+              <a:rPr lang="en-US" smtClean="0"/>
+              <a:pPr/>
+              <a:t>‹nr.›</a:t>
+            </a:fld>
+            <a:endParaRPr lang="en-US" dirty="0"/>
+          </a:p>
+        </p:txBody>
+      </p:sp>
+    </p:spTree>
+    <p:extLst>
+      <p:ext uri="{BB962C8B-B14F-4D97-AF65-F5344CB8AC3E}">
+        <p14:creationId xmlns:p14="http://schemas.microsoft.com/office/powerpoint/2010/main" val="1045564000"/>
+      </p:ext>
+    </p:extLst>
+  </p:cSld>
+  <p:clrMapOvr>
+    <a:masterClrMapping/>
+  </p:clrMapOvr>
+  <p:hf sldNum="0" hdr="0" ftr="0" dt="0"/>
+</p:sldLayout>
+</file>
+
+<file path=ppt/slideLayouts/slideLayout14.xml><?xml version="1.0" encoding="utf-8"?>
+<p:sldLayout xmlns:a="http://schemas.openxmlformats.org/drawingml/2006/main" xmlns:r="http://schemas.openxmlformats.org/officeDocument/2006/relationships" xmlns:p="http://schemas.openxmlformats.org/presentationml/2006/main" preserve="1">
+  <p:cSld name="3 kolommen">
+    <p:spTree>
+      <p:nvGrpSpPr>
+        <p:cNvPr id="1" name=""/>
+        <p:cNvGrpSpPr/>
+        <p:nvPr/>
+      </p:nvGrpSpPr>
+      <p:grpSpPr>
+        <a:xfrm>
+          <a:off x="0" y="0"/>
+          <a:ext cx="0" cy="0"/>
+          <a:chOff x="0" y="0"/>
+          <a:chExt cx="0" cy="0"/>
+        </a:xfrm>
+      </p:grpSpPr>
+      <p:sp>
+        <p:nvSpPr>
+          <p:cNvPr id="15" name="Title 1"/>
+          <p:cNvSpPr>
+            <a:spLocks noGrp="1"/>
+          </p:cNvSpPr>
+          <p:nvPr>
+            <p:ph type="title"/>
+          </p:nvPr>
+        </p:nvSpPr>
+        <p:spPr>
+          <a:xfrm>
+            <a:off x="838200" y="365125"/>
+            <a:ext cx="10515600" cy="1325563"/>
+          </a:xfrm>
+        </p:spPr>
+        <p:txBody>
+          <a:bodyPr/>
+          <a:lstStyle/>
+          <a:p>
+            <a:r>
+              <a:rPr lang="nl-NL"/>
+              <a:t>Klik om de stijl te bewerken</a:t>
+            </a:r>
+            <a:endParaRPr lang="en-US" dirty="0"/>
+          </a:p>
+        </p:txBody>
+      </p:sp>
+      <p:sp>
+        <p:nvSpPr>
+          <p:cNvPr id="7" name="Text Placeholder 2"/>
+          <p:cNvSpPr>
+            <a:spLocks noGrp="1"/>
+          </p:cNvSpPr>
+          <p:nvPr>
+            <p:ph type="body" idx="1"/>
+          </p:nvPr>
+        </p:nvSpPr>
+        <p:spPr>
+          <a:xfrm>
+            <a:off x="1337282" y="1885950"/>
+            <a:ext cx="2946866" cy="576262"/>
+          </a:xfrm>
+        </p:spPr>
+        <p:txBody>
+          <a:bodyPr anchor="b">
+            <a:noAutofit/>
+          </a:bodyPr>
+          <a:lstStyle>
+            <a:lvl1pPr marL="0" indent="0">
+              <a:buNone/>
+              <a:defRPr sz="2400" b="0">
+                <a:gradFill>
+                  <a:gsLst>
+                    <a:gs pos="15000">
+                      <a:schemeClr val="tx2"/>
+                    </a:gs>
+                    <a:gs pos="73000">
+                      <a:schemeClr val="tx2">
+                        <a:lumMod val="60000"/>
+                        <a:lumOff val="40000"/>
+                      </a:schemeClr>
+                    </a:gs>
+                    <a:gs pos="0">
+                      <a:schemeClr val="tx2">
+                        <a:lumMod val="90000"/>
+                        <a:lumOff val="10000"/>
+                      </a:schemeClr>
+                    </a:gs>
+                    <a:gs pos="100000">
+                      <a:schemeClr val="tx2">
+                        <a:lumMod val="0"/>
+                        <a:lumOff val="100000"/>
+                      </a:schemeClr>
+                    </a:gs>
+                  </a:gsLst>
+                  <a:lin ang="16200000" scaled="1"/>
+                </a:gradFill>
+              </a:defRPr>
+            </a:lvl1pPr>
+            <a:lvl2pPr marL="457200" indent="0">
+              <a:buNone/>
+              <a:defRPr sz="2000" b="1"/>
+            </a:lvl2pPr>
+            <a:lvl3pPr marL="914400" indent="0">
+              <a:buNone/>
+              <a:defRPr sz="1800" b="1"/>
+            </a:lvl3pPr>
+            <a:lvl4pPr marL="1371600" indent="0">
+              <a:buNone/>
+              <a:defRPr sz="1600" b="1"/>
+            </a:lvl4pPr>
+            <a:lvl5pPr marL="1828800" indent="0">
+              <a:buNone/>
+              <a:defRPr sz="1600" b="1"/>
+            </a:lvl5pPr>
+            <a:lvl6pPr marL="2286000" indent="0">
+              <a:buNone/>
+              <a:defRPr sz="1600" b="1"/>
+            </a:lvl6pPr>
+            <a:lvl7pPr marL="2743200" indent="0">
+              <a:buNone/>
+              <a:defRPr sz="1600" b="1"/>
+            </a:lvl7pPr>
+            <a:lvl8pPr marL="3200400" indent="0">
+              <a:buNone/>
+              <a:defRPr sz="1600" b="1"/>
+            </a:lvl8pPr>
+            <a:lvl9pPr marL="3657600" indent="0">
+              <a:buNone/>
+              <a:defRPr sz="1600" b="1"/>
+            </a:lvl9pPr>
+          </a:lstStyle>
+          <a:p>
+            <a:pPr lvl="0"/>
+            <a:r>
+              <a:rPr lang="nl-NL"/>
+              <a:t>Tekststijl van het model bewerken</a:t>
+            </a:r>
+          </a:p>
+        </p:txBody>
+      </p:sp>
+      <p:sp>
+        <p:nvSpPr>
+          <p:cNvPr id="8" name="Text Placeholder 3"/>
+          <p:cNvSpPr>
+            <a:spLocks noGrp="1"/>
+          </p:cNvSpPr>
+          <p:nvPr>
+            <p:ph type="body" sz="half" idx="15"/>
+          </p:nvPr>
+        </p:nvSpPr>
+        <p:spPr>
+          <a:xfrm>
+            <a:off x="1356798" y="2571750"/>
+            <a:ext cx="2927350" cy="3589338"/>
+          </a:xfrm>
+        </p:spPr>
+        <p:txBody>
+          <a:bodyPr anchor="t">
+            <a:normAutofit/>
+          </a:bodyPr>
+          <a:lstStyle>
+            <a:lvl1pPr marL="0" indent="0">
+              <a:buNone/>
+              <a:defRPr sz="1400"/>
+            </a:lvl1pPr>
+            <a:lvl2pPr marL="457200" indent="0">
+              <a:buNone/>
+              <a:defRPr sz="1200"/>
+            </a:lvl2pPr>
+            <a:lvl3pPr marL="914400" indent="0">
+              <a:buNone/>
+              <a:defRPr sz="1000"/>
+            </a:lvl3pPr>
+            <a:lvl4pPr marL="1371600" indent="0">
+              <a:buNone/>
+              <a:defRPr sz="900"/>
+            </a:lvl4pPr>
+            <a:lvl5pPr marL="1828800" indent="0">
+              <a:buNone/>
+              <a:defRPr sz="900"/>
+            </a:lvl5pPr>
+            <a:lvl6pPr marL="2286000" indent="0">
+              <a:buNone/>
+              <a:defRPr sz="900"/>
+            </a:lvl6pPr>
+            <a:lvl7pPr marL="2743200" indent="0">
+              <a:buNone/>
+              <a:defRPr sz="900"/>
+            </a:lvl7pPr>
+            <a:lvl8pPr marL="3200400" indent="0">
+              <a:buNone/>
+              <a:defRPr sz="900"/>
+            </a:lvl8pPr>
+            <a:lvl9pPr marL="3657600" indent="0">
+              <a:buNone/>
+              <a:defRPr sz="900"/>
+            </a:lvl9pPr>
+          </a:lstStyle>
+          <a:p>
+            <a:pPr lvl="0"/>
+            <a:r>
+              <a:rPr lang="nl-NL"/>
+              <a:t>Tekststijl van het model bewerken</a:t>
+            </a:r>
+          </a:p>
+        </p:txBody>
+      </p:sp>
+      <p:sp>
+        <p:nvSpPr>
+          <p:cNvPr id="9" name="Text Placeholder 4"/>
+          <p:cNvSpPr>
+            <a:spLocks noGrp="1"/>
+          </p:cNvSpPr>
+          <p:nvPr>
+            <p:ph type="body" sz="quarter" idx="3"/>
+          </p:nvPr>
+        </p:nvSpPr>
+        <p:spPr>
+          <a:xfrm>
+            <a:off x="4587994" y="1885950"/>
+            <a:ext cx="2936241" cy="576262"/>
+          </a:xfrm>
+        </p:spPr>
+        <p:txBody>
+          <a:bodyPr vert="horz" lIns="91440" tIns="45720" rIns="91440" bIns="45720" rtlCol="0" anchor="b">
+            <a:noAutofit/>
+          </a:bodyPr>
+          <a:lstStyle>
+            <a:lvl1pPr>
+              <a:buNone/>
+              <a:defRPr lang="en-US" sz="2400" b="0">
+                <a:gradFill>
+                  <a:gsLst>
+                    <a:gs pos="15000">
+                      <a:schemeClr val="tx2"/>
+                    </a:gs>
+                    <a:gs pos="73000">
+                      <a:schemeClr val="tx2">
+                        <a:lumMod val="60000"/>
+                        <a:lumOff val="40000"/>
+                      </a:schemeClr>
+                    </a:gs>
+                    <a:gs pos="0">
+                      <a:schemeClr val="tx2">
+                        <a:lumMod val="90000"/>
+                        <a:lumOff val="10000"/>
+                      </a:schemeClr>
+                    </a:gs>
+                    <a:gs pos="100000">
+                      <a:schemeClr val="tx2">
+                        <a:lumMod val="0"/>
+                        <a:lumOff val="100000"/>
+                      </a:schemeClr>
+                    </a:gs>
+                  </a:gsLst>
+                  <a:lin ang="16200000" scaled="1"/>
+                </a:gradFill>
+              </a:defRPr>
+            </a:lvl1pPr>
+          </a:lstStyle>
+          <a:p>
+            <a:pPr marL="0" lvl="0" indent="0">
+              <a:buNone/>
+            </a:pPr>
+            <a:r>
+              <a:rPr lang="nl-NL"/>
+              <a:t>Tekststijl van het model bewerken</a:t>
+            </a:r>
+          </a:p>
+        </p:txBody>
+      </p:sp>
+      <p:sp>
+        <p:nvSpPr>
+          <p:cNvPr id="10" name="Text Placeholder 3"/>
+          <p:cNvSpPr>
+            <a:spLocks noGrp="1"/>
+          </p:cNvSpPr>
+          <p:nvPr>
+            <p:ph type="body" sz="half" idx="16"/>
+          </p:nvPr>
+        </p:nvSpPr>
+        <p:spPr>
+          <a:xfrm>
+            <a:off x="4577441" y="2571750"/>
+            <a:ext cx="2946794" cy="3589338"/>
+          </a:xfrm>
+        </p:spPr>
+        <p:txBody>
+          <a:bodyPr anchor="t">
+            <a:normAutofit/>
+          </a:bodyPr>
+          <a:lstStyle>
+            <a:lvl1pPr marL="0" indent="0">
+              <a:buNone/>
+              <a:defRPr sz="1400"/>
+            </a:lvl1pPr>
+            <a:lvl2pPr marL="457200" indent="0">
+              <a:buNone/>
+              <a:defRPr sz="1200"/>
+            </a:lvl2pPr>
+            <a:lvl3pPr marL="914400" indent="0">
+              <a:buNone/>
+              <a:defRPr sz="1000"/>
+            </a:lvl3pPr>
+            <a:lvl4pPr marL="1371600" indent="0">
+              <a:buNone/>
+              <a:defRPr sz="900"/>
+            </a:lvl4pPr>
+            <a:lvl5pPr marL="1828800" indent="0">
+              <a:buNone/>
+              <a:defRPr sz="900"/>
+            </a:lvl5pPr>
+            <a:lvl6pPr marL="2286000" indent="0">
+              <a:buNone/>
+              <a:defRPr sz="900"/>
+            </a:lvl6pPr>
+            <a:lvl7pPr marL="2743200" indent="0">
+              <a:buNone/>
+              <a:defRPr sz="900"/>
+            </a:lvl7pPr>
+            <a:lvl8pPr marL="3200400" indent="0">
+              <a:buNone/>
+              <a:defRPr sz="900"/>
+            </a:lvl8pPr>
+            <a:lvl9pPr marL="3657600" indent="0">
+              <a:buNone/>
+              <a:defRPr sz="900"/>
+            </a:lvl9pPr>
+          </a:lstStyle>
+          <a:p>
+            <a:pPr lvl="0"/>
+            <a:r>
+              <a:rPr lang="nl-NL"/>
+              <a:t>Tekststijl van het model bewerken</a:t>
+            </a:r>
+          </a:p>
+        </p:txBody>
+      </p:sp>
+      <p:sp>
+        <p:nvSpPr>
+          <p:cNvPr id="11" name="Text Placeholder 4"/>
+          <p:cNvSpPr>
+            <a:spLocks noGrp="1"/>
+          </p:cNvSpPr>
+          <p:nvPr>
+            <p:ph type="body" sz="quarter" idx="13"/>
+          </p:nvPr>
+        </p:nvSpPr>
+        <p:spPr>
+          <a:xfrm>
+            <a:off x="7829035" y="1885950"/>
+            <a:ext cx="2932113" cy="576262"/>
+          </a:xfrm>
+        </p:spPr>
+        <p:txBody>
+          <a:bodyPr vert="horz" lIns="91440" tIns="45720" rIns="91440" bIns="45720" rtlCol="0" anchor="b">
+            <a:noAutofit/>
+          </a:bodyPr>
+          <a:lstStyle>
+            <a:lvl1pPr>
+              <a:buNone/>
+              <a:defRPr lang="en-US" sz="2400" b="0" dirty="0">
+                <a:gradFill>
+                  <a:gsLst>
+                    <a:gs pos="15000">
+                      <a:schemeClr val="tx2"/>
+                    </a:gs>
+                    <a:gs pos="73000">
+                      <a:schemeClr val="tx2">
+                        <a:lumMod val="60000"/>
+                        <a:lumOff val="40000"/>
+                      </a:schemeClr>
+                    </a:gs>
+                    <a:gs pos="0">
+                      <a:schemeClr val="tx2">
+                        <a:lumMod val="90000"/>
+                        <a:lumOff val="10000"/>
+                      </a:schemeClr>
+                    </a:gs>
+                    <a:gs pos="100000">
+                      <a:schemeClr val="tx2">
+                        <a:lumMod val="0"/>
+                        <a:lumOff val="100000"/>
+                      </a:schemeClr>
+                    </a:gs>
+                  </a:gsLst>
+                  <a:lin ang="16200000" scaled="1"/>
+                </a:gradFill>
+              </a:defRPr>
+            </a:lvl1pPr>
+          </a:lstStyle>
+          <a:p>
+            <a:pPr marL="0" lvl="0" indent="0">
+              <a:buNone/>
+            </a:pPr>
+            <a:r>
+              <a:rPr lang="nl-NL"/>
+              <a:t>Tekststijl van het model bewerken</a:t>
+            </a:r>
+          </a:p>
+        </p:txBody>
+      </p:sp>
+      <p:sp>
+        <p:nvSpPr>
+          <p:cNvPr id="12" name="Text Placeholder 3"/>
+          <p:cNvSpPr>
+            <a:spLocks noGrp="1"/>
+          </p:cNvSpPr>
+          <p:nvPr>
+            <p:ph type="body" sz="half" idx="17"/>
+          </p:nvPr>
+        </p:nvSpPr>
+        <p:spPr>
+          <a:xfrm>
+            <a:off x="7829035" y="2571750"/>
+            <a:ext cx="2932113" cy="3589338"/>
+          </a:xfrm>
+        </p:spPr>
+        <p:txBody>
+          <a:bodyPr anchor="t">
+            <a:normAutofit/>
+          </a:bodyPr>
+          <a:lstStyle>
+            <a:lvl1pPr marL="0" indent="0">
+              <a:buNone/>
+              <a:defRPr sz="1400"/>
+            </a:lvl1pPr>
+            <a:lvl2pPr marL="457200" indent="0">
+              <a:buNone/>
+              <a:defRPr sz="1200"/>
+            </a:lvl2pPr>
+            <a:lvl3pPr marL="914400" indent="0">
+              <a:buNone/>
+              <a:defRPr sz="1000"/>
+            </a:lvl3pPr>
+            <a:lvl4pPr marL="1371600" indent="0">
+              <a:buNone/>
+              <a:defRPr sz="900"/>
+            </a:lvl4pPr>
+            <a:lvl5pPr marL="1828800" indent="0">
+              <a:buNone/>
+              <a:defRPr sz="900"/>
+            </a:lvl5pPr>
+            <a:lvl6pPr marL="2286000" indent="0">
+              <a:buNone/>
+              <a:defRPr sz="900"/>
+            </a:lvl6pPr>
+            <a:lvl7pPr marL="2743200" indent="0">
+              <a:buNone/>
+              <a:defRPr sz="900"/>
+            </a:lvl7pPr>
+            <a:lvl8pPr marL="3200400" indent="0">
+              <a:buNone/>
+              <a:defRPr sz="900"/>
+            </a:lvl8pPr>
+            <a:lvl9pPr marL="3657600" indent="0">
+              <a:buNone/>
+              <a:defRPr sz="900"/>
+            </a:lvl9pPr>
+          </a:lstStyle>
+          <a:p>
+            <a:pPr lvl="0"/>
+            <a:r>
+              <a:rPr lang="nl-NL"/>
+              <a:t>Tekststijl van het model bewerken</a:t>
+            </a:r>
+          </a:p>
+        </p:txBody>
+      </p:sp>
+      <p:sp>
+        <p:nvSpPr>
+          <p:cNvPr id="3" name="Date Placeholder 2"/>
+          <p:cNvSpPr>
+            <a:spLocks noGrp="1"/>
+          </p:cNvSpPr>
+          <p:nvPr>
+            <p:ph type="dt" sz="half" idx="10"/>
+          </p:nvPr>
+        </p:nvSpPr>
+        <p:spPr/>
+        <p:txBody>
+          <a:bodyPr/>
+          <a:lstStyle/>
+          <a:p>
+            <a:fld id="{0E59FD0C-5451-4CA0-86AF-E70AE3279989}" type="datetimeFigureOut">
+              <a:rPr lang="en-US" smtClean="0"/>
+              <a:t>1/3/2017</a:t>
+            </a:fld>
+            <a:endParaRPr lang="en-US" dirty="0"/>
+          </a:p>
+        </p:txBody>
+      </p:sp>
+      <p:sp>
+        <p:nvSpPr>
+          <p:cNvPr id="4" name="Footer Placeholder 3"/>
+          <p:cNvSpPr>
+            <a:spLocks noGrp="1"/>
+          </p:cNvSpPr>
+          <p:nvPr>
+            <p:ph type="ftr" sz="quarter" idx="11"/>
+          </p:nvPr>
+        </p:nvSpPr>
+        <p:spPr/>
+        <p:txBody>
+          <a:bodyPr/>
+          <a:lstStyle/>
+          <a:p>
+            <a:endParaRPr lang="en-US" dirty="0"/>
+          </a:p>
+        </p:txBody>
+      </p:sp>
+      <p:sp>
+        <p:nvSpPr>
+          <p:cNvPr id="5" name="Slide Number Placeholder 4"/>
+          <p:cNvSpPr>
+            <a:spLocks noGrp="1"/>
+          </p:cNvSpPr>
+          <p:nvPr>
+            <p:ph type="sldNum" sz="quarter" idx="12"/>
+          </p:nvPr>
+        </p:nvSpPr>
+        <p:spPr/>
+        <p:txBody>
+          <a:bodyPr/>
+          <a:lstStyle/>
+          <a:p>
+            <a:fld id="{4FAB73BC-B049-4115-A692-8D63A059BFB8}" type="slidenum">
+              <a:rPr lang="en-US" smtClean="0"/>
+              <a:pPr/>
+              <a:t>‹nr.›</a:t>
+            </a:fld>
+            <a:endParaRPr lang="en-US" dirty="0"/>
+          </a:p>
+        </p:txBody>
+      </p:sp>
+    </p:spTree>
+    <p:extLst>
+      <p:ext uri="{BB962C8B-B14F-4D97-AF65-F5344CB8AC3E}">
+        <p14:creationId xmlns:p14="http://schemas.microsoft.com/office/powerpoint/2010/main" val="1945827395"/>
+      </p:ext>
+    </p:extLst>
+  </p:cSld>
+  <p:clrMapOvr>
+    <a:masterClrMapping/>
+  </p:clrMapOvr>
+  <p:hf sldNum="0" hdr="0" ftr="0" dt="0"/>
+</p:sldLayout>
+</file>
+
+<file path=ppt/slideLayouts/slideLayout15.xml><?xml version="1.0" encoding="utf-8"?>
+<p:sldLayout xmlns:a="http://schemas.openxmlformats.org/drawingml/2006/main" xmlns:r="http://schemas.openxmlformats.org/officeDocument/2006/relationships" xmlns:p="http://schemas.openxmlformats.org/presentationml/2006/main" preserve="1">
+  <p:cSld name="3 Afbeelding-kolom">
+    <p:spTree>
+      <p:nvGrpSpPr>
+        <p:cNvPr id="1" name=""/>
+        <p:cNvGrpSpPr/>
+        <p:nvPr/>
+      </p:nvGrpSpPr>
+      <p:grpSpPr>
+        <a:xfrm>
+          <a:off x="0" y="0"/>
+          <a:ext cx="0" cy="0"/>
+          <a:chOff x="0" y="0"/>
+          <a:chExt cx="0" cy="0"/>
+        </a:xfrm>
+      </p:grpSpPr>
+      <p:sp>
+        <p:nvSpPr>
+          <p:cNvPr id="30" name="Title 1"/>
+          <p:cNvSpPr>
+            <a:spLocks noGrp="1"/>
+          </p:cNvSpPr>
+          <p:nvPr>
+            <p:ph type="title"/>
+          </p:nvPr>
+        </p:nvSpPr>
+        <p:spPr>
+          <a:xfrm>
+            <a:off x="838200" y="365125"/>
+            <a:ext cx="10515600" cy="1325563"/>
+          </a:xfrm>
+        </p:spPr>
+        <p:txBody>
+          <a:bodyPr/>
+          <a:lstStyle/>
+          <a:p>
+            <a:r>
+              <a:rPr lang="nl-NL"/>
+              <a:t>Klik om de stijl te bewerken</a:t>
+            </a:r>
+            <a:endParaRPr lang="en-US" dirty="0"/>
+          </a:p>
+        </p:txBody>
+      </p:sp>
+      <p:sp>
+        <p:nvSpPr>
+          <p:cNvPr id="19" name="Text Placeholder 2"/>
+          <p:cNvSpPr>
+            <a:spLocks noGrp="1"/>
+          </p:cNvSpPr>
+          <p:nvPr>
+            <p:ph type="body" idx="1"/>
+          </p:nvPr>
+        </p:nvSpPr>
+        <p:spPr>
+          <a:xfrm>
+            <a:off x="1332085" y="4297503"/>
+            <a:ext cx="2940050" cy="576262"/>
+          </a:xfrm>
+        </p:spPr>
+        <p:txBody>
+          <a:bodyPr anchor="b">
+            <a:noAutofit/>
+          </a:bodyPr>
+          <a:lstStyle>
+            <a:lvl1pPr marL="0" indent="0">
+              <a:buNone/>
+              <a:defRPr sz="2400" b="0">
+                <a:gradFill>
+                  <a:gsLst>
+                    <a:gs pos="34000">
+                      <a:schemeClr val="tx1">
+                        <a:lumMod val="93000"/>
+                      </a:schemeClr>
+                    </a:gs>
+                    <a:gs pos="0">
+                      <a:schemeClr val="bg1">
+                        <a:lumMod val="41000"/>
+                        <a:lumOff val="59000"/>
+                      </a:schemeClr>
+                    </a:gs>
+                    <a:gs pos="100000">
+                      <a:schemeClr val="tx2">
+                        <a:lumMod val="0"/>
+                        <a:lumOff val="100000"/>
+                      </a:schemeClr>
+                    </a:gs>
+                  </a:gsLst>
+                  <a:lin ang="4800000" scaled="0"/>
+                </a:gradFill>
+              </a:defRPr>
+            </a:lvl1pPr>
+            <a:lvl2pPr marL="457200" indent="0">
+              <a:buNone/>
+              <a:defRPr sz="2000" b="1"/>
+            </a:lvl2pPr>
+            <a:lvl3pPr marL="914400" indent="0">
+              <a:buNone/>
+              <a:defRPr sz="1800" b="1"/>
+            </a:lvl3pPr>
+            <a:lvl4pPr marL="1371600" indent="0">
+              <a:buNone/>
+              <a:defRPr sz="1600" b="1"/>
+            </a:lvl4pPr>
+            <a:lvl5pPr marL="1828800" indent="0">
+              <a:buNone/>
+              <a:defRPr sz="1600" b="1"/>
+            </a:lvl5pPr>
+            <a:lvl6pPr marL="2286000" indent="0">
+              <a:buNone/>
+              <a:defRPr sz="1600" b="1"/>
+            </a:lvl6pPr>
+            <a:lvl7pPr marL="2743200" indent="0">
+              <a:buNone/>
+              <a:defRPr sz="1600" b="1"/>
+            </a:lvl7pPr>
+            <a:lvl8pPr marL="3200400" indent="0">
+              <a:buNone/>
+              <a:defRPr sz="1600" b="1"/>
+            </a:lvl8pPr>
+            <a:lvl9pPr marL="3657600" indent="0">
+              <a:buNone/>
+              <a:defRPr sz="1600" b="1"/>
+            </a:lvl9pPr>
+          </a:lstStyle>
+          <a:p>
+            <a:pPr lvl="0"/>
+            <a:r>
+              <a:rPr lang="nl-NL"/>
+              <a:t>Tekststijl van het model bewerken</a:t>
+            </a:r>
+          </a:p>
+        </p:txBody>
+      </p:sp>
+      <p:sp>
+        <p:nvSpPr>
+          <p:cNvPr id="20" name="Picture Placeholder 2"/>
+          <p:cNvSpPr>
+            <a:spLocks noGrp="1" noChangeAspect="1"/>
+          </p:cNvSpPr>
+          <p:nvPr>
+            <p:ph type="pic" idx="15"/>
+          </p:nvPr>
+        </p:nvSpPr>
+        <p:spPr>
+          <a:xfrm>
+            <a:off x="1332085" y="2256354"/>
+            <a:ext cx="2940050" cy="1524000"/>
+          </a:xfrm>
+          <a:prstGeom prst="roundRect">
+            <a:avLst>
+              <a:gd name="adj" fmla="val 1858"/>
+            </a:avLst>
+          </a:prstGeom>
+          <a:effectLst>
+            <a:outerShdw blurRad="50800" dist="50800" dir="5400000" algn="tl" rotWithShape="0">
+              <a:srgbClr val="000000">
+                <a:alpha val="43000"/>
+              </a:srgbClr>
+            </a:outerShdw>
+          </a:effectLst>
+        </p:spPr>
+        <p:txBody>
+          <a:bodyPr anchor="t">
+            <a:normAutofit/>
+          </a:bodyPr>
+          <a:lstStyle>
+            <a:lvl1pPr marL="0" indent="0" algn="ctr">
+              <a:buNone/>
+              <a:defRPr sz="1600"/>
+            </a:lvl1pPr>
+            <a:lvl2pPr marL="457200" indent="0">
+              <a:buNone/>
+              <a:defRPr sz="1600"/>
+            </a:lvl2pPr>
+            <a:lvl3pPr marL="914400" indent="0">
+              <a:buNone/>
+              <a:defRPr sz="1600"/>
+            </a:lvl3pPr>
+            <a:lvl4pPr marL="1371600" indent="0">
+              <a:buNone/>
+              <a:defRPr sz="1600"/>
+            </a:lvl4pPr>
+            <a:lvl5pPr marL="1828800" indent="0">
+              <a:buNone/>
+              <a:defRPr sz="1600"/>
+            </a:lvl5pPr>
+            <a:lvl6pPr marL="2286000" indent="0">
+              <a:buNone/>
+              <a:defRPr sz="1600"/>
+            </a:lvl6pPr>
+            <a:lvl7pPr marL="2743200" indent="0">
+              <a:buNone/>
+              <a:defRPr sz="1600"/>
+            </a:lvl7pPr>
+            <a:lvl8pPr marL="3200400" indent="0">
+              <a:buNone/>
+              <a:defRPr sz="1600"/>
+            </a:lvl8pPr>
+            <a:lvl9pPr marL="3657600" indent="0">
+              <a:buNone/>
+              <a:defRPr sz="1600"/>
+            </a:lvl9pPr>
+          </a:lstStyle>
+          <a:p>
+            <a:r>
+              <a:rPr lang="nl-NL"/>
+              <a:t>Klik op het pictogram als u een afbeelding wilt toevoegen</a:t>
+            </a:r>
+            <a:endParaRPr lang="en-US" dirty="0"/>
+          </a:p>
+        </p:txBody>
+      </p:sp>
+      <p:sp>
+        <p:nvSpPr>
+          <p:cNvPr id="21" name="Text Placeholder 3"/>
+          <p:cNvSpPr>
+            <a:spLocks noGrp="1"/>
+          </p:cNvSpPr>
+          <p:nvPr>
+            <p:ph type="body" sz="half" idx="18"/>
+          </p:nvPr>
+        </p:nvSpPr>
+        <p:spPr>
+          <a:xfrm>
+            <a:off x="1332085" y="4873765"/>
+            <a:ext cx="2940050" cy="659189"/>
+          </a:xfrm>
+        </p:spPr>
+        <p:txBody>
+          <a:bodyPr anchor="t">
+            <a:normAutofit/>
+          </a:bodyPr>
+          <a:lstStyle>
+            <a:lvl1pPr marL="0" indent="0">
+              <a:buNone/>
+              <a:defRPr sz="1400"/>
+            </a:lvl1pPr>
+            <a:lvl2pPr marL="457200" indent="0">
+              <a:buNone/>
+              <a:defRPr sz="1200"/>
+            </a:lvl2pPr>
+            <a:lvl3pPr marL="914400" indent="0">
+              <a:buNone/>
+              <a:defRPr sz="1000"/>
+            </a:lvl3pPr>
+            <a:lvl4pPr marL="1371600" indent="0">
+              <a:buNone/>
+              <a:defRPr sz="900"/>
+            </a:lvl4pPr>
+            <a:lvl5pPr marL="1828800" indent="0">
+              <a:buNone/>
+              <a:defRPr sz="900"/>
+            </a:lvl5pPr>
+            <a:lvl6pPr marL="2286000" indent="0">
+              <a:buNone/>
+              <a:defRPr sz="900"/>
+            </a:lvl6pPr>
+            <a:lvl7pPr marL="2743200" indent="0">
+              <a:buNone/>
+              <a:defRPr sz="900"/>
+            </a:lvl7pPr>
+            <a:lvl8pPr marL="3200400" indent="0">
+              <a:buNone/>
+              <a:defRPr sz="900"/>
+            </a:lvl8pPr>
+            <a:lvl9pPr marL="3657600" indent="0">
+              <a:buNone/>
+              <a:defRPr sz="900"/>
+            </a:lvl9pPr>
+          </a:lstStyle>
+          <a:p>
+            <a:pPr lvl="0"/>
+            <a:r>
+              <a:rPr lang="nl-NL"/>
+              <a:t>Tekststijl van het model bewerken</a:t>
+            </a:r>
+          </a:p>
+        </p:txBody>
+      </p:sp>
+      <p:sp>
+        <p:nvSpPr>
+          <p:cNvPr id="22" name="Text Placeholder 4"/>
+          <p:cNvSpPr>
+            <a:spLocks noGrp="1"/>
+          </p:cNvSpPr>
+          <p:nvPr>
+            <p:ph type="body" sz="quarter" idx="3"/>
+          </p:nvPr>
+        </p:nvSpPr>
+        <p:spPr>
+          <a:xfrm>
+            <a:off x="4568997" y="4297503"/>
+            <a:ext cx="2930525" cy="576262"/>
+          </a:xfrm>
+        </p:spPr>
+        <p:txBody>
+          <a:bodyPr anchor="b">
+            <a:noAutofit/>
+          </a:bodyPr>
+          <a:lstStyle>
+            <a:lvl1pPr marL="0" indent="0">
+              <a:buNone/>
+              <a:defRPr sz="2400" b="0">
+                <a:gradFill>
+                  <a:gsLst>
+                    <a:gs pos="34000">
+                      <a:schemeClr val="tx1">
+                        <a:lumMod val="93000"/>
+                      </a:schemeClr>
+                    </a:gs>
+                    <a:gs pos="0">
+                      <a:schemeClr val="bg1">
+                        <a:lumMod val="41000"/>
+                        <a:lumOff val="59000"/>
+                      </a:schemeClr>
+                    </a:gs>
+                    <a:gs pos="100000">
+                      <a:schemeClr val="tx2">
+                        <a:lumMod val="0"/>
+                        <a:lumOff val="100000"/>
+                      </a:schemeClr>
+                    </a:gs>
+                  </a:gsLst>
+                  <a:lin ang="4800000" scaled="0"/>
+                </a:gradFill>
+              </a:defRPr>
+            </a:lvl1pPr>
+            <a:lvl2pPr marL="457200" indent="0">
+              <a:buNone/>
+              <a:defRPr sz="2000" b="1"/>
+            </a:lvl2pPr>
+            <a:lvl3pPr marL="914400" indent="0">
+              <a:buNone/>
+              <a:defRPr sz="1800" b="1"/>
+            </a:lvl3pPr>
+            <a:lvl4pPr marL="1371600" indent="0">
+              <a:buNone/>
+              <a:defRPr sz="1600" b="1"/>
+            </a:lvl4pPr>
+            <a:lvl5pPr marL="1828800" indent="0">
+              <a:buNone/>
+              <a:defRPr sz="1600" b="1"/>
+            </a:lvl5pPr>
+            <a:lvl6pPr marL="2286000" indent="0">
+              <a:buNone/>
+              <a:defRPr sz="1600" b="1"/>
+            </a:lvl6pPr>
+            <a:lvl7pPr marL="2743200" indent="0">
+              <a:buNone/>
+              <a:defRPr sz="1600" b="1"/>
+            </a:lvl7pPr>
+            <a:lvl8pPr marL="3200400" indent="0">
+              <a:buNone/>
+              <a:defRPr sz="1600" b="1"/>
+            </a:lvl8pPr>
+            <a:lvl9pPr marL="3657600" indent="0">
+              <a:buNone/>
+              <a:defRPr sz="1600" b="1"/>
+            </a:lvl9pPr>
+          </a:lstStyle>
+          <a:p>
+            <a:pPr lvl="0"/>
+            <a:r>
+              <a:rPr lang="nl-NL"/>
+              <a:t>Tekststijl van het model bewerken</a:t>
+            </a:r>
+          </a:p>
+        </p:txBody>
+      </p:sp>
+      <p:sp>
+        <p:nvSpPr>
+          <p:cNvPr id="23" name="Picture Placeholder 2"/>
+          <p:cNvSpPr>
+            <a:spLocks noGrp="1" noChangeAspect="1"/>
+          </p:cNvSpPr>
+          <p:nvPr>
+            <p:ph type="pic" idx="21"/>
+          </p:nvPr>
+        </p:nvSpPr>
+        <p:spPr>
+          <a:xfrm>
+            <a:off x="4568996" y="2256354"/>
+            <a:ext cx="2930525" cy="1524000"/>
+          </a:xfrm>
+          <a:prstGeom prst="roundRect">
+            <a:avLst>
+              <a:gd name="adj" fmla="val 1858"/>
+            </a:avLst>
+          </a:prstGeom>
+          <a:effectLst>
+            <a:outerShdw blurRad="50800" dist="50800" dir="5400000" algn="tl" rotWithShape="0">
+              <a:srgbClr val="000000">
+                <a:alpha val="43000"/>
+              </a:srgbClr>
+            </a:outerShdw>
+          </a:effectLst>
+        </p:spPr>
+        <p:txBody>
+          <a:bodyPr anchor="t">
+            <a:normAutofit/>
+          </a:bodyPr>
+          <a:lstStyle>
+            <a:lvl1pPr marL="0" indent="0" algn="ctr">
+              <a:buNone/>
+              <a:defRPr sz="1600"/>
+            </a:lvl1pPr>
+            <a:lvl2pPr marL="457200" indent="0">
+              <a:buNone/>
+              <a:defRPr sz="1600"/>
+            </a:lvl2pPr>
+            <a:lvl3pPr marL="914400" indent="0">
+              <a:buNone/>
+              <a:defRPr sz="1600"/>
+            </a:lvl3pPr>
+            <a:lvl4pPr marL="1371600" indent="0">
+              <a:buNone/>
+              <a:defRPr sz="1600"/>
+            </a:lvl4pPr>
+            <a:lvl5pPr marL="1828800" indent="0">
+              <a:buNone/>
+              <a:defRPr sz="1600"/>
+            </a:lvl5pPr>
+            <a:lvl6pPr marL="2286000" indent="0">
+              <a:buNone/>
+              <a:defRPr sz="1600"/>
+            </a:lvl6pPr>
+            <a:lvl7pPr marL="2743200" indent="0">
+              <a:buNone/>
+              <a:defRPr sz="1600"/>
+            </a:lvl7pPr>
+            <a:lvl8pPr marL="3200400" indent="0">
+              <a:buNone/>
+              <a:defRPr sz="1600"/>
+            </a:lvl8pPr>
+            <a:lvl9pPr marL="3657600" indent="0">
+              <a:buNone/>
+              <a:defRPr sz="1600"/>
+            </a:lvl9pPr>
+          </a:lstStyle>
+          <a:p>
+            <a:r>
+              <a:rPr lang="nl-NL"/>
+              <a:t>Klik op het pictogram als u een afbeelding wilt toevoegen</a:t>
+            </a:r>
+            <a:endParaRPr lang="en-US" dirty="0"/>
+          </a:p>
+        </p:txBody>
+      </p:sp>
+      <p:sp>
+        <p:nvSpPr>
+          <p:cNvPr id="24" name="Text Placeholder 3"/>
+          <p:cNvSpPr>
+            <a:spLocks noGrp="1"/>
+          </p:cNvSpPr>
+          <p:nvPr>
+            <p:ph type="body" sz="half" idx="19"/>
+          </p:nvPr>
+        </p:nvSpPr>
+        <p:spPr>
+          <a:xfrm>
+            <a:off x="4567644" y="4873764"/>
+            <a:ext cx="2934406" cy="659189"/>
+          </a:xfrm>
+        </p:spPr>
+        <p:txBody>
+          <a:bodyPr anchor="t">
+            <a:normAutofit/>
+          </a:bodyPr>
+          <a:lstStyle>
+            <a:lvl1pPr marL="0" indent="0">
+              <a:buNone/>
+              <a:defRPr sz="1400"/>
+            </a:lvl1pPr>
+            <a:lvl2pPr marL="457200" indent="0">
+              <a:buNone/>
+              <a:defRPr sz="1200"/>
+            </a:lvl2pPr>
+            <a:lvl3pPr marL="914400" indent="0">
+              <a:buNone/>
+              <a:defRPr sz="1000"/>
+            </a:lvl3pPr>
+            <a:lvl4pPr marL="1371600" indent="0">
+              <a:buNone/>
+              <a:defRPr sz="900"/>
+            </a:lvl4pPr>
+            <a:lvl5pPr marL="1828800" indent="0">
+              <a:buNone/>
+              <a:defRPr sz="900"/>
+            </a:lvl5pPr>
+            <a:lvl6pPr marL="2286000" indent="0">
+              <a:buNone/>
+              <a:defRPr sz="900"/>
+            </a:lvl6pPr>
+            <a:lvl7pPr marL="2743200" indent="0">
+              <a:buNone/>
+              <a:defRPr sz="900"/>
+            </a:lvl7pPr>
+            <a:lvl8pPr marL="3200400" indent="0">
+              <a:buNone/>
+              <a:defRPr sz="900"/>
+            </a:lvl8pPr>
+            <a:lvl9pPr marL="3657600" indent="0">
+              <a:buNone/>
+              <a:defRPr sz="900"/>
+            </a:lvl9pPr>
+          </a:lstStyle>
+          <a:p>
+            <a:pPr lvl="0"/>
+            <a:r>
+              <a:rPr lang="nl-NL"/>
+              <a:t>Tekststijl van het model bewerken</a:t>
+            </a:r>
+          </a:p>
+        </p:txBody>
+      </p:sp>
+      <p:sp>
+        <p:nvSpPr>
+          <p:cNvPr id="25" name="Text Placeholder 4"/>
+          <p:cNvSpPr>
+            <a:spLocks noGrp="1"/>
+          </p:cNvSpPr>
+          <p:nvPr>
+            <p:ph type="body" sz="quarter" idx="13"/>
+          </p:nvPr>
+        </p:nvSpPr>
+        <p:spPr>
+          <a:xfrm>
+            <a:off x="7804322" y="4297503"/>
+            <a:ext cx="2932113" cy="576262"/>
+          </a:xfrm>
+        </p:spPr>
+        <p:txBody>
+          <a:bodyPr anchor="b">
+            <a:noAutofit/>
+          </a:bodyPr>
+          <a:lstStyle>
+            <a:lvl1pPr marL="0" indent="0">
+              <a:buNone/>
+              <a:defRPr sz="2400" b="0">
+                <a:gradFill>
+                  <a:gsLst>
+                    <a:gs pos="34000">
+                      <a:schemeClr val="tx1">
+                        <a:lumMod val="93000"/>
+                      </a:schemeClr>
+                    </a:gs>
+                    <a:gs pos="0">
+                      <a:schemeClr val="bg1">
+                        <a:lumMod val="41000"/>
+                        <a:lumOff val="59000"/>
+                      </a:schemeClr>
+                    </a:gs>
+                    <a:gs pos="100000">
+                      <a:schemeClr val="tx2">
+                        <a:lumMod val="0"/>
+                        <a:lumOff val="100000"/>
+                      </a:schemeClr>
+                    </a:gs>
+                  </a:gsLst>
+                  <a:lin ang="4800000" scaled="0"/>
+                </a:gradFill>
+              </a:defRPr>
+            </a:lvl1pPr>
+            <a:lvl2pPr marL="457200" indent="0">
+              <a:buNone/>
+              <a:defRPr sz="2000" b="1"/>
+            </a:lvl2pPr>
+            <a:lvl3pPr marL="914400" indent="0">
+              <a:buNone/>
+              <a:defRPr sz="1800" b="1"/>
+            </a:lvl3pPr>
+            <a:lvl4pPr marL="1371600" indent="0">
+              <a:buNone/>
+              <a:defRPr sz="1600" b="1"/>
+            </a:lvl4pPr>
+            <a:lvl5pPr marL="1828800" indent="0">
+              <a:buNone/>
+              <a:defRPr sz="1600" b="1"/>
+            </a:lvl5pPr>
+            <a:lvl6pPr marL="2286000" indent="0">
+              <a:buNone/>
+              <a:defRPr sz="1600" b="1"/>
+            </a:lvl6pPr>
+            <a:lvl7pPr marL="2743200" indent="0">
+              <a:buNone/>
+              <a:defRPr sz="1600" b="1"/>
+            </a:lvl7pPr>
+            <a:lvl8pPr marL="3200400" indent="0">
+              <a:buNone/>
+              <a:defRPr sz="1600" b="1"/>
+            </a:lvl8pPr>
+            <a:lvl9pPr marL="3657600" indent="0">
+              <a:buNone/>
+              <a:defRPr sz="1600" b="1"/>
+            </a:lvl9pPr>
+          </a:lstStyle>
+          <a:p>
+            <a:pPr lvl="0"/>
+            <a:r>
+              <a:rPr lang="nl-NL"/>
+              <a:t>Tekststijl van het model bewerken</a:t>
+            </a:r>
+          </a:p>
+        </p:txBody>
+      </p:sp>
+      <p:sp>
+        <p:nvSpPr>
+          <p:cNvPr id="26" name="Picture Placeholder 2"/>
+          <p:cNvSpPr>
+            <a:spLocks noGrp="1" noChangeAspect="1"/>
+          </p:cNvSpPr>
+          <p:nvPr>
+            <p:ph type="pic" idx="22"/>
+          </p:nvPr>
+        </p:nvSpPr>
+        <p:spPr>
+          <a:xfrm>
+            <a:off x="7804321" y="2256354"/>
+            <a:ext cx="2932113" cy="1524000"/>
+          </a:xfrm>
+          <a:prstGeom prst="roundRect">
+            <a:avLst>
+              <a:gd name="adj" fmla="val 1858"/>
+            </a:avLst>
+          </a:prstGeom>
+          <a:effectLst>
+            <a:outerShdw blurRad="50800" dist="50800" dir="5400000" algn="tl" rotWithShape="0">
+              <a:srgbClr val="000000">
+                <a:alpha val="43000"/>
+              </a:srgbClr>
+            </a:outerShdw>
+          </a:effectLst>
+        </p:spPr>
+        <p:txBody>
+          <a:bodyPr anchor="t">
+            <a:normAutofit/>
+          </a:bodyPr>
+          <a:lstStyle>
+            <a:lvl1pPr marL="0" indent="0" algn="ctr">
+              <a:buNone/>
+              <a:defRPr sz="1600"/>
+            </a:lvl1pPr>
+            <a:lvl2pPr marL="457200" indent="0">
+              <a:buNone/>
+              <a:defRPr sz="1600"/>
+            </a:lvl2pPr>
+            <a:lvl3pPr marL="914400" indent="0">
+              <a:buNone/>
+              <a:defRPr sz="1600"/>
+            </a:lvl3pPr>
+            <a:lvl4pPr marL="1371600" indent="0">
+              <a:buNone/>
+              <a:defRPr sz="1600"/>
+            </a:lvl4pPr>
+            <a:lvl5pPr marL="1828800" indent="0">
+              <a:buNone/>
+              <a:defRPr sz="1600"/>
+            </a:lvl5pPr>
+            <a:lvl6pPr marL="2286000" indent="0">
+              <a:buNone/>
+              <a:defRPr sz="1600"/>
+            </a:lvl6pPr>
+            <a:lvl7pPr marL="2743200" indent="0">
+              <a:buNone/>
+              <a:defRPr sz="1600"/>
+            </a:lvl7pPr>
+            <a:lvl8pPr marL="3200400" indent="0">
+              <a:buNone/>
+              <a:defRPr sz="1600"/>
+            </a:lvl8pPr>
+            <a:lvl9pPr marL="3657600" indent="0">
+              <a:buNone/>
+              <a:defRPr sz="1600"/>
+            </a:lvl9pPr>
+          </a:lstStyle>
+          <a:p>
+            <a:r>
+              <a:rPr lang="nl-NL"/>
+              <a:t>Klik op het pictogram als u een afbeelding wilt toevoegen</a:t>
+            </a:r>
+            <a:endParaRPr lang="en-US" dirty="0"/>
+          </a:p>
+        </p:txBody>
+      </p:sp>
+      <p:sp>
+        <p:nvSpPr>
+          <p:cNvPr id="27" name="Text Placeholder 3"/>
+          <p:cNvSpPr>
+            <a:spLocks noGrp="1"/>
+          </p:cNvSpPr>
+          <p:nvPr>
+            <p:ph type="body" sz="half" idx="20"/>
+          </p:nvPr>
+        </p:nvSpPr>
+        <p:spPr>
+          <a:xfrm>
+            <a:off x="7804197" y="4873762"/>
+            <a:ext cx="2935997" cy="659189"/>
+          </a:xfrm>
+        </p:spPr>
+        <p:txBody>
+          <a:bodyPr anchor="t">
+            <a:normAutofit/>
+          </a:bodyPr>
+          <a:lstStyle>
+            <a:lvl1pPr marL="0" indent="0">
+              <a:buNone/>
+              <a:defRPr sz="1400"/>
+            </a:lvl1pPr>
+            <a:lvl2pPr marL="457200" indent="0">
+              <a:buNone/>
+              <a:defRPr sz="1200"/>
+            </a:lvl2pPr>
+            <a:lvl3pPr marL="914400" indent="0">
+              <a:buNone/>
+              <a:defRPr sz="1000"/>
+            </a:lvl3pPr>
+            <a:lvl4pPr marL="1371600" indent="0">
+              <a:buNone/>
+              <a:defRPr sz="900"/>
+            </a:lvl4pPr>
+            <a:lvl5pPr marL="1828800" indent="0">
+              <a:buNone/>
+              <a:defRPr sz="900"/>
+            </a:lvl5pPr>
+            <a:lvl6pPr marL="2286000" indent="0">
+              <a:buNone/>
+              <a:defRPr sz="900"/>
+            </a:lvl6pPr>
+            <a:lvl7pPr marL="2743200" indent="0">
+              <a:buNone/>
+              <a:defRPr sz="900"/>
+            </a:lvl7pPr>
+            <a:lvl8pPr marL="3200400" indent="0">
+              <a:buNone/>
+              <a:defRPr sz="900"/>
+            </a:lvl8pPr>
+            <a:lvl9pPr marL="3657600" indent="0">
+              <a:buNone/>
+              <a:defRPr sz="900"/>
+            </a:lvl9pPr>
+          </a:lstStyle>
+          <a:p>
+            <a:pPr lvl="0"/>
+            <a:r>
+              <a:rPr lang="nl-NL"/>
+              <a:t>Tekststijl van het model bewerken</a:t>
+            </a:r>
+          </a:p>
+        </p:txBody>
+      </p:sp>
+      <p:sp>
+        <p:nvSpPr>
+          <p:cNvPr id="3" name="Date Placeholder 2"/>
+          <p:cNvSpPr>
+            <a:spLocks noGrp="1"/>
+          </p:cNvSpPr>
+          <p:nvPr>
+            <p:ph type="dt" sz="half" idx="10"/>
+          </p:nvPr>
+        </p:nvSpPr>
+        <p:spPr/>
+        <p:txBody>
+          <a:bodyPr/>
+          <a:lstStyle/>
+          <a:p>
+            <a:fld id="{0E59FD0C-5451-4CA0-86AF-E70AE3279989}" type="datetimeFigureOut">
+              <a:rPr lang="en-US" smtClean="0"/>
+              <a:t>1/3/2017</a:t>
+            </a:fld>
+            <a:endParaRPr lang="en-US" dirty="0"/>
+          </a:p>
+        </p:txBody>
+      </p:sp>
+      <p:sp>
+        <p:nvSpPr>
+          <p:cNvPr id="4" name="Footer Placeholder 3"/>
+          <p:cNvSpPr>
+            <a:spLocks noGrp="1"/>
+          </p:cNvSpPr>
+          <p:nvPr>
+            <p:ph type="ftr" sz="quarter" idx="11"/>
+          </p:nvPr>
+        </p:nvSpPr>
+        <p:spPr/>
+        <p:txBody>
+          <a:bodyPr/>
+          <a:lstStyle/>
+          <a:p>
+            <a:endParaRPr lang="en-US" dirty="0"/>
+          </a:p>
+        </p:txBody>
+      </p:sp>
+      <p:sp>
+        <p:nvSpPr>
+          <p:cNvPr id="5" name="Slide Number Placeholder 4"/>
+          <p:cNvSpPr>
+            <a:spLocks noGrp="1"/>
+          </p:cNvSpPr>
+          <p:nvPr>
+            <p:ph type="sldNum" sz="quarter" idx="12"/>
+          </p:nvPr>
+        </p:nvSpPr>
+        <p:spPr/>
+        <p:txBody>
+          <a:bodyPr/>
+          <a:lstStyle/>
+          <a:p>
+            <a:fld id="{4FAB73BC-B049-4115-A692-8D63A059BFB8}" type="slidenum">
+              <a:rPr lang="en-US" smtClean="0"/>
+              <a:pPr/>
+              <a:t>‹nr.›</a:t>
+            </a:fld>
+            <a:endParaRPr lang="en-US" dirty="0"/>
+          </a:p>
+        </p:txBody>
+      </p:sp>
+    </p:spTree>
+    <p:extLst>
+      <p:ext uri="{BB962C8B-B14F-4D97-AF65-F5344CB8AC3E}">
+        <p14:creationId xmlns:p14="http://schemas.microsoft.com/office/powerpoint/2010/main" val="1754962899"/>
+      </p:ext>
+    </p:extLst>
+  </p:cSld>
+  <p:clrMapOvr>
+    <a:masterClrMapping/>
+  </p:clrMapOvr>
+  <p:hf sldNum="0" hdr="0" ftr="0" dt="0"/>
+</p:sldLayout>
+</file>
+
+<file path=ppt/slideLayouts/slideLayout16.xml><?xml version="1.0" encoding="utf-8"?>
 <p:sldLayout xmlns:a="http://schemas.openxmlformats.org/drawingml/2006/main" xmlns:r="http://schemas.openxmlformats.org/officeDocument/2006/relationships" xmlns:p="http://schemas.openxmlformats.org/presentationml/2006/main" type="vertTx" preserve="1">
   <p:cSld name="Titel en verticale tekst">
     <p:spTree>
@@ -427,7 +2955,7 @@
           <a:lstStyle/>
           <a:p>
             <a:r>
-              <a:rPr lang="nl-NL" smtClean="0"/>
+              <a:rPr lang="nl-NL"/>
               <a:t>Klik om de stijl te bewerken</a:t>
             </a:r>
             <a:endParaRPr lang="en-US" dirty="0"/>
@@ -451,35 +2979,35 @@
           <a:p>
             <a:pPr lvl="0"/>
             <a:r>
-              <a:rPr lang="nl-NL" smtClean="0"/>
-              <a:t>Klik om de modelstijlen te bewerken</a:t>
+              <a:rPr lang="nl-NL"/>
+              <a:t>Tekststijl van het model bewerken</a:t>
             </a:r>
           </a:p>
           <a:p>
             <a:pPr lvl="1"/>
             <a:r>
-              <a:rPr lang="nl-NL" smtClean="0"/>
+              <a:rPr lang="nl-NL"/>
               <a:t>Tweede niveau</a:t>
             </a:r>
           </a:p>
           <a:p>
             <a:pPr lvl="2"/>
             <a:r>
-              <a:rPr lang="nl-NL" smtClean="0"/>
+              <a:rPr lang="nl-NL"/>
               <a:t>Derde niveau</a:t>
             </a:r>
           </a:p>
           <a:p>
             <a:pPr lvl="3"/>
             <a:r>
-              <a:rPr lang="nl-NL" smtClean="0"/>
+              <a:rPr lang="nl-NL"/>
               <a:t>Vierde niveau</a:t>
             </a:r>
           </a:p>
           <a:p>
             <a:pPr lvl="4"/>
             <a:r>
-              <a:rPr lang="nl-NL" smtClean="0"/>
+              <a:rPr lang="nl-NL"/>
               <a:t>Vijfde niveau</a:t>
             </a:r>
             <a:endParaRPr lang="en-US" dirty="0"/>
@@ -501,9 +3029,9 @@
           <a:bodyPr/>
           <a:lstStyle/>
           <a:p>
-            <a:fld id="{48A87A34-81AB-432B-8DAE-1953F412C126}" type="datetimeFigureOut">
+            <a:fld id="{C033E54A-A8CA-48C1-9504-691B58049D29}" type="datetimeFigureOut">
               <a:rPr lang="en-US" smtClean="0"/>
-              <a:t>10/26/2016</a:t>
+              <a:t>1/3/2017</a:t>
             </a:fld>
             <a:endParaRPr lang="en-US" dirty="0"/>
           </a:p>
@@ -543,7 +3071,7 @@
           <a:bodyPr/>
           <a:lstStyle/>
           <a:p>
-            <a:fld id="{6D22F896-40B5-4ADD-8801-0D06FADFA095}" type="slidenum">
+            <a:fld id="{4FAB73BC-B049-4115-A692-8D63A059BFB8}" type="slidenum">
               <a:rPr lang="en-US" smtClean="0"/>
               <a:t>‹nr.›</a:t>
             </a:fld>
@@ -554,7 +3082,7 @@
     </p:spTree>
     <p:extLst>
       <p:ext uri="{BB962C8B-B14F-4D97-AF65-F5344CB8AC3E}">
-        <p14:creationId xmlns:p14="http://schemas.microsoft.com/office/powerpoint/2010/main" val="2507693127"/>
+        <p14:creationId xmlns:p14="http://schemas.microsoft.com/office/powerpoint/2010/main" val="1540597611"/>
       </p:ext>
     </p:extLst>
   </p:cSld>
@@ -564,7 +3092,7 @@
 </p:sldLayout>
 </file>
 
-<file path=ppt/slideLayouts/slideLayout11.xml><?xml version="1.0" encoding="utf-8"?>
+<file path=ppt/slideLayouts/slideLayout17.xml><?xml version="1.0" encoding="utf-8"?>
 <p:sldLayout xmlns:a="http://schemas.openxmlformats.org/drawingml/2006/main" xmlns:r="http://schemas.openxmlformats.org/officeDocument/2006/relationships" xmlns:p="http://schemas.openxmlformats.org/presentationml/2006/main" type="vertTitleAndTx" preserve="1">
   <p:cSld name="Verticale titel en tekst">
     <p:spTree>
@@ -593,8 +3121,8 @@
         </p:nvSpPr>
         <p:spPr>
           <a:xfrm>
-            <a:off x="8648700" y="381000"/>
-            <a:ext cx="2476500" cy="5897562"/>
+            <a:off x="8724900" y="365125"/>
+            <a:ext cx="2628900" cy="5811838"/>
           </a:xfrm>
         </p:spPr>
         <p:txBody>
@@ -602,7 +3130,7 @@
           <a:lstStyle/>
           <a:p>
             <a:r>
-              <a:rPr lang="nl-NL" smtClean="0"/>
+              <a:rPr lang="nl-NL"/>
               <a:t>Klik om de stijl te bewerken</a:t>
             </a:r>
             <a:endParaRPr lang="en-US" dirty="0"/>
@@ -621,8 +3149,8 @@
         </p:nvSpPr>
         <p:spPr>
           <a:xfrm>
-            <a:off x="762000" y="381000"/>
-            <a:ext cx="7734300" cy="5897562"/>
+            <a:off x="838200" y="365125"/>
+            <a:ext cx="7734300" cy="5811838"/>
           </a:xfrm>
         </p:spPr>
         <p:txBody>
@@ -631,35 +3159,35 @@
           <a:p>
             <a:pPr lvl="0"/>
             <a:r>
-              <a:rPr lang="nl-NL" smtClean="0"/>
-              <a:t>Klik om de modelstijlen te bewerken</a:t>
+              <a:rPr lang="nl-NL"/>
+              <a:t>Tekststijl van het model bewerken</a:t>
             </a:r>
           </a:p>
           <a:p>
             <a:pPr lvl="1"/>
             <a:r>
-              <a:rPr lang="nl-NL" smtClean="0"/>
+              <a:rPr lang="nl-NL"/>
               <a:t>Tweede niveau</a:t>
             </a:r>
           </a:p>
           <a:p>
             <a:pPr lvl="2"/>
             <a:r>
-              <a:rPr lang="nl-NL" smtClean="0"/>
+              <a:rPr lang="nl-NL"/>
               <a:t>Derde niveau</a:t>
             </a:r>
           </a:p>
           <a:p>
             <a:pPr lvl="3"/>
             <a:r>
-              <a:rPr lang="nl-NL" smtClean="0"/>
+              <a:rPr lang="nl-NL"/>
               <a:t>Vierde niveau</a:t>
             </a:r>
           </a:p>
           <a:p>
             <a:pPr lvl="4"/>
             <a:r>
-              <a:rPr lang="nl-NL" smtClean="0"/>
+              <a:rPr lang="nl-NL"/>
               <a:t>Vijfde niveau</a:t>
             </a:r>
             <a:endParaRPr lang="en-US" dirty="0"/>
@@ -681,9 +3209,9 @@
           <a:bodyPr/>
           <a:lstStyle/>
           <a:p>
-            <a:fld id="{48A87A34-81AB-432B-8DAE-1953F412C126}" type="datetimeFigureOut">
+            <a:fld id="{B5F6C806-BBF7-471C-9527-881CE2266695}" type="datetimeFigureOut">
               <a:rPr lang="en-US" smtClean="0"/>
-              <a:t>10/26/2016</a:t>
+              <a:t>1/3/2017</a:t>
             </a:fld>
             <a:endParaRPr lang="en-US" dirty="0"/>
           </a:p>
@@ -723,7 +3251,7 @@
           <a:bodyPr/>
           <a:lstStyle/>
           <a:p>
-            <a:fld id="{6D22F896-40B5-4ADD-8801-0D06FADFA095}" type="slidenum">
+            <a:fld id="{4FAB73BC-B049-4115-A692-8D63A059BFB8}" type="slidenum">
               <a:rPr lang="en-US" smtClean="0"/>
               <a:t>‹nr.›</a:t>
             </a:fld>
@@ -734,7 +3262,7 @@
     </p:spTree>
     <p:extLst>
       <p:ext uri="{BB962C8B-B14F-4D97-AF65-F5344CB8AC3E}">
-        <p14:creationId xmlns:p14="http://schemas.microsoft.com/office/powerpoint/2010/main" val="2612069914"/>
+        <p14:creationId xmlns:p14="http://schemas.microsoft.com/office/powerpoint/2010/main" val="2966047798"/>
       </p:ext>
     </p:extLst>
   </p:cSld>
@@ -763,7 +3291,7 @@
       </p:grpSpPr>
       <p:sp>
         <p:nvSpPr>
-          <p:cNvPr id="2" name="Title 1"/>
+          <p:cNvPr id="8" name="Title 1"/>
           <p:cNvSpPr>
             <a:spLocks noGrp="1"/>
           </p:cNvSpPr>
@@ -777,7 +3305,7 @@
           <a:lstStyle/>
           <a:p>
             <a:r>
-              <a:rPr lang="nl-NL" smtClean="0"/>
+              <a:rPr lang="nl-NL"/>
               <a:t>Klik om de stijl te bewerken</a:t>
             </a:r>
             <a:endParaRPr lang="en-US" dirty="0"/>
@@ -801,35 +3329,35 @@
           <a:p>
             <a:pPr lvl="0"/>
             <a:r>
-              <a:rPr lang="nl-NL" smtClean="0"/>
-              <a:t>Klik om de modelstijlen te bewerken</a:t>
+              <a:rPr lang="nl-NL"/>
+              <a:t>Tekststijl van het model bewerken</a:t>
             </a:r>
           </a:p>
           <a:p>
             <a:pPr lvl="1"/>
             <a:r>
-              <a:rPr lang="nl-NL" smtClean="0"/>
+              <a:rPr lang="nl-NL"/>
               <a:t>Tweede niveau</a:t>
             </a:r>
           </a:p>
           <a:p>
             <a:pPr lvl="2"/>
             <a:r>
-              <a:rPr lang="nl-NL" smtClean="0"/>
+              <a:rPr lang="nl-NL"/>
               <a:t>Derde niveau</a:t>
             </a:r>
           </a:p>
           <a:p>
             <a:pPr lvl="3"/>
             <a:r>
-              <a:rPr lang="nl-NL" smtClean="0"/>
+              <a:rPr lang="nl-NL"/>
               <a:t>Vierde niveau</a:t>
             </a:r>
           </a:p>
           <a:p>
             <a:pPr lvl="4"/>
             <a:r>
-              <a:rPr lang="nl-NL" smtClean="0"/>
+              <a:rPr lang="nl-NL"/>
               <a:t>Vijfde niveau</a:t>
             </a:r>
             <a:endParaRPr lang="en-US" dirty="0"/>
@@ -851,9 +3379,9 @@
           <a:bodyPr/>
           <a:lstStyle/>
           <a:p>
-            <a:fld id="{48A87A34-81AB-432B-8DAE-1953F412C126}" type="datetimeFigureOut">
+            <a:fld id="{78C94063-DF36-4330-A365-08DA1FA5B7D6}" type="datetimeFigureOut">
               <a:rPr lang="en-US" smtClean="0"/>
-              <a:t>10/26/2016</a:t>
+              <a:t>1/3/2017</a:t>
             </a:fld>
             <a:endParaRPr lang="en-US" dirty="0"/>
           </a:p>
@@ -893,7 +3421,7 @@
           <a:bodyPr/>
           <a:lstStyle/>
           <a:p>
-            <a:fld id="{6D22F896-40B5-4ADD-8801-0D06FADFA095}" type="slidenum">
+            <a:fld id="{4FAB73BC-B049-4115-A692-8D63A059BFB8}" type="slidenum">
               <a:rPr lang="en-US" smtClean="0"/>
               <a:t>‹nr.›</a:t>
             </a:fld>
@@ -904,7 +3432,7 @@
     </p:spTree>
     <p:extLst>
       <p:ext uri="{BB962C8B-B14F-4D97-AF65-F5344CB8AC3E}">
-        <p14:creationId xmlns:p14="http://schemas.microsoft.com/office/powerpoint/2010/main" val="2148934345"/>
+        <p14:creationId xmlns:p14="http://schemas.microsoft.com/office/powerpoint/2010/main" val="54003304"/>
       </p:ext>
     </p:extLst>
   </p:cSld>
@@ -933,18 +3461,84 @@
       </p:grpSpPr>
       <p:sp>
         <p:nvSpPr>
-          <p:cNvPr id="2" name="Title 1"/>
-          <p:cNvSpPr>
-            <a:spLocks noGrp="1"/>
-          </p:cNvSpPr>
-          <p:nvPr>
-            <p:ph type="title"/>
+          <p:cNvPr id="7" name="Title 1"/>
+          <p:cNvSpPr>
+            <a:spLocks noGrp="1"/>
+          </p:cNvSpPr>
+          <p:nvPr>
+            <p:ph type="ctrTitle"/>
           </p:nvPr>
         </p:nvSpPr>
         <p:spPr>
           <a:xfrm>
-            <a:off x="1261872" y="758952"/>
-            <a:ext cx="9418320" cy="4041648"/>
+            <a:off x="854532" y="4464028"/>
+            <a:ext cx="9144000" cy="1641490"/>
+          </a:xfrm>
+        </p:spPr>
+        <p:txBody>
+          <a:bodyPr wrap="none" anchor="t">
+            <a:normAutofit/>
+          </a:bodyPr>
+          <a:lstStyle>
+            <a:lvl1pPr algn="l">
+              <a:defRPr sz="9600" b="0" spc="-300">
+                <a:gradFill flip="none" rotWithShape="1">
+                  <a:gsLst>
+                    <a:gs pos="32000">
+                      <a:schemeClr val="tx1">
+                        <a:lumMod val="89000"/>
+                      </a:schemeClr>
+                    </a:gs>
+                    <a:gs pos="0">
+                      <a:schemeClr val="bg1">
+                        <a:lumMod val="47000"/>
+                        <a:lumOff val="53000"/>
+                      </a:schemeClr>
+                    </a:gs>
+                    <a:gs pos="100000">
+                      <a:schemeClr val="tx2">
+                        <a:lumMod val="0"/>
+                        <a:lumOff val="100000"/>
+                      </a:schemeClr>
+                    </a:gs>
+                  </a:gsLst>
+                  <a:lin ang="8100000" scaled="1"/>
+                  <a:tileRect/>
+                </a:gradFill>
+                <a:effectLst>
+                  <a:outerShdw blurRad="469900" dist="342900" dir="5400000" sy="-20000" rotWithShape="0">
+                    <a:prstClr val="black">
+                      <a:alpha val="66000"/>
+                    </a:prstClr>
+                  </a:outerShdw>
+                </a:effectLst>
+                <a:latin typeface="+mj-lt"/>
+              </a:defRPr>
+            </a:lvl1pPr>
+          </a:lstStyle>
+          <a:p>
+            <a:r>
+              <a:rPr lang="nl-NL"/>
+              <a:t>Klik om de stijl te bewerken</a:t>
+            </a:r>
+            <a:endParaRPr lang="en-US" dirty="0"/>
+          </a:p>
+        </p:txBody>
+      </p:sp>
+      <p:sp>
+        <p:nvSpPr>
+          <p:cNvPr id="8" name="Subtitle 2"/>
+          <p:cNvSpPr>
+            <a:spLocks noGrp="1"/>
+          </p:cNvSpPr>
+          <p:nvPr>
+            <p:ph type="subTitle" idx="1"/>
+          </p:nvPr>
+        </p:nvSpPr>
+        <p:spPr>
+          <a:xfrm>
+            <a:off x="854532" y="3693674"/>
+            <a:ext cx="9144000" cy="754025"/>
           </a:xfrm>
         </p:spPr>
         <p:txBody>
@@ -952,141 +3546,78 @@
             <a:normAutofit/>
           </a:bodyPr>
           <a:lstStyle>
-            <a:lvl1pPr>
-              <a:lnSpc>
-                <a:spcPct val="85000"/>
-              </a:lnSpc>
-              <a:defRPr sz="7200" b="0"/>
-            </a:lvl1pPr>
-          </a:lstStyle>
-          <a:p>
-            <a:r>
-              <a:rPr lang="nl-NL" smtClean="0"/>
-              <a:t>Klik om de stijl te bewerken</a:t>
-            </a:r>
-            <a:endParaRPr lang="en-US" dirty="0"/>
-          </a:p>
-        </p:txBody>
-      </p:sp>
-      <p:sp>
-        <p:nvSpPr>
-          <p:cNvPr id="3" name="Text Placeholder 2"/>
-          <p:cNvSpPr>
-            <a:spLocks noGrp="1"/>
-          </p:cNvSpPr>
-          <p:nvPr>
-            <p:ph type="body" idx="1"/>
-          </p:nvPr>
-        </p:nvSpPr>
-        <p:spPr>
-          <a:xfrm>
-            <a:off x="1261872" y="4800600"/>
-            <a:ext cx="9418320" cy="1691640"/>
-          </a:xfrm>
-        </p:spPr>
-        <p:txBody>
-          <a:bodyPr anchor="t">
-            <a:normAutofit/>
-          </a:bodyPr>
-          <a:lstStyle>
-            <a:lvl1pPr marL="0" indent="0">
-              <a:buNone/>
-              <a:defRPr sz="2200">
-                <a:solidFill>
-                  <a:schemeClr val="tx1">
-                    <a:lumMod val="65000"/>
-                    <a:lumOff val="35000"/>
-                  </a:schemeClr>
-                </a:solidFill>
+            <a:lvl1pPr marL="0" indent="0" algn="l">
+              <a:buNone/>
+              <a:defRPr sz="3200" b="0">
+                <a:gradFill flip="none" rotWithShape="1">
+                  <a:gsLst>
+                    <a:gs pos="15000">
+                      <a:schemeClr val="tx2"/>
+                    </a:gs>
+                    <a:gs pos="73000">
+                      <a:schemeClr val="tx2">
+                        <a:lumMod val="60000"/>
+                        <a:lumOff val="40000"/>
+                      </a:schemeClr>
+                    </a:gs>
+                    <a:gs pos="0">
+                      <a:schemeClr val="tx2">
+                        <a:lumMod val="90000"/>
+                        <a:lumOff val="10000"/>
+                      </a:schemeClr>
+                    </a:gs>
+                    <a:gs pos="100000">
+                      <a:schemeClr val="tx2">
+                        <a:lumMod val="0"/>
+                        <a:lumOff val="100000"/>
+                      </a:schemeClr>
+                    </a:gs>
+                  </a:gsLst>
+                  <a:lin ang="16200000" scaled="1"/>
+                  <a:tileRect/>
+                </a:gradFill>
+                <a:latin typeface="+mj-lt"/>
               </a:defRPr>
             </a:lvl1pPr>
-            <a:lvl2pPr marL="457200" indent="0">
-              <a:buNone/>
-              <a:defRPr sz="1800">
-                <a:solidFill>
-                  <a:schemeClr val="tx1">
-                    <a:tint val="75000"/>
-                  </a:schemeClr>
-                </a:solidFill>
-              </a:defRPr>
+            <a:lvl2pPr marL="457200" indent="0" algn="ctr">
+              <a:buNone/>
+              <a:defRPr sz="2000"/>
             </a:lvl2pPr>
-            <a:lvl3pPr marL="914400" indent="0">
-              <a:buNone/>
-              <a:defRPr sz="1600">
-                <a:solidFill>
-                  <a:schemeClr val="tx1">
-                    <a:tint val="75000"/>
-                  </a:schemeClr>
-                </a:solidFill>
-              </a:defRPr>
+            <a:lvl3pPr marL="914400" indent="0" algn="ctr">
+              <a:buNone/>
+              <a:defRPr sz="1800"/>
             </a:lvl3pPr>
-            <a:lvl4pPr marL="1371600" indent="0">
-              <a:buNone/>
-              <a:defRPr sz="1400">
-                <a:solidFill>
-                  <a:schemeClr val="tx1">
-                    <a:tint val="75000"/>
-                  </a:schemeClr>
-                </a:solidFill>
-              </a:defRPr>
+            <a:lvl4pPr marL="1371600" indent="0" algn="ctr">
+              <a:buNone/>
+              <a:defRPr sz="1600"/>
             </a:lvl4pPr>
-            <a:lvl5pPr marL="1828800" indent="0">
-              <a:buNone/>
-              <a:defRPr sz="1400">
-                <a:solidFill>
-                  <a:schemeClr val="tx1">
-                    <a:tint val="75000"/>
-                  </a:schemeClr>
-                </a:solidFill>
-              </a:defRPr>
+            <a:lvl5pPr marL="1828800" indent="0" algn="ctr">
+              <a:buNone/>
+              <a:defRPr sz="1600"/>
             </a:lvl5pPr>
-            <a:lvl6pPr marL="2286000" indent="0">
-              <a:buNone/>
-              <a:defRPr sz="1400">
-                <a:solidFill>
-                  <a:schemeClr val="tx1">
-                    <a:tint val="75000"/>
-                  </a:schemeClr>
-                </a:solidFill>
-              </a:defRPr>
+            <a:lvl6pPr marL="2286000" indent="0" algn="ctr">
+              <a:buNone/>
+              <a:defRPr sz="1600"/>
             </a:lvl6pPr>
-            <a:lvl7pPr marL="2743200" indent="0">
-              <a:buNone/>
-              <a:defRPr sz="1400">
-                <a:solidFill>
-                  <a:schemeClr val="tx1">
-                    <a:tint val="75000"/>
-                  </a:schemeClr>
-                </a:solidFill>
-              </a:defRPr>
+            <a:lvl7pPr marL="2743200" indent="0" algn="ctr">
+              <a:buNone/>
+              <a:defRPr sz="1600"/>
             </a:lvl7pPr>
-            <a:lvl8pPr marL="3200400" indent="0">
-              <a:buNone/>
-              <a:defRPr sz="1400">
-                <a:solidFill>
-                  <a:schemeClr val="tx1">
-                    <a:tint val="75000"/>
-                  </a:schemeClr>
-                </a:solidFill>
-              </a:defRPr>
+            <a:lvl8pPr marL="3200400" indent="0" algn="ctr">
+              <a:buNone/>
+              <a:defRPr sz="1600"/>
             </a:lvl8pPr>
-            <a:lvl9pPr marL="3657600" indent="0">
-              <a:buNone/>
-              <a:defRPr sz="1400">
-                <a:solidFill>
-                  <a:schemeClr val="tx1">
-                    <a:tint val="75000"/>
-                  </a:schemeClr>
-                </a:solidFill>
-              </a:defRPr>
+            <a:lvl9pPr marL="3657600" indent="0" algn="ctr">
+              <a:buNone/>
+              <a:defRPr sz="1600"/>
             </a:lvl9pPr>
           </a:lstStyle>
           <a:p>
-            <a:pPr lvl="0"/>
-            <a:r>
-              <a:rPr lang="nl-NL" smtClean="0"/>
-              <a:t>Klik om de modelstijlen te bewerken</a:t>
-            </a:r>
+            <a:r>
+              <a:rPr lang="nl-NL"/>
+              <a:t>Klik om de ondertitelstijl van het model te bewerken</a:t>
+            </a:r>
+            <a:endParaRPr lang="en-US" dirty="0"/>
           </a:p>
         </p:txBody>
       </p:sp>
@@ -1105,9 +3636,9 @@
           <a:bodyPr/>
           <a:lstStyle/>
           <a:p>
-            <a:fld id="{48A87A34-81AB-432B-8DAE-1953F412C126}" type="datetimeFigureOut">
+            <a:fld id="{908A7C6C-0F39-4D70-8E8D-FE5B9C95FA73}" type="datetimeFigureOut">
               <a:rPr lang="en-US" smtClean="0"/>
-              <a:t>10/26/2016</a:t>
+              <a:t>1/3/2017</a:t>
             </a:fld>
             <a:endParaRPr lang="en-US" dirty="0"/>
           </a:p>
@@ -1147,7 +3678,7 @@
           <a:bodyPr/>
           <a:lstStyle/>
           <a:p>
-            <a:fld id="{6D22F896-40B5-4ADD-8801-0D06FADFA095}" type="slidenum">
+            <a:fld id="{4FAB73BC-B049-4115-A692-8D63A059BFB8}" type="slidenum">
               <a:rPr lang="en-US" smtClean="0"/>
               <a:t>‹nr.›</a:t>
             </a:fld>
@@ -1155,48 +3686,10 @@
           </a:p>
         </p:txBody>
       </p:sp>
-      <p:sp>
-        <p:nvSpPr>
-          <p:cNvPr id="7" name="Rectangle 6"/>
-          <p:cNvSpPr/>
-          <p:nvPr/>
-        </p:nvSpPr>
-        <p:spPr>
-          <a:xfrm>
-            <a:off x="0" y="0"/>
-            <a:ext cx="457200" cy="6858000"/>
-          </a:xfrm>
-          <a:prstGeom prst="rect">
-            <a:avLst/>
-          </a:prstGeom>
-          <a:solidFill>
-            <a:schemeClr val="accent1"/>
-          </a:solidFill>
-          <a:ln>
-            <a:noFill/>
-          </a:ln>
-        </p:spPr>
-        <p:style>
-          <a:lnRef idx="2">
-            <a:schemeClr val="accent1">
-              <a:shade val="50000"/>
-            </a:schemeClr>
-          </a:lnRef>
-          <a:fillRef idx="1">
-            <a:schemeClr val="accent1"/>
-          </a:fillRef>
-          <a:effectRef idx="0">
-            <a:schemeClr val="accent1"/>
-          </a:effectRef>
-          <a:fontRef idx="minor">
-            <a:schemeClr val="lt1"/>
-          </a:fontRef>
-        </p:style>
-      </p:sp>
     </p:spTree>
     <p:extLst>
       <p:ext uri="{BB962C8B-B14F-4D97-AF65-F5344CB8AC3E}">
-        <p14:creationId xmlns:p14="http://schemas.microsoft.com/office/powerpoint/2010/main" val="3521924637"/>
+        <p14:creationId xmlns:p14="http://schemas.microsoft.com/office/powerpoint/2010/main" val="2179943587"/>
       </p:ext>
     </p:extLst>
   </p:cSld>
@@ -1239,7 +3732,7 @@
           <a:lstStyle/>
           <a:p>
             <a:r>
-              <a:rPr lang="nl-NL" smtClean="0"/>
+              <a:rPr lang="nl-NL"/>
               <a:t>Klik om de stijl te bewerken</a:t>
             </a:r>
             <a:endParaRPr lang="en-US" dirty="0"/>
@@ -1258,73 +3751,45 @@
         </p:nvSpPr>
         <p:spPr>
           <a:xfrm>
-            <a:off x="1261872" y="1828800"/>
-            <a:ext cx="4480560" cy="4351337"/>
+            <a:off x="1120000" y="1825625"/>
+            <a:ext cx="5025216" cy="4351338"/>
           </a:xfrm>
         </p:spPr>
         <p:txBody>
           <a:bodyPr/>
-          <a:lstStyle>
-            <a:lvl1pPr>
-              <a:defRPr sz="1800"/>
-            </a:lvl1pPr>
-            <a:lvl2pPr>
-              <a:defRPr sz="1600"/>
-            </a:lvl2pPr>
-            <a:lvl3pPr>
-              <a:defRPr sz="1400"/>
-            </a:lvl3pPr>
-            <a:lvl4pPr>
-              <a:defRPr sz="1400"/>
-            </a:lvl4pPr>
-            <a:lvl5pPr>
-              <a:defRPr sz="1400"/>
-            </a:lvl5pPr>
-            <a:lvl6pPr>
-              <a:defRPr sz="1400"/>
-            </a:lvl6pPr>
-            <a:lvl7pPr>
-              <a:defRPr sz="1400"/>
-            </a:lvl7pPr>
-            <a:lvl8pPr>
-              <a:defRPr sz="1400"/>
-            </a:lvl8pPr>
-            <a:lvl9pPr>
-              <a:defRPr sz="1400"/>
-            </a:lvl9pPr>
-          </a:lstStyle>
+          <a:lstStyle/>
           <a:p>
             <a:pPr lvl="0"/>
             <a:r>
-              <a:rPr lang="nl-NL" smtClean="0"/>
-              <a:t>Klik om de modelstijlen te bewerken</a:t>
+              <a:rPr lang="nl-NL"/>
+              <a:t>Tekststijl van het model bewerken</a:t>
             </a:r>
           </a:p>
           <a:p>
             <a:pPr lvl="1"/>
             <a:r>
-              <a:rPr lang="nl-NL" smtClean="0"/>
+              <a:rPr lang="nl-NL"/>
               <a:t>Tweede niveau</a:t>
             </a:r>
           </a:p>
           <a:p>
             <a:pPr lvl="2"/>
             <a:r>
-              <a:rPr lang="nl-NL" smtClean="0"/>
+              <a:rPr lang="nl-NL"/>
               <a:t>Derde niveau</a:t>
             </a:r>
           </a:p>
           <a:p>
             <a:pPr lvl="3"/>
             <a:r>
-              <a:rPr lang="nl-NL" smtClean="0"/>
+              <a:rPr lang="nl-NL"/>
               <a:t>Vierde niveau</a:t>
             </a:r>
           </a:p>
           <a:p>
             <a:pPr lvl="4"/>
             <a:r>
-              <a:rPr lang="nl-NL" smtClean="0"/>
+              <a:rPr lang="nl-NL"/>
               <a:t>Vijfde niveau</a:t>
             </a:r>
             <a:endParaRPr lang="en-US" dirty="0"/>
@@ -1343,73 +3808,45 @@
         </p:nvSpPr>
         <p:spPr>
           <a:xfrm>
-            <a:off x="6126480" y="1828800"/>
-            <a:ext cx="4480560" cy="4351337"/>
+            <a:off x="6319840" y="1825625"/>
+            <a:ext cx="5033960" cy="4351338"/>
           </a:xfrm>
         </p:spPr>
         <p:txBody>
           <a:bodyPr/>
-          <a:lstStyle>
-            <a:lvl1pPr>
-              <a:defRPr sz="1800"/>
-            </a:lvl1pPr>
-            <a:lvl2pPr>
-              <a:defRPr sz="1600"/>
-            </a:lvl2pPr>
-            <a:lvl3pPr>
-              <a:defRPr sz="1400"/>
-            </a:lvl3pPr>
-            <a:lvl4pPr>
-              <a:defRPr sz="1400"/>
-            </a:lvl4pPr>
-            <a:lvl5pPr>
-              <a:defRPr sz="1400"/>
-            </a:lvl5pPr>
-            <a:lvl6pPr>
-              <a:defRPr sz="1400"/>
-            </a:lvl6pPr>
-            <a:lvl7pPr>
-              <a:defRPr sz="1400"/>
-            </a:lvl7pPr>
-            <a:lvl8pPr>
-              <a:defRPr sz="1400"/>
-            </a:lvl8pPr>
-            <a:lvl9pPr>
-              <a:defRPr sz="1400"/>
-            </a:lvl9pPr>
-          </a:lstStyle>
+          <a:lstStyle/>
           <a:p>
             <a:pPr lvl="0"/>
             <a:r>
-              <a:rPr lang="nl-NL" smtClean="0"/>
-              <a:t>Klik om de modelstijlen te bewerken</a:t>
+              <a:rPr lang="nl-NL"/>
+              <a:t>Tekststijl van het model bewerken</a:t>
             </a:r>
           </a:p>
           <a:p>
             <a:pPr lvl="1"/>
             <a:r>
-              <a:rPr lang="nl-NL" smtClean="0"/>
+              <a:rPr lang="nl-NL"/>
               <a:t>Tweede niveau</a:t>
             </a:r>
           </a:p>
           <a:p>
             <a:pPr lvl="2"/>
             <a:r>
-              <a:rPr lang="nl-NL" smtClean="0"/>
+              <a:rPr lang="nl-NL"/>
               <a:t>Derde niveau</a:t>
             </a:r>
           </a:p>
           <a:p>
             <a:pPr lvl="3"/>
             <a:r>
-              <a:rPr lang="nl-NL" smtClean="0"/>
+              <a:rPr lang="nl-NL"/>
               <a:t>Vierde niveau</a:t>
             </a:r>
           </a:p>
           <a:p>
             <a:pPr lvl="4"/>
             <a:r>
-              <a:rPr lang="nl-NL" smtClean="0"/>
+              <a:rPr lang="nl-NL"/>
               <a:t>Vijfde niveau</a:t>
             </a:r>
             <a:endParaRPr lang="en-US" dirty="0"/>
@@ -1431,9 +3868,9 @@
           <a:bodyPr/>
           <a:lstStyle/>
           <a:p>
-            <a:fld id="{48A87A34-81AB-432B-8DAE-1953F412C126}" type="datetimeFigureOut">
+            <a:fld id="{DFCFA4AC-08CC-42CE-BD01-C191750A04EC}" type="datetimeFigureOut">
               <a:rPr lang="en-US" smtClean="0"/>
-              <a:t>10/26/2016</a:t>
+              <a:t>1/3/2017</a:t>
             </a:fld>
             <a:endParaRPr lang="en-US" dirty="0"/>
           </a:p>
@@ -1473,7 +3910,7 @@
           <a:bodyPr/>
           <a:lstStyle/>
           <a:p>
-            <a:fld id="{6D22F896-40B5-4ADD-8801-0D06FADFA095}" type="slidenum">
+            <a:fld id="{4FAB73BC-B049-4115-A692-8D63A059BFB8}" type="slidenum">
               <a:rPr lang="en-US" smtClean="0"/>
               <a:t>‹nr.›</a:t>
             </a:fld>
@@ -1484,7 +3921,7 @@
     </p:spTree>
     <p:extLst>
       <p:ext uri="{BB962C8B-B14F-4D97-AF65-F5344CB8AC3E}">
-        <p14:creationId xmlns:p14="http://schemas.microsoft.com/office/powerpoint/2010/main" val="478819490"/>
+        <p14:creationId xmlns:p14="http://schemas.microsoft.com/office/powerpoint/2010/main" val="2716875713"/>
       </p:ext>
     </p:extLst>
   </p:cSld>
@@ -1513,180 +3950,296 @@
       </p:grpSpPr>
       <p:sp>
         <p:nvSpPr>
-          <p:cNvPr id="10" name="Title 9"/>
+          <p:cNvPr id="2" name="Title 1"/>
           <p:cNvSpPr>
             <a:spLocks noGrp="1"/>
           </p:cNvSpPr>
           <p:nvPr>
             <p:ph type="title"/>
-          </p:nvPr>
-        </p:nvSpPr>
-        <p:spPr/>
-        <p:txBody>
-          <a:bodyPr/>
-          <a:lstStyle/>
-          <a:p>
-            <a:r>
-              <a:rPr lang="nl-NL" smtClean="0"/>
-              <a:t>Klik om de stijl te bewerken</a:t>
-            </a:r>
-            <a:endParaRPr lang="en-US" dirty="0"/>
-          </a:p>
-        </p:txBody>
-      </p:sp>
-      <p:sp>
-        <p:nvSpPr>
-          <p:cNvPr id="3" name="Text Placeholder 2"/>
-          <p:cNvSpPr>
-            <a:spLocks noGrp="1"/>
-          </p:cNvSpPr>
-          <p:nvPr>
-            <p:ph type="body" idx="1"/>
           </p:nvPr>
         </p:nvSpPr>
         <p:spPr>
           <a:xfrm>
-            <a:off x="1261872" y="1713655"/>
-            <a:ext cx="4480560" cy="731520"/>
+            <a:off x="839788" y="365125"/>
+            <a:ext cx="10515600" cy="1325563"/>
           </a:xfrm>
         </p:spPr>
         <p:txBody>
-          <a:bodyPr anchor="b">
+          <a:bodyPr/>
+          <a:lstStyle/>
+          <a:p>
+            <a:r>
+              <a:rPr lang="nl-NL"/>
+              <a:t>Klik om de stijl te bewerken</a:t>
+            </a:r>
+            <a:endParaRPr lang="en-US" dirty="0"/>
+          </a:p>
+        </p:txBody>
+      </p:sp>
+      <p:sp>
+        <p:nvSpPr>
+          <p:cNvPr id="3" name="Text Placeholder 2"/>
+          <p:cNvSpPr>
+            <a:spLocks noGrp="1"/>
+          </p:cNvSpPr>
+          <p:nvPr>
+            <p:ph type="body" idx="1"/>
+          </p:nvPr>
+        </p:nvSpPr>
+        <p:spPr>
+          <a:xfrm>
+            <a:off x="1120000" y="1681163"/>
+            <a:ext cx="5025216" cy="823912"/>
+          </a:xfrm>
+        </p:spPr>
+        <p:txBody>
+          <a:bodyPr anchor="b"/>
+          <a:lstStyle>
+            <a:lvl1pPr marL="0" indent="0">
+              <a:buNone/>
+              <a:defRPr sz="2400" b="0">
+                <a:gradFill>
+                  <a:gsLst>
+                    <a:gs pos="15000">
+                      <a:schemeClr val="tx2"/>
+                    </a:gs>
+                    <a:gs pos="73000">
+                      <a:schemeClr val="tx2">
+                        <a:lumMod val="60000"/>
+                        <a:lumOff val="40000"/>
+                      </a:schemeClr>
+                    </a:gs>
+                    <a:gs pos="0">
+                      <a:schemeClr val="tx2">
+                        <a:lumMod val="90000"/>
+                        <a:lumOff val="10000"/>
+                      </a:schemeClr>
+                    </a:gs>
+                    <a:gs pos="100000">
+                      <a:schemeClr val="tx2">
+                        <a:lumMod val="0"/>
+                        <a:lumOff val="100000"/>
+                      </a:schemeClr>
+                    </a:gs>
+                  </a:gsLst>
+                  <a:lin ang="16200000" scaled="1"/>
+                </a:gradFill>
+              </a:defRPr>
+            </a:lvl1pPr>
+            <a:lvl2pPr marL="457200" indent="0">
+              <a:buNone/>
+              <a:defRPr sz="2000" b="1"/>
+            </a:lvl2pPr>
+            <a:lvl3pPr marL="914400" indent="0">
+              <a:buNone/>
+              <a:defRPr sz="1800" b="1"/>
+            </a:lvl3pPr>
+            <a:lvl4pPr marL="1371600" indent="0">
+              <a:buNone/>
+              <a:defRPr sz="1600" b="1"/>
+            </a:lvl4pPr>
+            <a:lvl5pPr marL="1828800" indent="0">
+              <a:buNone/>
+              <a:defRPr sz="1600" b="1"/>
+            </a:lvl5pPr>
+            <a:lvl6pPr marL="2286000" indent="0">
+              <a:buNone/>
+              <a:defRPr sz="1600" b="1"/>
+            </a:lvl6pPr>
+            <a:lvl7pPr marL="2743200" indent="0">
+              <a:buNone/>
+              <a:defRPr sz="1600" b="1"/>
+            </a:lvl7pPr>
+            <a:lvl8pPr marL="3200400" indent="0">
+              <a:buNone/>
+              <a:defRPr sz="1600" b="1"/>
+            </a:lvl8pPr>
+            <a:lvl9pPr marL="3657600" indent="0">
+              <a:buNone/>
+              <a:defRPr sz="1600" b="1"/>
+            </a:lvl9pPr>
+          </a:lstStyle>
+          <a:p>
+            <a:pPr lvl="0"/>
+            <a:r>
+              <a:rPr lang="nl-NL"/>
+              <a:t>Tekststijl van het model bewerken</a:t>
+            </a:r>
+          </a:p>
+        </p:txBody>
+      </p:sp>
+      <p:sp>
+        <p:nvSpPr>
+          <p:cNvPr id="4" name="Content Placeholder 3"/>
+          <p:cNvSpPr>
+            <a:spLocks noGrp="1"/>
+          </p:cNvSpPr>
+          <p:nvPr>
+            <p:ph sz="half" idx="2"/>
+          </p:nvPr>
+        </p:nvSpPr>
+        <p:spPr>
+          <a:xfrm>
+            <a:off x="1120000" y="2505075"/>
+            <a:ext cx="5025216" cy="3684588"/>
+          </a:xfrm>
+        </p:spPr>
+        <p:txBody>
+          <a:bodyPr/>
+          <a:lstStyle/>
+          <a:p>
+            <a:pPr lvl="0"/>
+            <a:r>
+              <a:rPr lang="nl-NL"/>
+              <a:t>Tekststijl van het model bewerken</a:t>
+            </a:r>
+          </a:p>
+          <a:p>
+            <a:pPr lvl="1"/>
+            <a:r>
+              <a:rPr lang="nl-NL"/>
+              <a:t>Tweede niveau</a:t>
+            </a:r>
+          </a:p>
+          <a:p>
+            <a:pPr lvl="2"/>
+            <a:r>
+              <a:rPr lang="nl-NL"/>
+              <a:t>Derde niveau</a:t>
+            </a:r>
+          </a:p>
+          <a:p>
+            <a:pPr lvl="3"/>
+            <a:r>
+              <a:rPr lang="nl-NL"/>
+              <a:t>Vierde niveau</a:t>
+            </a:r>
+          </a:p>
+          <a:p>
+            <a:pPr lvl="4"/>
+            <a:r>
+              <a:rPr lang="nl-NL"/>
+              <a:t>Vijfde niveau</a:t>
+            </a:r>
+            <a:endParaRPr lang="en-US" dirty="0"/>
+          </a:p>
+        </p:txBody>
+      </p:sp>
+      <p:sp>
+        <p:nvSpPr>
+          <p:cNvPr id="5" name="Text Placeholder 4"/>
+          <p:cNvSpPr>
+            <a:spLocks noGrp="1"/>
+          </p:cNvSpPr>
+          <p:nvPr>
+            <p:ph type="body" sz="quarter" idx="3"/>
+          </p:nvPr>
+        </p:nvSpPr>
+        <p:spPr>
+          <a:xfrm>
+            <a:off x="6319840" y="1681163"/>
+            <a:ext cx="5035548" cy="823912"/>
+          </a:xfrm>
+        </p:spPr>
+        <p:txBody>
+          <a:bodyPr vert="horz" lIns="91440" tIns="45720" rIns="91440" bIns="45720" rtlCol="0" anchor="b">
             <a:normAutofit/>
           </a:bodyPr>
           <a:lstStyle>
-            <a:lvl1pPr marL="0" indent="0">
-              <a:spcBef>
-                <a:spcPts val="0"/>
-              </a:spcBef>
-              <a:buNone/>
-              <a:defRPr sz="2000" b="0">
-                <a:solidFill>
-                  <a:schemeClr val="tx2"/>
-                </a:solidFill>
+            <a:lvl1pPr>
+              <a:buNone/>
+              <a:defRPr lang="en-US" sz="2400" b="0">
+                <a:gradFill>
+                  <a:gsLst>
+                    <a:gs pos="15000">
+                      <a:schemeClr val="tx2"/>
+                    </a:gs>
+                    <a:gs pos="73000">
+                      <a:schemeClr val="tx2">
+                        <a:lumMod val="60000"/>
+                        <a:lumOff val="40000"/>
+                      </a:schemeClr>
+                    </a:gs>
+                    <a:gs pos="0">
+                      <a:schemeClr val="tx2">
+                        <a:lumMod val="90000"/>
+                        <a:lumOff val="10000"/>
+                      </a:schemeClr>
+                    </a:gs>
+                    <a:gs pos="100000">
+                      <a:schemeClr val="tx2">
+                        <a:lumMod val="0"/>
+                        <a:lumOff val="100000"/>
+                      </a:schemeClr>
+                    </a:gs>
+                  </a:gsLst>
+                  <a:lin ang="16200000" scaled="1"/>
+                </a:gradFill>
               </a:defRPr>
             </a:lvl1pPr>
-            <a:lvl2pPr marL="457200" indent="0">
-              <a:buNone/>
-              <a:defRPr sz="2000" b="1"/>
-            </a:lvl2pPr>
-            <a:lvl3pPr marL="914400" indent="0">
-              <a:buNone/>
-              <a:defRPr sz="1800" b="1"/>
-            </a:lvl3pPr>
-            <a:lvl4pPr marL="1371600" indent="0">
-              <a:buNone/>
-              <a:defRPr sz="1600" b="1"/>
-            </a:lvl4pPr>
-            <a:lvl5pPr marL="1828800" indent="0">
-              <a:buNone/>
-              <a:defRPr sz="1600" b="1"/>
-            </a:lvl5pPr>
-            <a:lvl6pPr marL="2286000" indent="0">
-              <a:buNone/>
-              <a:defRPr sz="1600" b="1"/>
-            </a:lvl6pPr>
-            <a:lvl7pPr marL="2743200" indent="0">
-              <a:buNone/>
-              <a:defRPr sz="1600" b="1"/>
-            </a:lvl7pPr>
-            <a:lvl8pPr marL="3200400" indent="0">
-              <a:buNone/>
-              <a:defRPr sz="1600" b="1"/>
-            </a:lvl8pPr>
-            <a:lvl9pPr marL="3657600" indent="0">
-              <a:buNone/>
-              <a:defRPr sz="1600" b="1"/>
-            </a:lvl9pPr>
           </a:lstStyle>
           <a:p>
-            <a:pPr lvl="0"/>
-            <a:r>
-              <a:rPr lang="nl-NL" smtClean="0"/>
-              <a:t>Klik om de modelstijlen te bewerken</a:t>
-            </a:r>
-          </a:p>
-        </p:txBody>
-      </p:sp>
-      <p:sp>
-        <p:nvSpPr>
-          <p:cNvPr id="4" name="Content Placeholder 3"/>
-          <p:cNvSpPr>
-            <a:spLocks noGrp="1"/>
-          </p:cNvSpPr>
-          <p:nvPr>
-            <p:ph sz="half" idx="2"/>
+            <a:pPr marL="0" lvl="0" indent="0">
+              <a:buNone/>
+            </a:pPr>
+            <a:r>
+              <a:rPr lang="nl-NL"/>
+              <a:t>Tekststijl van het model bewerken</a:t>
+            </a:r>
+          </a:p>
+        </p:txBody>
+      </p:sp>
+      <p:sp>
+        <p:nvSpPr>
+          <p:cNvPr id="6" name="Content Placeholder 5"/>
+          <p:cNvSpPr>
+            <a:spLocks noGrp="1"/>
+          </p:cNvSpPr>
+          <p:nvPr>
+            <p:ph sz="quarter" idx="4"/>
           </p:nvPr>
         </p:nvSpPr>
         <p:spPr>
           <a:xfrm>
-            <a:off x="1261872" y="2507550"/>
-            <a:ext cx="4480560" cy="3664650"/>
+            <a:off x="6319840" y="2505075"/>
+            <a:ext cx="5035548" cy="3684588"/>
           </a:xfrm>
         </p:spPr>
         <p:txBody>
           <a:bodyPr/>
-          <a:lstStyle>
-            <a:lvl1pPr>
-              <a:defRPr sz="1800"/>
-            </a:lvl1pPr>
-            <a:lvl2pPr>
-              <a:defRPr sz="1600"/>
-            </a:lvl2pPr>
-            <a:lvl3pPr>
-              <a:defRPr sz="1400"/>
-            </a:lvl3pPr>
-            <a:lvl4pPr>
-              <a:defRPr sz="1400"/>
-            </a:lvl4pPr>
-            <a:lvl5pPr>
-              <a:defRPr sz="1400"/>
-            </a:lvl5pPr>
-            <a:lvl6pPr>
-              <a:defRPr sz="1400"/>
-            </a:lvl6pPr>
-            <a:lvl7pPr>
-              <a:defRPr sz="1400"/>
-            </a:lvl7pPr>
-            <a:lvl8pPr>
-              <a:defRPr sz="1400"/>
-            </a:lvl8pPr>
-            <a:lvl9pPr>
-              <a:defRPr sz="1400"/>
-            </a:lvl9pPr>
-          </a:lstStyle>
+          <a:lstStyle/>
           <a:p>
             <a:pPr lvl="0"/>
             <a:r>
-              <a:rPr lang="nl-NL" smtClean="0"/>
-              <a:t>Klik om de modelstijlen te bewerken</a:t>
+              <a:rPr lang="nl-NL"/>
+              <a:t>Tekststijl van het model bewerken</a:t>
             </a:r>
           </a:p>
           <a:p>
             <a:pPr lvl="1"/>
             <a:r>
-              <a:rPr lang="nl-NL" smtClean="0"/>
+              <a:rPr lang="nl-NL"/>
               <a:t>Tweede niveau</a:t>
             </a:r>
           </a:p>
           <a:p>
             <a:pPr lvl="2"/>
             <a:r>
-              <a:rPr lang="nl-NL" smtClean="0"/>
+              <a:rPr lang="nl-NL"/>
               <a:t>Derde niveau</a:t>
             </a:r>
           </a:p>
           <a:p>
             <a:pPr lvl="3"/>
             <a:r>
-              <a:rPr lang="nl-NL" smtClean="0"/>
+              <a:rPr lang="nl-NL"/>
               <a:t>Vierde niveau</a:t>
             </a:r>
           </a:p>
           <a:p>
             <a:pPr lvl="4"/>
             <a:r>
-              <a:rPr lang="nl-NL" smtClean="0"/>
+              <a:rPr lang="nl-NL"/>
               <a:t>Vijfde niveau</a:t>
             </a:r>
             <a:endParaRPr lang="en-US" dirty="0"/>
@@ -1695,180 +4248,6 @@
       </p:sp>
       <p:sp>
         <p:nvSpPr>
-          <p:cNvPr id="5" name="Text Placeholder 4"/>
-          <p:cNvSpPr>
-            <a:spLocks noGrp="1"/>
-          </p:cNvSpPr>
-          <p:nvPr>
-            <p:ph type="body" sz="quarter" idx="3"/>
-          </p:nvPr>
-        </p:nvSpPr>
-        <p:spPr>
-          <a:xfrm>
-            <a:off x="6126480" y="1713655"/>
-            <a:ext cx="4480560" cy="731520"/>
-          </a:xfrm>
-        </p:spPr>
-        <p:txBody>
-          <a:bodyPr anchor="b">
-            <a:normAutofit/>
-          </a:bodyPr>
-          <a:lstStyle>
-            <a:lvl1pPr marL="0" indent="0">
-              <a:lnSpc>
-                <a:spcPct val="95000"/>
-              </a:lnSpc>
-              <a:spcBef>
-                <a:spcPts val="0"/>
-              </a:spcBef>
-              <a:buNone/>
-              <a:defRPr lang="en-US" sz="2000" b="0" kern="1200" dirty="0">
-                <a:solidFill>
-                  <a:schemeClr val="tx2"/>
-                </a:solidFill>
-                <a:latin typeface="+mn-lt"/>
-                <a:ea typeface="+mn-ea"/>
-                <a:cs typeface="+mn-cs"/>
-              </a:defRPr>
-            </a:lvl1pPr>
-            <a:lvl2pPr marL="457200" indent="0">
-              <a:buNone/>
-              <a:defRPr sz="2000" b="1"/>
-            </a:lvl2pPr>
-            <a:lvl3pPr marL="914400" indent="0">
-              <a:buNone/>
-              <a:defRPr sz="1800" b="1"/>
-            </a:lvl3pPr>
-            <a:lvl4pPr marL="1371600" indent="0">
-              <a:buNone/>
-              <a:defRPr sz="1600" b="1"/>
-            </a:lvl4pPr>
-            <a:lvl5pPr marL="1828800" indent="0">
-              <a:buNone/>
-              <a:defRPr sz="1600" b="1"/>
-            </a:lvl5pPr>
-            <a:lvl6pPr marL="2286000" indent="0">
-              <a:buNone/>
-              <a:defRPr sz="1600" b="1"/>
-            </a:lvl6pPr>
-            <a:lvl7pPr marL="2743200" indent="0">
-              <a:buNone/>
-              <a:defRPr sz="1600" b="1"/>
-            </a:lvl7pPr>
-            <a:lvl8pPr marL="3200400" indent="0">
-              <a:buNone/>
-              <a:defRPr sz="1600" b="1"/>
-            </a:lvl8pPr>
-            <a:lvl9pPr marL="3657600" indent="0">
-              <a:buNone/>
-              <a:defRPr sz="1600" b="1"/>
-            </a:lvl9pPr>
-          </a:lstStyle>
-          <a:p>
-            <a:pPr marL="0" lvl="0" indent="0" algn="l" defTabSz="914400" rtl="0" eaLnBrk="1" latinLnBrk="0" hangingPunct="1">
-              <a:lnSpc>
-                <a:spcPct val="90000"/>
-              </a:lnSpc>
-              <a:spcBef>
-                <a:spcPts val="2000"/>
-              </a:spcBef>
-              <a:buFontTx/>
-              <a:buNone/>
-            </a:pPr>
-            <a:r>
-              <a:rPr lang="nl-NL" smtClean="0"/>
-              <a:t>Klik om de modelstijlen te bewerken</a:t>
-            </a:r>
-          </a:p>
-        </p:txBody>
-      </p:sp>
-      <p:sp>
-        <p:nvSpPr>
-          <p:cNvPr id="6" name="Content Placeholder 5"/>
-          <p:cNvSpPr>
-            <a:spLocks noGrp="1"/>
-          </p:cNvSpPr>
-          <p:nvPr>
-            <p:ph sz="quarter" idx="4"/>
-          </p:nvPr>
-        </p:nvSpPr>
-        <p:spPr>
-          <a:xfrm>
-            <a:off x="6126480" y="2507550"/>
-            <a:ext cx="4480560" cy="3664650"/>
-          </a:xfrm>
-        </p:spPr>
-        <p:txBody>
-          <a:bodyPr/>
-          <a:lstStyle>
-            <a:lvl1pPr>
-              <a:defRPr sz="1800"/>
-            </a:lvl1pPr>
-            <a:lvl2pPr>
-              <a:defRPr sz="1600"/>
-            </a:lvl2pPr>
-            <a:lvl3pPr>
-              <a:defRPr sz="1400"/>
-            </a:lvl3pPr>
-            <a:lvl4pPr>
-              <a:defRPr sz="1400"/>
-            </a:lvl4pPr>
-            <a:lvl5pPr>
-              <a:defRPr sz="1400"/>
-            </a:lvl5pPr>
-            <a:lvl6pPr>
-              <a:defRPr sz="1400"/>
-            </a:lvl6pPr>
-            <a:lvl7pPr>
-              <a:defRPr sz="1400"/>
-            </a:lvl7pPr>
-            <a:lvl8pPr>
-              <a:defRPr sz="1400"/>
-            </a:lvl8pPr>
-            <a:lvl9pPr>
-              <a:defRPr sz="1400"/>
-            </a:lvl9pPr>
-          </a:lstStyle>
-          <a:p>
-            <a:pPr lvl="0"/>
-            <a:r>
-              <a:rPr lang="nl-NL" smtClean="0"/>
-              <a:t>Klik om de modelstijlen te bewerken</a:t>
-            </a:r>
-          </a:p>
-          <a:p>
-            <a:pPr lvl="1"/>
-            <a:r>
-              <a:rPr lang="nl-NL" smtClean="0"/>
-              <a:t>Tweede niveau</a:t>
-            </a:r>
-          </a:p>
-          <a:p>
-            <a:pPr lvl="2"/>
-            <a:r>
-              <a:rPr lang="nl-NL" smtClean="0"/>
-              <a:t>Derde niveau</a:t>
-            </a:r>
-          </a:p>
-          <a:p>
-            <a:pPr lvl="3"/>
-            <a:r>
-              <a:rPr lang="nl-NL" smtClean="0"/>
-              <a:t>Vierde niveau</a:t>
-            </a:r>
-          </a:p>
-          <a:p>
-            <a:pPr lvl="4"/>
-            <a:r>
-              <a:rPr lang="nl-NL" smtClean="0"/>
-              <a:t>Vijfde niveau</a:t>
-            </a:r>
-            <a:endParaRPr lang="en-US" dirty="0"/>
-          </a:p>
-        </p:txBody>
-      </p:sp>
-      <p:sp>
-        <p:nvSpPr>
           <p:cNvPr id="7" name="Date Placeholder 6"/>
           <p:cNvSpPr>
             <a:spLocks noGrp="1"/>
@@ -1882,9 +4261,9 @@
           <a:bodyPr/>
           <a:lstStyle/>
           <a:p>
-            <a:fld id="{48A87A34-81AB-432B-8DAE-1953F412C126}" type="datetimeFigureOut">
+            <a:fld id="{1BA7A723-92A7-435B-B681-F25B092FEFEB}" type="datetimeFigureOut">
               <a:rPr lang="en-US" smtClean="0"/>
-              <a:t>10/26/2016</a:t>
+              <a:t>1/3/2017</a:t>
             </a:fld>
             <a:endParaRPr lang="en-US" dirty="0"/>
           </a:p>
@@ -1924,7 +4303,7 @@
           <a:bodyPr/>
           <a:lstStyle/>
           <a:p>
-            <a:fld id="{6D22F896-40B5-4ADD-8801-0D06FADFA095}" type="slidenum">
+            <a:fld id="{4FAB73BC-B049-4115-A692-8D63A059BFB8}" type="slidenum">
               <a:rPr lang="en-US" smtClean="0"/>
               <a:t>‹nr.›</a:t>
             </a:fld>
@@ -1935,7 +4314,7 @@
     </p:spTree>
     <p:extLst>
       <p:ext uri="{BB962C8B-B14F-4D97-AF65-F5344CB8AC3E}">
-        <p14:creationId xmlns:p14="http://schemas.microsoft.com/office/powerpoint/2010/main" val="1121462455"/>
+        <p14:creationId xmlns:p14="http://schemas.microsoft.com/office/powerpoint/2010/main" val="3691781874"/>
       </p:ext>
     </p:extLst>
   </p:cSld>
@@ -1964,7 +4343,7 @@
       </p:grpSpPr>
       <p:sp>
         <p:nvSpPr>
-          <p:cNvPr id="6" name="Title 5"/>
+          <p:cNvPr id="2" name="Title 1"/>
           <p:cNvSpPr>
             <a:spLocks noGrp="1"/>
           </p:cNvSpPr>
@@ -1978,7 +4357,7 @@
           <a:lstStyle/>
           <a:p>
             <a:r>
-              <a:rPr lang="nl-NL" smtClean="0"/>
+              <a:rPr lang="nl-NL"/>
               <a:t>Klik om de stijl te bewerken</a:t>
             </a:r>
             <a:endParaRPr lang="en-US" dirty="0"/>
@@ -2000,9 +4379,9 @@
           <a:bodyPr/>
           <a:lstStyle/>
           <a:p>
-            <a:fld id="{48A87A34-81AB-432B-8DAE-1953F412C126}" type="datetimeFigureOut">
+            <a:fld id="{4F170639-886C-4FCF-9EAB-ABB5DA3F3F4A}" type="datetimeFigureOut">
               <a:rPr lang="en-US" smtClean="0"/>
-              <a:t>10/26/2016</a:t>
+              <a:t>1/3/2017</a:t>
             </a:fld>
             <a:endParaRPr lang="en-US" dirty="0"/>
           </a:p>
@@ -2042,7 +4421,7 @@
           <a:bodyPr/>
           <a:lstStyle/>
           <a:p>
-            <a:fld id="{6D22F896-40B5-4ADD-8801-0D06FADFA095}" type="slidenum">
+            <a:fld id="{4FAB73BC-B049-4115-A692-8D63A059BFB8}" type="slidenum">
               <a:rPr lang="en-US" smtClean="0"/>
               <a:t>‹nr.›</a:t>
             </a:fld>
@@ -2053,7 +4432,7 @@
     </p:spTree>
     <p:extLst>
       <p:ext uri="{BB962C8B-B14F-4D97-AF65-F5344CB8AC3E}">
-        <p14:creationId xmlns:p14="http://schemas.microsoft.com/office/powerpoint/2010/main" val="2553264646"/>
+        <p14:creationId xmlns:p14="http://schemas.microsoft.com/office/powerpoint/2010/main" val="3396156102"/>
       </p:ext>
     </p:extLst>
   </p:cSld>
@@ -2095,9 +4474,9 @@
           <a:bodyPr/>
           <a:lstStyle/>
           <a:p>
-            <a:fld id="{48A87A34-81AB-432B-8DAE-1953F412C126}" type="datetimeFigureOut">
+            <a:fld id="{22230651-31F4-45D2-98AE-A2108F41BC07}" type="datetimeFigureOut">
               <a:rPr lang="en-US" smtClean="0"/>
-              <a:t>10/26/2016</a:t>
+              <a:t>1/3/2017</a:t>
             </a:fld>
             <a:endParaRPr lang="en-US" dirty="0"/>
           </a:p>
@@ -2137,7 +4516,7 @@
           <a:bodyPr/>
           <a:lstStyle/>
           <a:p>
-            <a:fld id="{6D22F896-40B5-4ADD-8801-0D06FADFA095}" type="slidenum">
+            <a:fld id="{4FAB73BC-B049-4115-A692-8D63A059BFB8}" type="slidenum">
               <a:rPr lang="en-US" smtClean="0"/>
               <a:t>‹nr.›</a:t>
             </a:fld>
@@ -2148,7 +4527,7 @@
     </p:spTree>
     <p:extLst>
       <p:ext uri="{BB962C8B-B14F-4D97-AF65-F5344CB8AC3E}">
-        <p14:creationId xmlns:p14="http://schemas.microsoft.com/office/powerpoint/2010/main" val="910021456"/>
+        <p14:creationId xmlns:p14="http://schemas.microsoft.com/office/powerpoint/2010/main" val="4062555171"/>
       </p:ext>
     </p:extLst>
   </p:cSld>
@@ -2187,22 +4566,20 @@
         </p:nvSpPr>
         <p:spPr>
           <a:xfrm>
-            <a:off x="841248" y="457200"/>
-            <a:ext cx="3200400" cy="1600197"/>
+            <a:off x="839788" y="457200"/>
+            <a:ext cx="3932237" cy="1600200"/>
           </a:xfrm>
         </p:spPr>
         <p:txBody>
-          <a:bodyPr anchor="b">
-            <a:normAutofit/>
-          </a:bodyPr>
+          <a:bodyPr anchor="b"/>
           <a:lstStyle>
             <a:lvl1pPr>
-              <a:defRPr sz="3200" b="0" baseline="0"/>
+              <a:defRPr sz="3200"/>
             </a:lvl1pPr>
           </a:lstStyle>
           <a:p>
             <a:r>
-              <a:rPr lang="nl-NL" smtClean="0"/>
+              <a:rPr lang="nl-NL"/>
               <a:t>Klik om de stijl te bewerken</a:t>
             </a:r>
             <a:endParaRPr lang="en-US" dirty="0"/>
@@ -2221,148 +4598,136 @@
         </p:nvSpPr>
         <p:spPr>
           <a:xfrm>
-            <a:off x="4504267" y="685800"/>
-            <a:ext cx="6079066" cy="5486400"/>
+            <a:off x="5183188" y="987425"/>
+            <a:ext cx="6172200" cy="4873625"/>
           </a:xfrm>
         </p:spPr>
         <p:txBody>
           <a:bodyPr/>
+          <a:lstStyle/>
+          <a:p>
+            <a:pPr lvl="0"/>
+            <a:r>
+              <a:rPr lang="nl-NL"/>
+              <a:t>Tekststijl van het model bewerken</a:t>
+            </a:r>
+          </a:p>
+          <a:p>
+            <a:pPr lvl="1"/>
+            <a:r>
+              <a:rPr lang="nl-NL"/>
+              <a:t>Tweede niveau</a:t>
+            </a:r>
+          </a:p>
+          <a:p>
+            <a:pPr lvl="2"/>
+            <a:r>
+              <a:rPr lang="nl-NL"/>
+              <a:t>Derde niveau</a:t>
+            </a:r>
+          </a:p>
+          <a:p>
+            <a:pPr lvl="3"/>
+            <a:r>
+              <a:rPr lang="nl-NL"/>
+              <a:t>Vierde niveau</a:t>
+            </a:r>
+          </a:p>
+          <a:p>
+            <a:pPr lvl="4"/>
+            <a:r>
+              <a:rPr lang="nl-NL"/>
+              <a:t>Vijfde niveau</a:t>
+            </a:r>
+            <a:endParaRPr lang="en-US" dirty="0"/>
+          </a:p>
+        </p:txBody>
+      </p:sp>
+      <p:sp>
+        <p:nvSpPr>
+          <p:cNvPr id="4" name="Text Placeholder 3"/>
+          <p:cNvSpPr>
+            <a:spLocks noGrp="1"/>
+          </p:cNvSpPr>
+          <p:nvPr>
+            <p:ph type="body" sz="half" idx="2"/>
+          </p:nvPr>
+        </p:nvSpPr>
+        <p:spPr>
+          <a:xfrm>
+            <a:off x="1120000" y="2057400"/>
+            <a:ext cx="3652025" cy="3811588"/>
+          </a:xfrm>
+        </p:spPr>
+        <p:txBody>
+          <a:bodyPr/>
           <a:lstStyle>
-            <a:lvl1pPr>
-              <a:defRPr sz="2000"/>
+            <a:lvl1pPr marL="0" indent="0">
+              <a:buNone/>
+              <a:defRPr sz="1600">
+                <a:gradFill>
+                  <a:gsLst>
+                    <a:gs pos="15000">
+                      <a:schemeClr val="tx2"/>
+                    </a:gs>
+                    <a:gs pos="73000">
+                      <a:schemeClr val="tx2">
+                        <a:lumMod val="60000"/>
+                        <a:lumOff val="40000"/>
+                      </a:schemeClr>
+                    </a:gs>
+                    <a:gs pos="0">
+                      <a:schemeClr val="tx1"/>
+                    </a:gs>
+                    <a:gs pos="100000">
+                      <a:schemeClr val="tx2">
+                        <a:lumMod val="0"/>
+                        <a:lumOff val="100000"/>
+                      </a:schemeClr>
+                    </a:gs>
+                  </a:gsLst>
+                  <a:lin ang="16200000" scaled="1"/>
+                </a:gradFill>
+              </a:defRPr>
             </a:lvl1pPr>
-            <a:lvl2pPr>
-              <a:defRPr sz="1800"/>
+            <a:lvl2pPr marL="457200" indent="0">
+              <a:buNone/>
+              <a:defRPr sz="1400"/>
             </a:lvl2pPr>
-            <a:lvl3pPr>
-              <a:defRPr sz="1600"/>
+            <a:lvl3pPr marL="914400" indent="0">
+              <a:buNone/>
+              <a:defRPr sz="1200"/>
             </a:lvl3pPr>
-            <a:lvl4pPr>
-              <a:defRPr sz="1400"/>
+            <a:lvl4pPr marL="1371600" indent="0">
+              <a:buNone/>
+              <a:defRPr sz="1000"/>
             </a:lvl4pPr>
-            <a:lvl5pPr>
-              <a:defRPr sz="1400"/>
+            <a:lvl5pPr marL="1828800" indent="0">
+              <a:buNone/>
+              <a:defRPr sz="1000"/>
             </a:lvl5pPr>
-            <a:lvl6pPr>
-              <a:defRPr sz="1400"/>
+            <a:lvl6pPr marL="2286000" indent="0">
+              <a:buNone/>
+              <a:defRPr sz="1000"/>
             </a:lvl6pPr>
-            <a:lvl7pPr>
-              <a:defRPr sz="1400"/>
+            <a:lvl7pPr marL="2743200" indent="0">
+              <a:buNone/>
+              <a:defRPr sz="1000"/>
             </a:lvl7pPr>
-            <a:lvl8pPr>
-              <a:defRPr sz="1400"/>
+            <a:lvl8pPr marL="3200400" indent="0">
+              <a:buNone/>
+              <a:defRPr sz="1000"/>
             </a:lvl8pPr>
-            <a:lvl9pPr>
-              <a:defRPr sz="1400"/>
+            <a:lvl9pPr marL="3657600" indent="0">
+              <a:buNone/>
+              <a:defRPr sz="1000"/>
             </a:lvl9pPr>
           </a:lstStyle>
           <a:p>
             <a:pPr lvl="0"/>
             <a:r>
-              <a:rPr lang="nl-NL" smtClean="0"/>
-              <a:t>Klik om de modelstijlen te bewerken</a:t>
-            </a:r>
-          </a:p>
-          <a:p>
-            <a:pPr lvl="1"/>
-            <a:r>
-              <a:rPr lang="nl-NL" smtClean="0"/>
-              <a:t>Tweede niveau</a:t>
-            </a:r>
-          </a:p>
-          <a:p>
-            <a:pPr lvl="2"/>
-            <a:r>
-              <a:rPr lang="nl-NL" smtClean="0"/>
-              <a:t>Derde niveau</a:t>
-            </a:r>
-          </a:p>
-          <a:p>
-            <a:pPr lvl="3"/>
-            <a:r>
-              <a:rPr lang="nl-NL" smtClean="0"/>
-              <a:t>Vierde niveau</a:t>
-            </a:r>
-          </a:p>
-          <a:p>
-            <a:pPr lvl="4"/>
-            <a:r>
-              <a:rPr lang="nl-NL" smtClean="0"/>
-              <a:t>Vijfde niveau</a:t>
-            </a:r>
-            <a:endParaRPr lang="en-US" dirty="0"/>
-          </a:p>
-        </p:txBody>
-      </p:sp>
-      <p:sp>
-        <p:nvSpPr>
-          <p:cNvPr id="4" name="Text Placeholder 3"/>
-          <p:cNvSpPr>
-            <a:spLocks noGrp="1"/>
-          </p:cNvSpPr>
-          <p:nvPr>
-            <p:ph type="body" sz="half" idx="2"/>
-          </p:nvPr>
-        </p:nvSpPr>
-        <p:spPr>
-          <a:xfrm>
-            <a:off x="841248" y="2099734"/>
-            <a:ext cx="3200400" cy="3810001"/>
-          </a:xfrm>
-        </p:spPr>
-        <p:txBody>
-          <a:bodyPr>
-            <a:normAutofit/>
-          </a:bodyPr>
-          <a:lstStyle>
-            <a:lvl1pPr marL="0" indent="0">
-              <a:lnSpc>
-                <a:spcPct val="114000"/>
-              </a:lnSpc>
-              <a:spcBef>
-                <a:spcPts val="800"/>
-              </a:spcBef>
-              <a:buNone/>
-              <a:defRPr sz="1300"/>
-            </a:lvl1pPr>
-            <a:lvl2pPr marL="457200" indent="0">
-              <a:buNone/>
-              <a:defRPr sz="1200"/>
-            </a:lvl2pPr>
-            <a:lvl3pPr marL="914400" indent="0">
-              <a:buNone/>
-              <a:defRPr sz="1000"/>
-            </a:lvl3pPr>
-            <a:lvl4pPr marL="1371600" indent="0">
-              <a:buNone/>
-              <a:defRPr sz="900"/>
-            </a:lvl4pPr>
-            <a:lvl5pPr marL="1828800" indent="0">
-              <a:buNone/>
-              <a:defRPr sz="900"/>
-            </a:lvl5pPr>
-            <a:lvl6pPr marL="2286000" indent="0">
-              <a:buNone/>
-              <a:defRPr sz="900"/>
-            </a:lvl6pPr>
-            <a:lvl7pPr marL="2743200" indent="0">
-              <a:buNone/>
-              <a:defRPr sz="900"/>
-            </a:lvl7pPr>
-            <a:lvl8pPr marL="3200400" indent="0">
-              <a:buNone/>
-              <a:defRPr sz="900"/>
-            </a:lvl8pPr>
-            <a:lvl9pPr marL="3657600" indent="0">
-              <a:buNone/>
-              <a:defRPr sz="900"/>
-            </a:lvl9pPr>
-          </a:lstStyle>
-          <a:p>
-            <a:pPr lvl="0"/>
-            <a:r>
-              <a:rPr lang="nl-NL" smtClean="0"/>
-              <a:t>Klik om de modelstijlen te bewerken</a:t>
+              <a:rPr lang="nl-NL"/>
+              <a:t>Tekststijl van het model bewerken</a:t>
             </a:r>
           </a:p>
         </p:txBody>
@@ -2382,9 +4747,9 @@
           <a:bodyPr/>
           <a:lstStyle/>
           <a:p>
-            <a:fld id="{48A87A34-81AB-432B-8DAE-1953F412C126}" type="datetimeFigureOut">
+            <a:fld id="{6F53789A-C914-4DB1-8815-80B5EC7335C5}" type="datetimeFigureOut">
               <a:rPr lang="en-US" smtClean="0"/>
-              <a:t>10/26/2016</a:t>
+              <a:t>1/3/2017</a:t>
             </a:fld>
             <a:endParaRPr lang="en-US" dirty="0"/>
           </a:p>
@@ -2424,7 +4789,7 @@
           <a:bodyPr/>
           <a:lstStyle/>
           <a:p>
-            <a:fld id="{6D22F896-40B5-4ADD-8801-0D06FADFA095}" type="slidenum">
+            <a:fld id="{4FAB73BC-B049-4115-A692-8D63A059BFB8}" type="slidenum">
               <a:rPr lang="en-US" smtClean="0"/>
               <a:t>‹nr.›</a:t>
             </a:fld>
@@ -2435,7 +4800,7 @@
     </p:spTree>
     <p:extLst>
       <p:ext uri="{BB962C8B-B14F-4D97-AF65-F5344CB8AC3E}">
-        <p14:creationId xmlns:p14="http://schemas.microsoft.com/office/powerpoint/2010/main" val="391026602"/>
+        <p14:creationId xmlns:p14="http://schemas.microsoft.com/office/powerpoint/2010/main" val="2648570361"/>
       </p:ext>
     </p:extLst>
   </p:cSld>
@@ -2464,230 +4829,186 @@
       </p:grpSpPr>
       <p:sp>
         <p:nvSpPr>
-          <p:cNvPr id="8" name="Rectangle 7"/>
-          <p:cNvSpPr/>
-          <p:nvPr/>
+          <p:cNvPr id="2" name="Title 1"/>
+          <p:cNvSpPr>
+            <a:spLocks noGrp="1"/>
+          </p:cNvSpPr>
+          <p:nvPr>
+            <p:ph type="title"/>
+          </p:nvPr>
         </p:nvSpPr>
         <p:spPr>
           <a:xfrm>
-            <a:off x="0" y="5105400"/>
-            <a:ext cx="11292840" cy="1752600"/>
+            <a:off x="839788" y="457200"/>
+            <a:ext cx="3932237" cy="1600200"/>
           </a:xfrm>
-          <a:prstGeom prst="rect">
-            <a:avLst/>
-          </a:prstGeom>
-          <a:solidFill>
-            <a:srgbClr val="000000"/>
-          </a:solidFill>
-          <a:ln>
-            <a:noFill/>
-          </a:ln>
         </p:spPr>
-        <p:style>
-          <a:lnRef idx="2">
-            <a:schemeClr val="accent1">
-              <a:shade val="50000"/>
-            </a:schemeClr>
-          </a:lnRef>
-          <a:fillRef idx="1">
-            <a:schemeClr val="accent1"/>
-          </a:fillRef>
-          <a:effectRef idx="0">
-            <a:schemeClr val="accent1"/>
-          </a:effectRef>
-          <a:fontRef idx="minor">
-            <a:schemeClr val="lt1"/>
-          </a:fontRef>
-        </p:style>
-      </p:sp>
-      <p:sp>
-        <p:nvSpPr>
-          <p:cNvPr id="2" name="Title 1"/>
-          <p:cNvSpPr>
-            <a:spLocks noGrp="1"/>
-          </p:cNvSpPr>
-          <p:nvPr>
-            <p:ph type="title"/>
+        <p:txBody>
+          <a:bodyPr anchor="b"/>
+          <a:lstStyle>
+            <a:lvl1pPr>
+              <a:defRPr sz="3200"/>
+            </a:lvl1pPr>
+          </a:lstStyle>
+          <a:p>
+            <a:r>
+              <a:rPr lang="nl-NL"/>
+              <a:t>Klik om de stijl te bewerken</a:t>
+            </a:r>
+            <a:endParaRPr lang="en-US" dirty="0"/>
+          </a:p>
+        </p:txBody>
+      </p:sp>
+      <p:sp>
+        <p:nvSpPr>
+          <p:cNvPr id="3" name="Picture Placeholder 2"/>
+          <p:cNvSpPr>
+            <a:spLocks noGrp="1" noChangeAspect="1"/>
+          </p:cNvSpPr>
+          <p:nvPr>
+            <p:ph type="pic" idx="1"/>
           </p:nvPr>
         </p:nvSpPr>
         <p:spPr>
           <a:xfrm>
-            <a:off x="914400" y="5257800"/>
-            <a:ext cx="9982200" cy="914400"/>
+            <a:off x="5183188" y="987425"/>
+            <a:ext cx="6172200" cy="4873625"/>
           </a:xfrm>
-        </p:spPr>
-        <p:txBody>
-          <a:bodyPr anchor="b">
-            <a:normAutofit/>
-          </a:bodyPr>
-          <a:lstStyle>
-            <a:lvl1pPr>
-              <a:defRPr sz="2800" b="0">
-                <a:solidFill>
-                  <a:schemeClr val="bg1"/>
-                </a:solidFill>
-              </a:defRPr>
-            </a:lvl1pPr>
-          </a:lstStyle>
-          <a:p>
-            <a:r>
-              <a:rPr lang="nl-NL" smtClean="0"/>
-              <a:t>Klik om de stijl te bewerken</a:t>
-            </a:r>
-            <a:endParaRPr lang="en-US" dirty="0"/>
-          </a:p>
-        </p:txBody>
-      </p:sp>
-      <p:sp>
-        <p:nvSpPr>
-          <p:cNvPr id="3" name="Picture Placeholder 2"/>
-          <p:cNvSpPr>
-            <a:spLocks noGrp="1" noChangeAspect="1"/>
-          </p:cNvSpPr>
-          <p:nvPr>
-            <p:ph type="pic" idx="1"/>
-          </p:nvPr>
-        </p:nvSpPr>
-        <p:spPr>
-          <a:xfrm>
-            <a:off x="0" y="0"/>
-            <a:ext cx="11292840" cy="5128923"/>
-          </a:xfrm>
-          <a:blipFill>
-            <a:blip r:embed="rId2"/>
-            <a:stretch>
-              <a:fillRect/>
-            </a:stretch>
-          </a:blipFill>
         </p:spPr>
         <p:txBody>
           <a:bodyPr anchor="t"/>
           <a:lstStyle>
             <a:lvl1pPr marL="0" indent="0">
               <a:buNone/>
-              <a:defRPr sz="3200">
-                <a:solidFill>
-                  <a:schemeClr val="bg1"/>
-                </a:solidFill>
+              <a:defRPr sz="3200"/>
+            </a:lvl1pPr>
+            <a:lvl2pPr marL="457200" indent="0">
+              <a:buNone/>
+              <a:defRPr sz="2800"/>
+            </a:lvl2pPr>
+            <a:lvl3pPr marL="914400" indent="0">
+              <a:buNone/>
+              <a:defRPr sz="2400"/>
+            </a:lvl3pPr>
+            <a:lvl4pPr marL="1371600" indent="0">
+              <a:buNone/>
+              <a:defRPr sz="2000"/>
+            </a:lvl4pPr>
+            <a:lvl5pPr marL="1828800" indent="0">
+              <a:buNone/>
+              <a:defRPr sz="2000"/>
+            </a:lvl5pPr>
+            <a:lvl6pPr marL="2286000" indent="0">
+              <a:buNone/>
+              <a:defRPr sz="2000"/>
+            </a:lvl6pPr>
+            <a:lvl7pPr marL="2743200" indent="0">
+              <a:buNone/>
+              <a:defRPr sz="2000"/>
+            </a:lvl7pPr>
+            <a:lvl8pPr marL="3200400" indent="0">
+              <a:buNone/>
+              <a:defRPr sz="2000"/>
+            </a:lvl8pPr>
+            <a:lvl9pPr marL="3657600" indent="0">
+              <a:buNone/>
+              <a:defRPr sz="2000"/>
+            </a:lvl9pPr>
+          </a:lstStyle>
+          <a:p>
+            <a:r>
+              <a:rPr lang="nl-NL"/>
+              <a:t>Klik op het pictogram als u een afbeelding wilt toevoegen</a:t>
+            </a:r>
+            <a:endParaRPr lang="en-US" dirty="0"/>
+          </a:p>
+        </p:txBody>
+      </p:sp>
+      <p:sp>
+        <p:nvSpPr>
+          <p:cNvPr id="4" name="Text Placeholder 3"/>
+          <p:cNvSpPr>
+            <a:spLocks noGrp="1"/>
+          </p:cNvSpPr>
+          <p:nvPr>
+            <p:ph type="body" sz="half" idx="2"/>
+          </p:nvPr>
+        </p:nvSpPr>
+        <p:spPr>
+          <a:xfrm>
+            <a:off x="1120000" y="2057400"/>
+            <a:ext cx="3652025" cy="3811588"/>
+          </a:xfrm>
+        </p:spPr>
+        <p:txBody>
+          <a:bodyPr/>
+          <a:lstStyle>
+            <a:lvl1pPr marL="0" indent="0">
+              <a:buNone/>
+              <a:defRPr sz="1600">
+                <a:gradFill>
+                  <a:gsLst>
+                    <a:gs pos="15000">
+                      <a:schemeClr val="tx2"/>
+                    </a:gs>
+                    <a:gs pos="73000">
+                      <a:schemeClr val="tx2">
+                        <a:lumMod val="60000"/>
+                        <a:lumOff val="40000"/>
+                      </a:schemeClr>
+                    </a:gs>
+                    <a:gs pos="0">
+                      <a:schemeClr val="tx1"/>
+                    </a:gs>
+                    <a:gs pos="100000">
+                      <a:schemeClr val="tx2">
+                        <a:lumMod val="0"/>
+                        <a:lumOff val="100000"/>
+                      </a:schemeClr>
+                    </a:gs>
+                  </a:gsLst>
+                  <a:lin ang="16200000" scaled="1"/>
+                </a:gradFill>
               </a:defRPr>
             </a:lvl1pPr>
             <a:lvl2pPr marL="457200" indent="0">
               <a:buNone/>
-              <a:defRPr sz="2800"/>
+              <a:defRPr sz="1400"/>
             </a:lvl2pPr>
             <a:lvl3pPr marL="914400" indent="0">
               <a:buNone/>
-              <a:defRPr sz="2400"/>
+              <a:defRPr sz="1200"/>
             </a:lvl3pPr>
             <a:lvl4pPr marL="1371600" indent="0">
               <a:buNone/>
-              <a:defRPr sz="2000"/>
+              <a:defRPr sz="1000"/>
             </a:lvl4pPr>
             <a:lvl5pPr marL="1828800" indent="0">
               <a:buNone/>
-              <a:defRPr sz="2000"/>
+              <a:defRPr sz="1000"/>
             </a:lvl5pPr>
             <a:lvl6pPr marL="2286000" indent="0">
               <a:buNone/>
-              <a:defRPr sz="2000"/>
+              <a:defRPr sz="1000"/>
             </a:lvl6pPr>
             <a:lvl7pPr marL="2743200" indent="0">
               <a:buNone/>
-              <a:defRPr sz="2000"/>
+              <a:defRPr sz="1000"/>
             </a:lvl7pPr>
             <a:lvl8pPr marL="3200400" indent="0">
               <a:buNone/>
-              <a:defRPr sz="2000"/>
+              <a:defRPr sz="1000"/>
             </a:lvl8pPr>
             <a:lvl9pPr marL="3657600" indent="0">
               <a:buNone/>
-              <a:defRPr sz="2000"/>
+              <a:defRPr sz="1000"/>
             </a:lvl9pPr>
           </a:lstStyle>
           <a:p>
-            <a:r>
-              <a:rPr lang="nl-NL" smtClean="0"/>
-              <a:t>Klik op het pictogram als u een afbeelding wilt toevoegen</a:t>
-            </a:r>
-            <a:endParaRPr lang="en-US" dirty="0"/>
-          </a:p>
-        </p:txBody>
-      </p:sp>
-      <p:sp>
-        <p:nvSpPr>
-          <p:cNvPr id="4" name="Text Placeholder 3"/>
-          <p:cNvSpPr>
-            <a:spLocks noGrp="1"/>
-          </p:cNvSpPr>
-          <p:nvPr>
-            <p:ph type="body" sz="half" idx="2"/>
-          </p:nvPr>
-        </p:nvSpPr>
-        <p:spPr>
-          <a:xfrm>
-            <a:off x="914400" y="6108589"/>
-            <a:ext cx="9982200" cy="597011"/>
-          </a:xfrm>
-        </p:spPr>
-        <p:txBody>
-          <a:bodyPr>
-            <a:normAutofit/>
-          </a:bodyPr>
-          <a:lstStyle>
-            <a:lvl1pPr marL="0" indent="0">
-              <a:lnSpc>
-                <a:spcPct val="100000"/>
-              </a:lnSpc>
-              <a:spcBef>
-                <a:spcPts val="800"/>
-              </a:spcBef>
-              <a:buNone/>
-              <a:defRPr sz="1300">
-                <a:solidFill>
-                  <a:schemeClr val="bg1">
-                    <a:lumMod val="85000"/>
-                  </a:schemeClr>
-                </a:solidFill>
-              </a:defRPr>
-            </a:lvl1pPr>
-            <a:lvl2pPr marL="457200" indent="0">
-              <a:buNone/>
-              <a:defRPr sz="1200"/>
-            </a:lvl2pPr>
-            <a:lvl3pPr marL="914400" indent="0">
-              <a:buNone/>
-              <a:defRPr sz="1000"/>
-            </a:lvl3pPr>
-            <a:lvl4pPr marL="1371600" indent="0">
-              <a:buNone/>
-              <a:defRPr sz="900"/>
-            </a:lvl4pPr>
-            <a:lvl5pPr marL="1828800" indent="0">
-              <a:buNone/>
-              <a:defRPr sz="900"/>
-            </a:lvl5pPr>
-            <a:lvl6pPr marL="2286000" indent="0">
-              <a:buNone/>
-              <a:defRPr sz="900"/>
-            </a:lvl6pPr>
-            <a:lvl7pPr marL="2743200" indent="0">
-              <a:buNone/>
-              <a:defRPr sz="900"/>
-            </a:lvl7pPr>
-            <a:lvl8pPr marL="3200400" indent="0">
-              <a:buNone/>
-              <a:defRPr sz="900"/>
-            </a:lvl8pPr>
-            <a:lvl9pPr marL="3657600" indent="0">
-              <a:buNone/>
-              <a:defRPr sz="900"/>
-            </a:lvl9pPr>
-          </a:lstStyle>
-          <a:p>
             <a:pPr lvl="0"/>
             <a:r>
-              <a:rPr lang="nl-NL" smtClean="0"/>
-              <a:t>Klik om de modelstijlen te bewerken</a:t>
+              <a:rPr lang="nl-NL"/>
+              <a:t>Tekststijl van het model bewerken</a:t>
             </a:r>
           </a:p>
         </p:txBody>
@@ -2707,9 +5028,9 @@
           <a:bodyPr/>
           <a:lstStyle/>
           <a:p>
-            <a:fld id="{48A87A34-81AB-432B-8DAE-1953F412C126}" type="datetimeFigureOut">
+            <a:fld id="{5E6440AA-91A0-436F-8FDB-C0F939DCAE21}" type="datetimeFigureOut">
               <a:rPr lang="en-US" smtClean="0"/>
-              <a:t>10/26/2016</a:t>
+              <a:t>1/3/2017</a:t>
             </a:fld>
             <a:endParaRPr lang="en-US" dirty="0"/>
           </a:p>
@@ -2749,7 +5070,7 @@
           <a:bodyPr/>
           <a:lstStyle/>
           <a:p>
-            <a:fld id="{6D22F896-40B5-4ADD-8801-0D06FADFA095}" type="slidenum">
+            <a:fld id="{4FAB73BC-B049-4115-A692-8D63A059BFB8}" type="slidenum">
               <a:rPr lang="en-US" smtClean="0"/>
               <a:t>‹nr.›</a:t>
             </a:fld>
@@ -2760,7 +5081,7 @@
     </p:spTree>
     <p:extLst>
       <p:ext uri="{BB962C8B-B14F-4D97-AF65-F5344CB8AC3E}">
-        <p14:creationId xmlns:p14="http://schemas.microsoft.com/office/powerpoint/2010/main" val="3884730583"/>
+        <p14:creationId xmlns:p14="http://schemas.microsoft.com/office/powerpoint/2010/main" val="2682004395"/>
       </p:ext>
     </p:extLst>
   </p:cSld>
@@ -2774,9 +5095,18 @@
 <p:sldMaster xmlns:a="http://schemas.openxmlformats.org/drawingml/2006/main" xmlns:r="http://schemas.openxmlformats.org/officeDocument/2006/relationships" xmlns:p="http://schemas.openxmlformats.org/presentationml/2006/main">
   <p:cSld>
     <p:bg>
-      <p:bgRef idx="1001">
-        <a:schemeClr val="bg1"/>
-      </p:bgRef>
+      <p:bgPr>
+        <a:blipFill dpi="0" rotWithShape="1">
+          <a:blip r:embed="rId19">
+            <a:lum/>
+          </a:blip>
+          <a:srcRect/>
+          <a:stretch>
+            <a:fillRect/>
+          </a:stretch>
+        </a:blipFill>
+        <a:effectLst/>
+      </p:bgPr>
     </p:bg>
     <p:spTree>
       <p:nvGrpSpPr>
@@ -2794,71 +5124,31 @@
       </p:grpSpPr>
       <p:sp>
         <p:nvSpPr>
-          <p:cNvPr id="7" name="Rectangle 6"/>
-          <p:cNvSpPr/>
-          <p:nvPr/>
+          <p:cNvPr id="2" name="Title Placeholder 1"/>
+          <p:cNvSpPr>
+            <a:spLocks noGrp="1"/>
+          </p:cNvSpPr>
+          <p:nvPr>
+            <p:ph type="title"/>
+          </p:nvPr>
         </p:nvSpPr>
         <p:spPr>
           <a:xfrm>
-            <a:off x="11292840" y="0"/>
-            <a:ext cx="914400" cy="6858000"/>
-          </a:xfrm>
-          <a:prstGeom prst="rect">
-            <a:avLst/>
-          </a:prstGeom>
-          <a:solidFill>
-            <a:schemeClr val="tx2">
-              <a:lumMod val="75000"/>
-            </a:schemeClr>
-          </a:solidFill>
-          <a:ln>
-            <a:noFill/>
-          </a:ln>
-        </p:spPr>
-        <p:style>
-          <a:lnRef idx="2">
-            <a:schemeClr val="accent1">
-              <a:shade val="50000"/>
-            </a:schemeClr>
-          </a:lnRef>
-          <a:fillRef idx="1">
-            <a:schemeClr val="accent1"/>
-          </a:fillRef>
-          <a:effectRef idx="0">
-            <a:schemeClr val="accent1"/>
-          </a:effectRef>
-          <a:fontRef idx="minor">
-            <a:schemeClr val="lt1"/>
-          </a:fontRef>
-        </p:style>
-      </p:sp>
-      <p:sp>
-        <p:nvSpPr>
-          <p:cNvPr id="2" name="Title Placeholder 1"/>
-          <p:cNvSpPr>
-            <a:spLocks noGrp="1"/>
-          </p:cNvSpPr>
-          <p:nvPr>
-            <p:ph type="title"/>
-          </p:nvPr>
-        </p:nvSpPr>
-        <p:spPr>
-          <a:xfrm>
-            <a:off x="1261872" y="365760"/>
-            <a:ext cx="9692640" cy="1325562"/>
+            <a:off x="838200" y="365125"/>
+            <a:ext cx="10515600" cy="1325563"/>
           </a:xfrm>
           <a:prstGeom prst="rect">
             <a:avLst/>
           </a:prstGeom>
         </p:spPr>
         <p:txBody>
-          <a:bodyPr vert="horz" lIns="91440" tIns="45720" rIns="91440" bIns="45720" rtlCol="0" anchor="b">
+          <a:bodyPr vert="horz" lIns="91440" tIns="45720" rIns="91440" bIns="45720" rtlCol="0" anchor="ctr">
             <a:normAutofit/>
           </a:bodyPr>
           <a:lstStyle/>
           <a:p>
             <a:r>
-              <a:rPr lang="nl-NL" smtClean="0"/>
+              <a:rPr lang="nl-NL"/>
               <a:t>Klik om de stijl te bewerken</a:t>
             </a:r>
             <a:endParaRPr lang="en-US" dirty="0"/>
@@ -2877,8 +5167,8 @@
         </p:nvSpPr>
         <p:spPr>
           <a:xfrm>
-            <a:off x="1261872" y="1828800"/>
-            <a:ext cx="8595360" cy="4351337"/>
+            <a:off x="1120000" y="1825625"/>
+            <a:ext cx="10233800" cy="4351338"/>
           </a:xfrm>
           <a:prstGeom prst="rect">
             <a:avLst/>
@@ -2892,35 +5182,35 @@
           <a:p>
             <a:pPr lvl="0"/>
             <a:r>
-              <a:rPr lang="nl-NL" smtClean="0"/>
-              <a:t>Klik om de modelstijlen te bewerken</a:t>
+              <a:rPr lang="nl-NL"/>
+              <a:t>Tekststijl van het model bewerken</a:t>
             </a:r>
           </a:p>
           <a:p>
             <a:pPr lvl="1"/>
             <a:r>
-              <a:rPr lang="nl-NL" smtClean="0"/>
+              <a:rPr lang="nl-NL"/>
               <a:t>Tweede niveau</a:t>
             </a:r>
           </a:p>
           <a:p>
             <a:pPr lvl="2"/>
             <a:r>
-              <a:rPr lang="nl-NL" smtClean="0"/>
+              <a:rPr lang="nl-NL"/>
               <a:t>Derde niveau</a:t>
             </a:r>
           </a:p>
           <a:p>
             <a:pPr lvl="3"/>
             <a:r>
-              <a:rPr lang="nl-NL" smtClean="0"/>
+              <a:rPr lang="nl-NL"/>
               <a:t>Vierde niveau</a:t>
             </a:r>
           </a:p>
           <a:p>
             <a:pPr lvl="4"/>
             <a:r>
-              <a:rPr lang="nl-NL" smtClean="0"/>
+              <a:rPr lang="nl-NL"/>
               <a:t>Vijfde niveau</a:t>
             </a:r>
             <a:endParaRPr lang="en-US" dirty="0"/>
@@ -2938,9 +5228,9 @@
           </p:nvPr>
         </p:nvSpPr>
         <p:spPr>
-          <a:xfrm rot="16200000">
-            <a:off x="10797542" y="998537"/>
-            <a:ext cx="1904999" cy="365125"/>
+          <a:xfrm>
+            <a:off x="838200" y="6356350"/>
+            <a:ext cx="2743200" cy="365125"/>
           </a:xfrm>
           <a:prstGeom prst="rect">
             <a:avLst/>
@@ -2949,22 +5239,38 @@
         <p:txBody>
           <a:bodyPr vert="horz" lIns="91440" tIns="45720" rIns="91440" bIns="45720" rtlCol="0" anchor="ctr"/>
           <a:lstStyle>
-            <a:lvl1pPr algn="r">
-              <a:defRPr sz="1050" b="0">
-                <a:solidFill>
-                  <a:schemeClr val="tx2">
-                    <a:lumMod val="20000"/>
-                    <a:lumOff val="80000"/>
-                  </a:schemeClr>
-                </a:solidFill>
+            <a:lvl1pPr algn="l">
+              <a:defRPr sz="1200">
+                <a:gradFill flip="none" rotWithShape="1">
+                  <a:gsLst>
+                    <a:gs pos="28000">
+                      <a:schemeClr val="tx1">
+                        <a:lumMod val="93000"/>
+                      </a:schemeClr>
+                    </a:gs>
+                    <a:gs pos="0">
+                      <a:schemeClr val="bg1">
+                        <a:lumMod val="38000"/>
+                        <a:lumOff val="62000"/>
+                      </a:schemeClr>
+                    </a:gs>
+                    <a:gs pos="100000">
+                      <a:schemeClr val="tx2">
+                        <a:lumMod val="0"/>
+                        <a:lumOff val="100000"/>
+                      </a:schemeClr>
+                    </a:gs>
+                  </a:gsLst>
+                  <a:lin ang="5400000" scaled="1"/>
+                  <a:tileRect/>
+                </a:gradFill>
               </a:defRPr>
             </a:lvl1pPr>
           </a:lstStyle>
           <a:p>
-            <a:fld id="{48A87A34-81AB-432B-8DAE-1953F412C126}" type="datetimeFigureOut">
+            <a:fld id="{0E59FD0C-5451-4CA0-86AF-E70AE3279989}" type="datetimeFigureOut">
               <a:rPr lang="en-US" smtClean="0"/>
-              <a:pPr/>
-              <a:t>10/26/2016</a:t>
+              <a:t>1/3/2017</a:t>
             </a:fld>
             <a:endParaRPr lang="en-US" dirty="0"/>
           </a:p>
@@ -2981,9 +5287,9 @@
           </p:nvPr>
         </p:nvSpPr>
         <p:spPr>
-          <a:xfrm rot="16200000">
-            <a:off x="9959341" y="4046537"/>
-            <a:ext cx="3581400" cy="365125"/>
+          <a:xfrm>
+            <a:off x="4038600" y="6356350"/>
+            <a:ext cx="4114800" cy="365125"/>
           </a:xfrm>
           <a:prstGeom prst="rect">
             <a:avLst/>
@@ -2992,14 +5298,31 @@
         <p:txBody>
           <a:bodyPr vert="horz" lIns="91440" tIns="45720" rIns="91440" bIns="45720" rtlCol="0" anchor="ctr"/>
           <a:lstStyle>
-            <a:lvl1pPr algn="l">
-              <a:defRPr sz="1050">
-                <a:solidFill>
-                  <a:schemeClr val="tx2">
-                    <a:lumMod val="20000"/>
-                    <a:lumOff val="80000"/>
-                  </a:schemeClr>
-                </a:solidFill>
+            <a:lvl1pPr algn="ctr">
+              <a:defRPr sz="1200">
+                <a:gradFill flip="none" rotWithShape="1">
+                  <a:gsLst>
+                    <a:gs pos="28000">
+                      <a:schemeClr val="tx1">
+                        <a:lumMod val="93000"/>
+                      </a:schemeClr>
+                    </a:gs>
+                    <a:gs pos="0">
+                      <a:schemeClr val="bg1">
+                        <a:lumMod val="38000"/>
+                        <a:lumOff val="62000"/>
+                      </a:schemeClr>
+                    </a:gs>
+                    <a:gs pos="100000">
+                      <a:schemeClr val="tx2">
+                        <a:lumMod val="0"/>
+                        <a:lumOff val="100000"/>
+                      </a:schemeClr>
+                    </a:gs>
+                  </a:gsLst>
+                  <a:lin ang="5400000" scaled="1"/>
+                  <a:tileRect/>
+                </a:gradFill>
               </a:defRPr>
             </a:lvl1pPr>
           </a:lstStyle>
@@ -3020,31 +5343,46 @@
         </p:nvSpPr>
         <p:spPr>
           <a:xfrm>
-            <a:off x="11292840" y="6172200"/>
-            <a:ext cx="914400" cy="593725"/>
+            <a:off x="8610600" y="6356350"/>
+            <a:ext cx="2743200" cy="365125"/>
           </a:xfrm>
           <a:prstGeom prst="rect">
             <a:avLst/>
           </a:prstGeom>
         </p:spPr>
         <p:txBody>
-          <a:bodyPr vert="horz" lIns="45720" tIns="45720" rIns="45720" bIns="45720" rtlCol="0" anchor="ctr">
-            <a:normAutofit/>
-          </a:bodyPr>
+          <a:bodyPr vert="horz" lIns="91440" tIns="45720" rIns="91440" bIns="45720" rtlCol="0" anchor="ctr"/>
           <a:lstStyle>
-            <a:lvl1pPr algn="ctr">
-              <a:defRPr sz="3600">
-                <a:solidFill>
-                  <a:schemeClr val="tx2">
-                    <a:lumMod val="60000"/>
-                    <a:lumOff val="40000"/>
-                  </a:schemeClr>
-                </a:solidFill>
+            <a:lvl1pPr algn="r">
+              <a:defRPr sz="1200">
+                <a:gradFill flip="none" rotWithShape="1">
+                  <a:gsLst>
+                    <a:gs pos="28000">
+                      <a:schemeClr val="tx1">
+                        <a:lumMod val="93000"/>
+                      </a:schemeClr>
+                    </a:gs>
+                    <a:gs pos="0">
+                      <a:schemeClr val="bg1">
+                        <a:lumMod val="38000"/>
+                        <a:lumOff val="62000"/>
+                      </a:schemeClr>
+                    </a:gs>
+                    <a:gs pos="100000">
+                      <a:schemeClr val="tx2">
+                        <a:lumMod val="0"/>
+                        <a:lumOff val="100000"/>
+                      </a:schemeClr>
+                    </a:gs>
+                  </a:gsLst>
+                  <a:lin ang="5400000" scaled="1"/>
+                  <a:tileRect/>
+                </a:gradFill>
               </a:defRPr>
             </a:lvl1pPr>
           </a:lstStyle>
           <a:p>
-            <a:fld id="{6D22F896-40B5-4ADD-8801-0D06FADFA095}" type="slidenum">
+            <a:fld id="{4FAB73BC-B049-4115-A692-8D63A059BFB8}" type="slidenum">
               <a:rPr lang="en-US" smtClean="0"/>
               <a:pPr/>
               <a:t>‹nr.›</a:t>
@@ -3056,24 +5394,31 @@
     </p:spTree>
     <p:extLst>
       <p:ext uri="{BB962C8B-B14F-4D97-AF65-F5344CB8AC3E}">
-        <p14:creationId xmlns:p14="http://schemas.microsoft.com/office/powerpoint/2010/main" val="675081082"/>
+        <p14:creationId xmlns:p14="http://schemas.microsoft.com/office/powerpoint/2010/main" val="3348800758"/>
       </p:ext>
     </p:extLst>
   </p:cSld>
-  <p:clrMap bg1="lt1" tx1="dk1" bg2="lt2" tx2="dk2" accent1="accent1" accent2="accent2" accent3="accent3" accent4="accent4" accent5="accent5" accent6="accent6" hlink="hlink" folHlink="folHlink"/>
+  <p:clrMap bg1="dk1" tx1="lt1" bg2="dk2" tx2="lt2" accent1="accent1" accent2="accent2" accent3="accent3" accent4="accent4" accent5="accent5" accent6="accent6" hlink="hlink" folHlink="folHlink"/>
   <p:sldLayoutIdLst>
-    <p:sldLayoutId id="2147483670" r:id="rId1"/>
-    <p:sldLayoutId id="2147483671" r:id="rId2"/>
-    <p:sldLayoutId id="2147483672" r:id="rId3"/>
-    <p:sldLayoutId id="2147483673" r:id="rId4"/>
-    <p:sldLayoutId id="2147483674" r:id="rId5"/>
-    <p:sldLayoutId id="2147483675" r:id="rId6"/>
-    <p:sldLayoutId id="2147483676" r:id="rId7"/>
-    <p:sldLayoutId id="2147483677" r:id="rId8"/>
-    <p:sldLayoutId id="2147483678" r:id="rId9"/>
-    <p:sldLayoutId id="2147483679" r:id="rId10"/>
-    <p:sldLayoutId id="2147483680" r:id="rId11"/>
+    <p:sldLayoutId id="2147483853" r:id="rId1"/>
+    <p:sldLayoutId id="2147483854" r:id="rId2"/>
+    <p:sldLayoutId id="2147483855" r:id="rId3"/>
+    <p:sldLayoutId id="2147483856" r:id="rId4"/>
+    <p:sldLayoutId id="2147483857" r:id="rId5"/>
+    <p:sldLayoutId id="2147483858" r:id="rId6"/>
+    <p:sldLayoutId id="2147483859" r:id="rId7"/>
+    <p:sldLayoutId id="2147483860" r:id="rId8"/>
+    <p:sldLayoutId id="2147483861" r:id="rId9"/>
+    <p:sldLayoutId id="2147483862" r:id="rId10"/>
+    <p:sldLayoutId id="2147483863" r:id="rId11"/>
+    <p:sldLayoutId id="2147483864" r:id="rId12"/>
+    <p:sldLayoutId id="2147483865" r:id="rId13"/>
+    <p:sldLayoutId id="2147483866" r:id="rId14"/>
+    <p:sldLayoutId id="2147483867" r:id="rId15"/>
+    <p:sldLayoutId id="2147483868" r:id="rId16"/>
+    <p:sldLayoutId id="2147483869" r:id="rId17"/>
   </p:sldLayoutIdLst>
+  <p:hf sldNum="0" hdr="0" ftr="0" dt="0"/>
   <p:txStyles>
     <p:titleStyle>
       <a:lvl1pPr algn="l" defTabSz="914400" rtl="0" eaLnBrk="1" latinLnBrk="0" hangingPunct="1">
@@ -3084,10 +5429,30 @@
           <a:spcPct val="0"/>
         </a:spcBef>
         <a:buNone/>
-        <a:defRPr sz="4400" kern="1200" spc="-50" baseline="0">
-          <a:solidFill>
-            <a:schemeClr val="tx1"/>
-          </a:solidFill>
+        <a:defRPr sz="5400" b="0" kern="1200">
+          <a:gradFill flip="none" rotWithShape="1">
+            <a:gsLst>
+              <a:gs pos="28000">
+                <a:schemeClr val="tx1">
+                  <a:lumMod val="93000"/>
+                </a:schemeClr>
+              </a:gs>
+              <a:gs pos="0">
+                <a:schemeClr val="bg1">
+                  <a:lumMod val="25000"/>
+                  <a:lumOff val="75000"/>
+                </a:schemeClr>
+              </a:gs>
+              <a:gs pos="100000">
+                <a:schemeClr val="tx2">
+                  <a:lumMod val="0"/>
+                  <a:lumOff val="100000"/>
+                </a:schemeClr>
+              </a:gs>
+            </a:gsLst>
+            <a:lin ang="4800000" scaled="0"/>
+            <a:tileRect/>
+          </a:gradFill>
           <a:latin typeface="+mj-lt"/>
           <a:ea typeface="+mj-ea"/>
           <a:cs typeface="+mj-cs"/>
@@ -3095,23 +5460,201 @@
       </a:lvl1pPr>
     </p:titleStyle>
     <p:bodyStyle>
-      <a:lvl1pPr marL="182880" indent="-182880" algn="l" defTabSz="914400" rtl="0" eaLnBrk="1" latinLnBrk="0" hangingPunct="1">
+      <a:lvl1pPr marL="228600" indent="-228600" algn="l" defTabSz="914400" rtl="0" eaLnBrk="1" latinLnBrk="0" hangingPunct="1">
         <a:lnSpc>
-          <a:spcPct val="95000"/>
+          <a:spcPct val="90000"/>
         </a:lnSpc>
         <a:spcBef>
-          <a:spcPts val="1400"/>
+          <a:spcPts val="1000"/>
         </a:spcBef>
-        <a:spcAft>
-          <a:spcPts val="200"/>
-        </a:spcAft>
-        <a:buClr>
-          <a:schemeClr val="accent1"/>
-        </a:buClr>
-        <a:buSzPct val="80000"/>
-        <a:buFont typeface="Arial" pitchFamily="34" charset="0"/>
+        <a:buFont typeface="Arial" panose="020B0604020202020204" pitchFamily="34" charset="0"/>
         <a:buChar char="•"/>
-        <a:defRPr sz="1800" kern="1200" spc="10" baseline="0">
+        <a:defRPr sz="2800" kern="1200">
+          <a:gradFill>
+            <a:gsLst>
+              <a:gs pos="34000">
+                <a:schemeClr val="tx1">
+                  <a:lumMod val="93000"/>
+                </a:schemeClr>
+              </a:gs>
+              <a:gs pos="0">
+                <a:schemeClr val="bg1">
+                  <a:lumMod val="25000"/>
+                  <a:lumOff val="75000"/>
+                </a:schemeClr>
+              </a:gs>
+              <a:gs pos="100000">
+                <a:schemeClr val="tx2">
+                  <a:lumMod val="0"/>
+                  <a:lumOff val="100000"/>
+                </a:schemeClr>
+              </a:gs>
+            </a:gsLst>
+            <a:lin ang="4800000" scaled="0"/>
+          </a:gradFill>
+          <a:latin typeface="+mn-lt"/>
+          <a:ea typeface="+mn-ea"/>
+          <a:cs typeface="+mn-cs"/>
+        </a:defRPr>
+      </a:lvl1pPr>
+      <a:lvl2pPr marL="685800" indent="-228600" algn="l" defTabSz="914400" rtl="0" eaLnBrk="1" latinLnBrk="0" hangingPunct="1">
+        <a:lnSpc>
+          <a:spcPct val="90000"/>
+        </a:lnSpc>
+        <a:spcBef>
+          <a:spcPts val="500"/>
+        </a:spcBef>
+        <a:buFont typeface="Arial" panose="020B0604020202020204" pitchFamily="34" charset="0"/>
+        <a:buChar char="•"/>
+        <a:defRPr sz="2400" kern="1200">
+          <a:gradFill>
+            <a:gsLst>
+              <a:gs pos="34000">
+                <a:schemeClr val="tx1">
+                  <a:lumMod val="93000"/>
+                </a:schemeClr>
+              </a:gs>
+              <a:gs pos="0">
+                <a:schemeClr val="bg1">
+                  <a:lumMod val="25000"/>
+                  <a:lumOff val="75000"/>
+                </a:schemeClr>
+              </a:gs>
+              <a:gs pos="100000">
+                <a:schemeClr val="tx2">
+                  <a:lumMod val="0"/>
+                  <a:lumOff val="100000"/>
+                </a:schemeClr>
+              </a:gs>
+            </a:gsLst>
+            <a:lin ang="4800000" scaled="0"/>
+          </a:gradFill>
+          <a:latin typeface="+mn-lt"/>
+          <a:ea typeface="+mn-ea"/>
+          <a:cs typeface="+mn-cs"/>
+        </a:defRPr>
+      </a:lvl2pPr>
+      <a:lvl3pPr marL="1143000" indent="-228600" algn="l" defTabSz="914400" rtl="0" eaLnBrk="1" latinLnBrk="0" hangingPunct="1">
+        <a:lnSpc>
+          <a:spcPct val="90000"/>
+        </a:lnSpc>
+        <a:spcBef>
+          <a:spcPts val="500"/>
+        </a:spcBef>
+        <a:buFont typeface="Arial" panose="020B0604020202020204" pitchFamily="34" charset="0"/>
+        <a:buChar char="•"/>
+        <a:defRPr sz="2000" kern="1200">
+          <a:gradFill>
+            <a:gsLst>
+              <a:gs pos="34000">
+                <a:schemeClr val="tx1">
+                  <a:lumMod val="93000"/>
+                </a:schemeClr>
+              </a:gs>
+              <a:gs pos="0">
+                <a:schemeClr val="bg1">
+                  <a:lumMod val="25000"/>
+                  <a:lumOff val="75000"/>
+                </a:schemeClr>
+              </a:gs>
+              <a:gs pos="100000">
+                <a:schemeClr val="tx2">
+                  <a:lumMod val="0"/>
+                  <a:lumOff val="100000"/>
+                </a:schemeClr>
+              </a:gs>
+            </a:gsLst>
+            <a:lin ang="4800000" scaled="0"/>
+          </a:gradFill>
+          <a:latin typeface="+mn-lt"/>
+          <a:ea typeface="+mn-ea"/>
+          <a:cs typeface="+mn-cs"/>
+        </a:defRPr>
+      </a:lvl3pPr>
+      <a:lvl4pPr marL="1600200" indent="-228600" algn="l" defTabSz="914400" rtl="0" eaLnBrk="1" latinLnBrk="0" hangingPunct="1">
+        <a:lnSpc>
+          <a:spcPct val="90000"/>
+        </a:lnSpc>
+        <a:spcBef>
+          <a:spcPts val="500"/>
+        </a:spcBef>
+        <a:buFont typeface="Arial" panose="020B0604020202020204" pitchFamily="34" charset="0"/>
+        <a:buChar char="•"/>
+        <a:defRPr sz="1800" kern="1200">
+          <a:gradFill>
+            <a:gsLst>
+              <a:gs pos="34000">
+                <a:schemeClr val="tx1">
+                  <a:lumMod val="93000"/>
+                </a:schemeClr>
+              </a:gs>
+              <a:gs pos="0">
+                <a:schemeClr val="bg1">
+                  <a:lumMod val="25000"/>
+                  <a:lumOff val="75000"/>
+                </a:schemeClr>
+              </a:gs>
+              <a:gs pos="100000">
+                <a:schemeClr val="tx2">
+                  <a:lumMod val="0"/>
+                  <a:lumOff val="100000"/>
+                </a:schemeClr>
+              </a:gs>
+            </a:gsLst>
+            <a:lin ang="4800000" scaled="0"/>
+          </a:gradFill>
+          <a:latin typeface="+mn-lt"/>
+          <a:ea typeface="+mn-ea"/>
+          <a:cs typeface="+mn-cs"/>
+        </a:defRPr>
+      </a:lvl4pPr>
+      <a:lvl5pPr marL="2057400" indent="-228600" algn="l" defTabSz="914400" rtl="0" eaLnBrk="1" latinLnBrk="0" hangingPunct="1">
+        <a:lnSpc>
+          <a:spcPct val="90000"/>
+        </a:lnSpc>
+        <a:spcBef>
+          <a:spcPts val="500"/>
+        </a:spcBef>
+        <a:buFont typeface="Arial" panose="020B0604020202020204" pitchFamily="34" charset="0"/>
+        <a:buChar char="•"/>
+        <a:defRPr sz="1800" kern="1200">
+          <a:gradFill>
+            <a:gsLst>
+              <a:gs pos="34000">
+                <a:schemeClr val="tx1">
+                  <a:lumMod val="93000"/>
+                </a:schemeClr>
+              </a:gs>
+              <a:gs pos="0">
+                <a:schemeClr val="bg1">
+                  <a:lumMod val="25000"/>
+                  <a:lumOff val="75000"/>
+                </a:schemeClr>
+              </a:gs>
+              <a:gs pos="100000">
+                <a:schemeClr val="tx2">
+                  <a:lumMod val="0"/>
+                  <a:lumOff val="100000"/>
+                </a:schemeClr>
+              </a:gs>
+            </a:gsLst>
+            <a:lin ang="4800000" scaled="0"/>
+          </a:gradFill>
+          <a:latin typeface="+mn-lt"/>
+          <a:ea typeface="+mn-ea"/>
+          <a:cs typeface="+mn-cs"/>
+        </a:defRPr>
+      </a:lvl5pPr>
+      <a:lvl6pPr marL="2514600" indent="-228600" algn="l" defTabSz="914400" rtl="0" eaLnBrk="1" latinLnBrk="0" hangingPunct="1">
+        <a:lnSpc>
+          <a:spcPct val="90000"/>
+        </a:lnSpc>
+        <a:spcBef>
+          <a:spcPts val="500"/>
+        </a:spcBef>
+        <a:buFont typeface="Arial" panose="020B0604020202020204" pitchFamily="34" charset="0"/>
+        <a:buChar char="•"/>
+        <a:defRPr sz="1800" kern="1200">
           <a:solidFill>
             <a:schemeClr val="tx1"/>
           </a:solidFill>
@@ -3119,217 +5662,55 @@
           <a:ea typeface="+mn-ea"/>
           <a:cs typeface="+mn-cs"/>
         </a:defRPr>
-      </a:lvl1pPr>
-      <a:lvl2pPr marL="457200" indent="-182880" algn="l" defTabSz="914400" rtl="0" eaLnBrk="1" latinLnBrk="0" hangingPunct="1">
+      </a:lvl6pPr>
+      <a:lvl7pPr marL="2971800" indent="-228600" algn="l" defTabSz="914400" rtl="0" eaLnBrk="1" latinLnBrk="0" hangingPunct="1">
         <a:lnSpc>
           <a:spcPct val="90000"/>
         </a:lnSpc>
         <a:spcBef>
-          <a:spcPts val="300"/>
+          <a:spcPts val="500"/>
         </a:spcBef>
-        <a:spcAft>
-          <a:spcPts val="300"/>
-        </a:spcAft>
-        <a:buClr>
-          <a:schemeClr val="accent1"/>
-        </a:buClr>
-        <a:buFont typeface="Wingdings 2" pitchFamily="18" charset="2"/>
-        <a:buChar char=""/>
-        <a:defRPr sz="1600" kern="1200">
+        <a:buFont typeface="Arial" panose="020B0604020202020204" pitchFamily="34" charset="0"/>
+        <a:buChar char="•"/>
+        <a:defRPr sz="1800" kern="1200">
           <a:solidFill>
-            <a:schemeClr val="tx1">
-              <a:lumMod val="85000"/>
-              <a:lumOff val="15000"/>
-            </a:schemeClr>
-          </a:solidFill>
-          <a:latin typeface="+mn-lt"/>
-          <a:ea typeface="+mn-ea"/>
-          <a:cs typeface="+mn-cs"/>
-        </a:defRPr>
-      </a:lvl2pPr>
-      <a:lvl3pPr marL="731520" indent="-182880" algn="l" defTabSz="914400" rtl="0" eaLnBrk="1" latinLnBrk="0" hangingPunct="1">
-        <a:lnSpc>
-          <a:spcPct val="90000"/>
-        </a:lnSpc>
-        <a:spcBef>
-          <a:spcPts val="300"/>
-        </a:spcBef>
-        <a:spcAft>
-          <a:spcPts val="300"/>
-        </a:spcAft>
-        <a:buClr>
-          <a:schemeClr val="accent1"/>
-        </a:buClr>
-        <a:buFont typeface="Wingdings 2" pitchFamily="18" charset="2"/>
-        <a:buChar char=""/>
-        <a:defRPr sz="1400" kern="1200">
-          <a:solidFill>
-            <a:schemeClr val="tx1">
-              <a:lumMod val="85000"/>
-              <a:lumOff val="15000"/>
-            </a:schemeClr>
-          </a:solidFill>
-          <a:latin typeface="+mn-lt"/>
-          <a:ea typeface="+mn-ea"/>
-          <a:cs typeface="+mn-cs"/>
-        </a:defRPr>
-      </a:lvl3pPr>
-      <a:lvl4pPr marL="1005840" indent="-182880" algn="l" defTabSz="914400" rtl="0" eaLnBrk="1" latinLnBrk="0" hangingPunct="1">
-        <a:lnSpc>
-          <a:spcPct val="90000"/>
-        </a:lnSpc>
-        <a:spcBef>
-          <a:spcPts val="300"/>
-        </a:spcBef>
-        <a:spcAft>
-          <a:spcPts val="300"/>
-        </a:spcAft>
-        <a:buClr>
-          <a:schemeClr val="accent1"/>
-        </a:buClr>
-        <a:buFont typeface="Wingdings 2" pitchFamily="18" charset="2"/>
-        <a:buChar char=""/>
-        <a:defRPr sz="1400" kern="1200">
-          <a:solidFill>
-            <a:schemeClr val="tx1">
-              <a:lumMod val="85000"/>
-              <a:lumOff val="15000"/>
-            </a:schemeClr>
-          </a:solidFill>
-          <a:latin typeface="+mn-lt"/>
-          <a:ea typeface="+mn-ea"/>
-          <a:cs typeface="+mn-cs"/>
-        </a:defRPr>
-      </a:lvl4pPr>
-      <a:lvl5pPr marL="1280160" indent="-182880" algn="l" defTabSz="914400" rtl="0" eaLnBrk="1" latinLnBrk="0" hangingPunct="1">
-        <a:lnSpc>
-          <a:spcPct val="90000"/>
-        </a:lnSpc>
-        <a:spcBef>
-          <a:spcPts val="300"/>
-        </a:spcBef>
-        <a:spcAft>
-          <a:spcPts val="300"/>
-        </a:spcAft>
-        <a:buClr>
-          <a:schemeClr val="accent1"/>
-        </a:buClr>
-        <a:buFont typeface="Wingdings 2" pitchFamily="18" charset="2"/>
-        <a:buChar char=""/>
-        <a:defRPr sz="1400" kern="1200">
-          <a:solidFill>
-            <a:schemeClr val="tx1">
-              <a:lumMod val="85000"/>
-              <a:lumOff val="15000"/>
-            </a:schemeClr>
-          </a:solidFill>
-          <a:latin typeface="+mn-lt"/>
-          <a:ea typeface="+mn-ea"/>
-          <a:cs typeface="+mn-cs"/>
-        </a:defRPr>
-      </a:lvl5pPr>
-      <a:lvl6pPr marL="1600000" indent="-228600" algn="l" defTabSz="914400" rtl="0" eaLnBrk="1" latinLnBrk="0" hangingPunct="1">
-        <a:lnSpc>
-          <a:spcPct val="90000"/>
-        </a:lnSpc>
-        <a:spcBef>
-          <a:spcPts val="300"/>
-        </a:spcBef>
-        <a:spcAft>
-          <a:spcPts val="300"/>
-        </a:spcAft>
-        <a:buClr>
-          <a:schemeClr val="accent1"/>
-        </a:buClr>
-        <a:buFont typeface="Wingdings 2" pitchFamily="18" charset="2"/>
-        <a:buChar char=""/>
-        <a:defRPr sz="1400" kern="1200">
-          <a:solidFill>
-            <a:schemeClr val="tx1">
-              <a:lumMod val="85000"/>
-              <a:lumOff val="15000"/>
-            </a:schemeClr>
-          </a:solidFill>
-          <a:latin typeface="+mn-lt"/>
-          <a:ea typeface="+mn-ea"/>
-          <a:cs typeface="+mn-cs"/>
-        </a:defRPr>
-      </a:lvl6pPr>
-      <a:lvl7pPr marL="1900000" indent="-228600" algn="l" defTabSz="914400" rtl="0" eaLnBrk="1" latinLnBrk="0" hangingPunct="1">
-        <a:lnSpc>
-          <a:spcPct val="90000"/>
-        </a:lnSpc>
-        <a:spcBef>
-          <a:spcPts val="300"/>
-        </a:spcBef>
-        <a:spcAft>
-          <a:spcPts val="300"/>
-        </a:spcAft>
-        <a:buClr>
-          <a:schemeClr val="accent1"/>
-        </a:buClr>
-        <a:buFont typeface="Wingdings 2" pitchFamily="18" charset="2"/>
-        <a:buChar char=""/>
-        <a:defRPr sz="1400" kern="1200">
-          <a:solidFill>
-            <a:schemeClr val="tx1">
-              <a:lumMod val="85000"/>
-              <a:lumOff val="15000"/>
-            </a:schemeClr>
+            <a:schemeClr val="tx1"/>
           </a:solidFill>
           <a:latin typeface="+mn-lt"/>
           <a:ea typeface="+mn-ea"/>
           <a:cs typeface="+mn-cs"/>
         </a:defRPr>
       </a:lvl7pPr>
-      <a:lvl8pPr marL="2200000" indent="-228600" algn="l" defTabSz="914400" rtl="0" eaLnBrk="1" latinLnBrk="0" hangingPunct="1">
+      <a:lvl8pPr marL="3429000" indent="-228600" algn="l" defTabSz="914400" rtl="0" eaLnBrk="1" latinLnBrk="0" hangingPunct="1">
         <a:lnSpc>
           <a:spcPct val="90000"/>
         </a:lnSpc>
         <a:spcBef>
-          <a:spcPts val="300"/>
+          <a:spcPts val="500"/>
         </a:spcBef>
-        <a:spcAft>
-          <a:spcPts val="300"/>
-        </a:spcAft>
-        <a:buClr>
-          <a:schemeClr val="accent1"/>
-        </a:buClr>
-        <a:buFont typeface="Wingdings 2" pitchFamily="18" charset="2"/>
-        <a:buChar char=""/>
-        <a:defRPr sz="1400" kern="1200">
+        <a:buFont typeface="Arial" panose="020B0604020202020204" pitchFamily="34" charset="0"/>
+        <a:buChar char="•"/>
+        <a:defRPr sz="1800" kern="1200">
           <a:solidFill>
-            <a:schemeClr val="tx1">
-              <a:lumMod val="85000"/>
-              <a:lumOff val="15000"/>
-            </a:schemeClr>
+            <a:schemeClr val="tx1"/>
           </a:solidFill>
           <a:latin typeface="+mn-lt"/>
           <a:ea typeface="+mn-ea"/>
           <a:cs typeface="+mn-cs"/>
         </a:defRPr>
       </a:lvl8pPr>
-      <a:lvl9pPr marL="2500000" indent="-228600" algn="l" defTabSz="914400" rtl="0" eaLnBrk="1" latinLnBrk="0" hangingPunct="1">
+      <a:lvl9pPr marL="3886200" indent="-228600" algn="l" defTabSz="914400" rtl="0" eaLnBrk="1" latinLnBrk="0" hangingPunct="1">
         <a:lnSpc>
           <a:spcPct val="90000"/>
         </a:lnSpc>
         <a:spcBef>
-          <a:spcPts val="300"/>
+          <a:spcPts val="500"/>
         </a:spcBef>
-        <a:spcAft>
-          <a:spcPts val="300"/>
-        </a:spcAft>
-        <a:buClr>
-          <a:schemeClr val="accent1"/>
-        </a:buClr>
-        <a:buFont typeface="Wingdings 2" pitchFamily="18" charset="2"/>
-        <a:buChar char=""/>
-        <a:defRPr sz="1400" kern="1200">
+        <a:buFont typeface="Arial" panose="020B0604020202020204" pitchFamily="34" charset="0"/>
+        <a:buChar char="•"/>
+        <a:defRPr sz="1800" kern="1200">
           <a:solidFill>
-            <a:schemeClr val="tx1">
-              <a:lumMod val="85000"/>
-              <a:lumOff val="15000"/>
-            </a:schemeClr>
+            <a:schemeClr val="tx1"/>
           </a:solidFill>
           <a:latin typeface="+mn-lt"/>
           <a:ea typeface="+mn-ea"/>
@@ -3465,8 +5846,42 @@
         </p:nvSpPr>
         <p:spPr>
           <a:xfrm>
-            <a:off x="1261872" y="758952"/>
-            <a:ext cx="9418320" cy="3106466"/>
+            <a:off x="3478389" y="3075534"/>
+            <a:ext cx="7984449" cy="992601"/>
+          </a:xfrm>
+        </p:spPr>
+        <p:txBody>
+          <a:bodyPr>
+            <a:normAutofit fontScale="90000"/>
+          </a:bodyPr>
+          <a:lstStyle/>
+          <a:p>
+            <a:pPr algn="r"/>
+            <a:r>
+              <a:rPr lang="nl-BE" sz="6600" b="1" dirty="0">
+                <a:latin typeface="Open Sans" panose="020B0606030504020204" pitchFamily="34" charset="0"/>
+                <a:ea typeface="Open Sans" panose="020B0606030504020204" pitchFamily="34" charset="0"/>
+                <a:cs typeface="Open Sans" panose="020B0606030504020204" pitchFamily="34" charset="0"/>
+              </a:rPr>
+              <a:t>Eindopdracht CMP III</a:t>
+            </a:r>
+          </a:p>
+        </p:txBody>
+      </p:sp>
+      <p:sp>
+        <p:nvSpPr>
+          <p:cNvPr id="3" name="Ondertitel 2"/>
+          <p:cNvSpPr>
+            <a:spLocks noGrp="1"/>
+          </p:cNvSpPr>
+          <p:nvPr>
+            <p:ph type="subTitle" idx="1"/>
+          </p:nvPr>
+        </p:nvSpPr>
+        <p:spPr>
+          <a:xfrm>
+            <a:off x="6337005" y="3908646"/>
+            <a:ext cx="5125833" cy="931584"/>
           </a:xfrm>
         </p:spPr>
         <p:txBody>
@@ -3477,51 +5892,493 @@
           <a:p>
             <a:pPr algn="r"/>
             <a:r>
-              <a:rPr lang="nl-BE" sz="9600" dirty="0" smtClean="0"/>
-              <a:t>Cmp</a:t>
-            </a:r>
-            <a:r>
-              <a:rPr lang="nl-BE" sz="9600" dirty="0"/>
-              <a:t>3</a:t>
-            </a:r>
-          </a:p>
-        </p:txBody>
-      </p:sp>
-      <p:sp>
-        <p:nvSpPr>
-          <p:cNvPr id="3" name="Ondertitel 2"/>
-          <p:cNvSpPr>
-            <a:spLocks noGrp="1"/>
-          </p:cNvSpPr>
-          <p:nvPr>
-            <p:ph type="subTitle" idx="1"/>
-          </p:nvPr>
-        </p:nvSpPr>
-        <p:spPr/>
-        <p:txBody>
-          <a:bodyPr/>
-          <a:lstStyle/>
-          <a:p>
-            <a:pPr algn="r"/>
-            <a:r>
-              <a:rPr lang="nl-BE" dirty="0" smtClean="0"/>
-              <a:t>Bram Van de Voorde </a:t>
-            </a:r>
-            <a:br>
-              <a:rPr lang="nl-BE" dirty="0" smtClean="0"/>
-            </a:br>
-            <a:r>
-              <a:rPr lang="nl-BE" dirty="0" smtClean="0"/>
-              <a:t>2MMPproDUCE</a:t>
-            </a:r>
-            <a:endParaRPr lang="nl-BE" dirty="0"/>
+              <a:rPr lang="nl-BE" dirty="0">
+                <a:latin typeface="Open Sans" panose="020B0606030504020204" pitchFamily="34" charset="0"/>
+                <a:ea typeface="Open Sans" panose="020B0606030504020204" pitchFamily="34" charset="0"/>
+                <a:cs typeface="Open Sans" panose="020B0606030504020204" pitchFamily="34" charset="0"/>
+              </a:rPr>
+              <a:t>BRAM VAN DE VOORDE</a:t>
+            </a:r>
           </a:p>
         </p:txBody>
       </p:sp>
     </p:spTree>
     <p:extLst>
       <p:ext uri="{BB962C8B-B14F-4D97-AF65-F5344CB8AC3E}">
-        <p14:creationId xmlns:p14="http://schemas.microsoft.com/office/powerpoint/2010/main" val="3315740982"/>
+        <p14:creationId xmlns:p14="http://schemas.microsoft.com/office/powerpoint/2010/main" val="2163002736"/>
+      </p:ext>
+    </p:extLst>
+  </p:cSld>
+  <p:clrMapOvr>
+    <a:masterClrMapping/>
+  </p:clrMapOvr>
+</p:sld>
+</file>
+
+<file path=ppt/slides/slide2.xml><?xml version="1.0" encoding="utf-8"?>
+<p:sld xmlns:a="http://schemas.openxmlformats.org/drawingml/2006/main" xmlns:r="http://schemas.openxmlformats.org/officeDocument/2006/relationships" xmlns:p="http://schemas.openxmlformats.org/presentationml/2006/main">
+  <p:cSld>
+    <p:spTree>
+      <p:nvGrpSpPr>
+        <p:cNvPr id="1" name=""/>
+        <p:cNvGrpSpPr/>
+        <p:nvPr/>
+      </p:nvGrpSpPr>
+      <p:grpSpPr>
+        <a:xfrm>
+          <a:off x="0" y="0"/>
+          <a:ext cx="0" cy="0"/>
+          <a:chOff x="0" y="0"/>
+          <a:chExt cx="0" cy="0"/>
+        </a:xfrm>
+      </p:grpSpPr>
+      <p:sp>
+        <p:nvSpPr>
+          <p:cNvPr id="2" name="Titel 1"/>
+          <p:cNvSpPr>
+            <a:spLocks noGrp="1"/>
+          </p:cNvSpPr>
+          <p:nvPr>
+            <p:ph type="title"/>
+          </p:nvPr>
+        </p:nvSpPr>
+        <p:spPr/>
+        <p:txBody>
+          <a:bodyPr/>
+          <a:lstStyle/>
+          <a:p>
+            <a:r>
+              <a:rPr lang="nl-BE" b="1" dirty="0">
+                <a:solidFill>
+                  <a:schemeClr val="tx1"/>
+                </a:solidFill>
+                <a:latin typeface="Open Sans" panose="020B0606030504020204" pitchFamily="34" charset="0"/>
+                <a:ea typeface="Open Sans" panose="020B0606030504020204" pitchFamily="34" charset="0"/>
+                <a:cs typeface="Open Sans" panose="020B0606030504020204" pitchFamily="34" charset="0"/>
+              </a:rPr>
+              <a:t>Stijl </a:t>
+            </a:r>
+            <a:r>
+              <a:rPr lang="nl-BE" sz="3200" b="1" dirty="0">
+                <a:solidFill>
+                  <a:schemeClr val="tx1"/>
+                </a:solidFill>
+                <a:latin typeface="Open Sans" panose="020B0606030504020204" pitchFamily="34" charset="0"/>
+                <a:ea typeface="Open Sans" panose="020B0606030504020204" pitchFamily="34" charset="0"/>
+                <a:cs typeface="Open Sans" panose="020B0606030504020204" pitchFamily="34" charset="0"/>
+              </a:rPr>
+              <a:t>(afbeelding)</a:t>
+            </a:r>
+          </a:p>
+        </p:txBody>
+      </p:sp>
+      <p:pic>
+        <p:nvPicPr>
+          <p:cNvPr id="5" name="Tijdelijke aanduiding voor inhoud 4"/>
+          <p:cNvPicPr>
+            <a:picLocks noGrp="1" noChangeAspect="1"/>
+          </p:cNvPicPr>
+          <p:nvPr>
+            <p:ph idx="1"/>
+          </p:nvPr>
+        </p:nvPicPr>
+        <p:blipFill>
+          <a:blip r:embed="rId2"/>
+          <a:stretch>
+            <a:fillRect/>
+          </a:stretch>
+        </p:blipFill>
+        <p:spPr>
+          <a:xfrm>
+            <a:off x="838200" y="1690688"/>
+            <a:ext cx="10751288" cy="4670869"/>
+          </a:xfrm>
+        </p:spPr>
+      </p:pic>
+    </p:spTree>
+    <p:extLst>
+      <p:ext uri="{BB962C8B-B14F-4D97-AF65-F5344CB8AC3E}">
+        <p14:creationId xmlns:p14="http://schemas.microsoft.com/office/powerpoint/2010/main" val="2415959379"/>
+      </p:ext>
+    </p:extLst>
+  </p:cSld>
+  <p:clrMapOvr>
+    <a:masterClrMapping/>
+  </p:clrMapOvr>
+</p:sld>
+</file>
+
+<file path=ppt/slides/slide3.xml><?xml version="1.0" encoding="utf-8"?>
+<p:sld xmlns:a="http://schemas.openxmlformats.org/drawingml/2006/main" xmlns:r="http://schemas.openxmlformats.org/officeDocument/2006/relationships" xmlns:p="http://schemas.openxmlformats.org/presentationml/2006/main">
+  <p:cSld>
+    <p:spTree>
+      <p:nvGrpSpPr>
+        <p:cNvPr id="1" name=""/>
+        <p:cNvGrpSpPr/>
+        <p:nvPr/>
+      </p:nvGrpSpPr>
+      <p:grpSpPr>
+        <a:xfrm>
+          <a:off x="0" y="0"/>
+          <a:ext cx="0" cy="0"/>
+          <a:chOff x="0" y="0"/>
+          <a:chExt cx="0" cy="0"/>
+        </a:xfrm>
+      </p:grpSpPr>
+      <p:sp>
+        <p:nvSpPr>
+          <p:cNvPr id="2" name="Titel 1"/>
+          <p:cNvSpPr>
+            <a:spLocks noGrp="1"/>
+          </p:cNvSpPr>
+          <p:nvPr>
+            <p:ph type="title"/>
+          </p:nvPr>
+        </p:nvSpPr>
+        <p:spPr/>
+        <p:txBody>
+          <a:bodyPr/>
+          <a:lstStyle/>
+          <a:p>
+            <a:r>
+              <a:rPr lang="nl-BE" b="1" dirty="0">
+                <a:solidFill>
+                  <a:schemeClr val="tx1"/>
+                </a:solidFill>
+                <a:latin typeface="Open Sans" panose="020B0606030504020204" pitchFamily="34" charset="0"/>
+                <a:ea typeface="Open Sans" panose="020B0606030504020204" pitchFamily="34" charset="0"/>
+                <a:cs typeface="Open Sans" panose="020B0606030504020204" pitchFamily="34" charset="0"/>
+              </a:rPr>
+              <a:t>Stijl </a:t>
+            </a:r>
+            <a:endParaRPr lang="nl-BE" sz="3200" b="1" dirty="0">
+              <a:solidFill>
+                <a:schemeClr val="tx1"/>
+              </a:solidFill>
+              <a:latin typeface="Open Sans" panose="020B0606030504020204" pitchFamily="34" charset="0"/>
+              <a:ea typeface="Open Sans" panose="020B0606030504020204" pitchFamily="34" charset="0"/>
+              <a:cs typeface="Open Sans" panose="020B0606030504020204" pitchFamily="34" charset="0"/>
+            </a:endParaRPr>
+          </a:p>
+        </p:txBody>
+      </p:sp>
+      <p:pic>
+        <p:nvPicPr>
+          <p:cNvPr id="11" name="Afbeelding 10"/>
+          <p:cNvPicPr>
+            <a:picLocks noChangeAspect="1"/>
+          </p:cNvPicPr>
+          <p:nvPr/>
+        </p:nvPicPr>
+        <p:blipFill>
+          <a:blip r:embed="rId2"/>
+          <a:stretch>
+            <a:fillRect/>
+          </a:stretch>
+        </p:blipFill>
+        <p:spPr>
+          <a:xfrm>
+            <a:off x="838200" y="1690688"/>
+            <a:ext cx="3409950" cy="4972050"/>
+          </a:xfrm>
+          <a:prstGeom prst="rect">
+            <a:avLst/>
+          </a:prstGeom>
+        </p:spPr>
+      </p:pic>
+      <p:pic>
+        <p:nvPicPr>
+          <p:cNvPr id="12" name="Afbeelding 11"/>
+          <p:cNvPicPr>
+            <a:picLocks noChangeAspect="1"/>
+          </p:cNvPicPr>
+          <p:nvPr/>
+        </p:nvPicPr>
+        <p:blipFill>
+          <a:blip r:embed="rId3"/>
+          <a:stretch>
+            <a:fillRect/>
+          </a:stretch>
+        </p:blipFill>
+        <p:spPr>
+          <a:xfrm>
+            <a:off x="4485611" y="1690688"/>
+            <a:ext cx="3390900" cy="4943475"/>
+          </a:xfrm>
+          <a:prstGeom prst="rect">
+            <a:avLst/>
+          </a:prstGeom>
+        </p:spPr>
+      </p:pic>
+      <p:pic>
+        <p:nvPicPr>
+          <p:cNvPr id="13" name="Afbeelding 12"/>
+          <p:cNvPicPr>
+            <a:picLocks noChangeAspect="1"/>
+          </p:cNvPicPr>
+          <p:nvPr/>
+        </p:nvPicPr>
+        <p:blipFill>
+          <a:blip r:embed="rId4"/>
+          <a:stretch>
+            <a:fillRect/>
+          </a:stretch>
+        </p:blipFill>
+        <p:spPr>
+          <a:xfrm>
+            <a:off x="8113972" y="1690688"/>
+            <a:ext cx="3636046" cy="4943475"/>
+          </a:xfrm>
+          <a:prstGeom prst="rect">
+            <a:avLst/>
+          </a:prstGeom>
+        </p:spPr>
+      </p:pic>
+    </p:spTree>
+    <p:extLst>
+      <p:ext uri="{BB962C8B-B14F-4D97-AF65-F5344CB8AC3E}">
+        <p14:creationId xmlns:p14="http://schemas.microsoft.com/office/powerpoint/2010/main" val="557128416"/>
+      </p:ext>
+    </p:extLst>
+  </p:cSld>
+  <p:clrMapOvr>
+    <a:masterClrMapping/>
+  </p:clrMapOvr>
+</p:sld>
+</file>
+
+<file path=ppt/slides/slide4.xml><?xml version="1.0" encoding="utf-8"?>
+<p:sld xmlns:a="http://schemas.openxmlformats.org/drawingml/2006/main" xmlns:r="http://schemas.openxmlformats.org/officeDocument/2006/relationships" xmlns:p="http://schemas.openxmlformats.org/presentationml/2006/main">
+  <p:cSld>
+    <p:spTree>
+      <p:nvGrpSpPr>
+        <p:cNvPr id="1" name=""/>
+        <p:cNvGrpSpPr/>
+        <p:nvPr/>
+      </p:nvGrpSpPr>
+      <p:grpSpPr>
+        <a:xfrm>
+          <a:off x="0" y="0"/>
+          <a:ext cx="0" cy="0"/>
+          <a:chOff x="0" y="0"/>
+          <a:chExt cx="0" cy="0"/>
+        </a:xfrm>
+      </p:grpSpPr>
+      <p:sp>
+        <p:nvSpPr>
+          <p:cNvPr id="2" name="Titel 1"/>
+          <p:cNvSpPr>
+            <a:spLocks noGrp="1"/>
+          </p:cNvSpPr>
+          <p:nvPr>
+            <p:ph type="title"/>
+          </p:nvPr>
+        </p:nvSpPr>
+        <p:spPr/>
+        <p:txBody>
+          <a:bodyPr/>
+          <a:lstStyle/>
+          <a:p>
+            <a:r>
+              <a:rPr lang="nl-BE" b="1" dirty="0">
+                <a:solidFill>
+                  <a:schemeClr val="tx1"/>
+                </a:solidFill>
+                <a:latin typeface="Open Sans" panose="020B0606030504020204" pitchFamily="34" charset="0"/>
+                <a:ea typeface="Open Sans" panose="020B0606030504020204" pitchFamily="34" charset="0"/>
+                <a:cs typeface="Open Sans" panose="020B0606030504020204" pitchFamily="34" charset="0"/>
+              </a:rPr>
+              <a:t>Belangrijke Modules</a:t>
+            </a:r>
+          </a:p>
+        </p:txBody>
+      </p:sp>
+      <p:sp>
+        <p:nvSpPr>
+          <p:cNvPr id="3" name="Tijdelijke aanduiding voor inhoud 2"/>
+          <p:cNvSpPr>
+            <a:spLocks noGrp="1"/>
+          </p:cNvSpPr>
+          <p:nvPr>
+            <p:ph idx="1"/>
+          </p:nvPr>
+        </p:nvSpPr>
+        <p:spPr>
+          <a:xfrm>
+            <a:off x="1261872" y="1828801"/>
+            <a:ext cx="8595360" cy="4136064"/>
+          </a:xfrm>
+        </p:spPr>
+        <p:txBody>
+          <a:bodyPr>
+            <a:normAutofit/>
+          </a:bodyPr>
+          <a:lstStyle/>
+          <a:p>
+            <a:r>
+              <a:rPr lang="nl-BE" dirty="0">
+                <a:solidFill>
+                  <a:schemeClr val="tx1"/>
+                </a:solidFill>
+                <a:latin typeface="Open Sans" panose="020B0606030504020204" pitchFamily="34" charset="0"/>
+                <a:ea typeface="Open Sans" panose="020B0606030504020204" pitchFamily="34" charset="0"/>
+                <a:cs typeface="Open Sans" panose="020B0606030504020204" pitchFamily="34" charset="0"/>
+              </a:rPr>
+              <a:t>Community Tags</a:t>
+            </a:r>
+          </a:p>
+          <a:p>
+            <a:r>
+              <a:rPr lang="nl-BE" dirty="0" err="1">
+                <a:solidFill>
+                  <a:schemeClr val="tx1"/>
+                </a:solidFill>
+                <a:latin typeface="Open Sans" panose="020B0606030504020204" pitchFamily="34" charset="0"/>
+                <a:ea typeface="Open Sans" panose="020B0606030504020204" pitchFamily="34" charset="0"/>
+                <a:cs typeface="Open Sans" panose="020B0606030504020204" pitchFamily="34" charset="0"/>
+              </a:rPr>
+              <a:t>Answer</a:t>
+            </a:r>
+            <a:r>
+              <a:rPr lang="nl-BE" dirty="0">
+                <a:solidFill>
+                  <a:schemeClr val="tx1"/>
+                </a:solidFill>
+                <a:latin typeface="Open Sans" panose="020B0606030504020204" pitchFamily="34" charset="0"/>
+                <a:ea typeface="Open Sans" panose="020B0606030504020204" pitchFamily="34" charset="0"/>
+                <a:cs typeface="Open Sans" panose="020B0606030504020204" pitchFamily="34" charset="0"/>
+              </a:rPr>
+              <a:t> </a:t>
+            </a:r>
+          </a:p>
+          <a:p>
+            <a:r>
+              <a:rPr lang="nl-BE" dirty="0">
+                <a:solidFill>
+                  <a:schemeClr val="tx1"/>
+                </a:solidFill>
+                <a:latin typeface="Open Sans" panose="020B0606030504020204" pitchFamily="34" charset="0"/>
+                <a:ea typeface="Open Sans" panose="020B0606030504020204" pitchFamily="34" charset="0"/>
+                <a:cs typeface="Open Sans" panose="020B0606030504020204" pitchFamily="34" charset="0"/>
+              </a:rPr>
+              <a:t>Userpoints</a:t>
+            </a:r>
+          </a:p>
+          <a:p>
+            <a:r>
+              <a:rPr lang="nl-BE" dirty="0" err="1">
+                <a:solidFill>
+                  <a:schemeClr val="tx1"/>
+                </a:solidFill>
+                <a:latin typeface="Open Sans" panose="020B0606030504020204" pitchFamily="34" charset="0"/>
+                <a:ea typeface="Open Sans" panose="020B0606030504020204" pitchFamily="34" charset="0"/>
+                <a:cs typeface="Open Sans" panose="020B0606030504020204" pitchFamily="34" charset="0"/>
+              </a:rPr>
+              <a:t>Syntaxhighlighter</a:t>
+            </a:r>
+            <a:endParaRPr lang="nl-BE" dirty="0">
+              <a:solidFill>
+                <a:schemeClr val="tx1"/>
+              </a:solidFill>
+              <a:latin typeface="Open Sans" panose="020B0606030504020204" pitchFamily="34" charset="0"/>
+              <a:ea typeface="Open Sans" panose="020B0606030504020204" pitchFamily="34" charset="0"/>
+              <a:cs typeface="Open Sans" panose="020B0606030504020204" pitchFamily="34" charset="0"/>
+            </a:endParaRPr>
+          </a:p>
+          <a:p>
+            <a:r>
+              <a:rPr lang="nl-BE" dirty="0" err="1">
+                <a:solidFill>
+                  <a:schemeClr val="tx1"/>
+                </a:solidFill>
+                <a:latin typeface="Open Sans" panose="020B0606030504020204" pitchFamily="34" charset="0"/>
+                <a:ea typeface="Open Sans" panose="020B0606030504020204" pitchFamily="34" charset="0"/>
+                <a:cs typeface="Open Sans" panose="020B0606030504020204" pitchFamily="34" charset="0"/>
+              </a:rPr>
+              <a:t>Syntaxhighlighter_Insert</a:t>
+            </a:r>
+            <a:endParaRPr lang="nl-BE" dirty="0">
+              <a:solidFill>
+                <a:schemeClr val="tx1"/>
+              </a:solidFill>
+              <a:latin typeface="Open Sans" panose="020B0606030504020204" pitchFamily="34" charset="0"/>
+              <a:ea typeface="Open Sans" panose="020B0606030504020204" pitchFamily="34" charset="0"/>
+              <a:cs typeface="Open Sans" panose="020B0606030504020204" pitchFamily="34" charset="0"/>
+            </a:endParaRPr>
+          </a:p>
+          <a:p>
+            <a:r>
+              <a:rPr lang="nl-BE" dirty="0">
+                <a:solidFill>
+                  <a:schemeClr val="tx1"/>
+                </a:solidFill>
+                <a:latin typeface="Open Sans" panose="020B0606030504020204" pitchFamily="34" charset="0"/>
+                <a:ea typeface="Open Sans" panose="020B0606030504020204" pitchFamily="34" charset="0"/>
+                <a:cs typeface="Open Sans" panose="020B0606030504020204" pitchFamily="34" charset="0"/>
+              </a:rPr>
+              <a:t>Contact form</a:t>
+            </a:r>
+          </a:p>
+          <a:p>
+            <a:r>
+              <a:rPr lang="nl-BE" dirty="0" err="1">
+                <a:solidFill>
+                  <a:schemeClr val="tx1"/>
+                </a:solidFill>
+                <a:latin typeface="Open Sans" panose="020B0606030504020204" pitchFamily="34" charset="0"/>
+                <a:ea typeface="Open Sans" panose="020B0606030504020204" pitchFamily="34" charset="0"/>
+                <a:cs typeface="Open Sans" panose="020B0606030504020204" pitchFamily="34" charset="0"/>
+              </a:rPr>
+              <a:t>Social</a:t>
+            </a:r>
+            <a:r>
+              <a:rPr lang="nl-BE" dirty="0">
+                <a:solidFill>
+                  <a:schemeClr val="tx1"/>
+                </a:solidFill>
+                <a:latin typeface="Open Sans" panose="020B0606030504020204" pitchFamily="34" charset="0"/>
+                <a:ea typeface="Open Sans" panose="020B0606030504020204" pitchFamily="34" charset="0"/>
+                <a:cs typeface="Open Sans" panose="020B0606030504020204" pitchFamily="34" charset="0"/>
+              </a:rPr>
+              <a:t> media links</a:t>
+            </a:r>
+          </a:p>
+          <a:p>
+            <a:endParaRPr lang="nl-BE" dirty="0">
+              <a:solidFill>
+                <a:schemeClr val="tx1"/>
+              </a:solidFill>
+              <a:latin typeface="Open Sans" panose="020B0606030504020204" pitchFamily="34" charset="0"/>
+              <a:ea typeface="Open Sans" panose="020B0606030504020204" pitchFamily="34" charset="0"/>
+              <a:cs typeface="Open Sans" panose="020B0606030504020204" pitchFamily="34" charset="0"/>
+            </a:endParaRPr>
+          </a:p>
+          <a:p>
+            <a:endParaRPr lang="nl-BE" dirty="0">
+              <a:solidFill>
+                <a:schemeClr val="tx1"/>
+              </a:solidFill>
+              <a:latin typeface="Open Sans" panose="020B0606030504020204" pitchFamily="34" charset="0"/>
+              <a:ea typeface="Open Sans" panose="020B0606030504020204" pitchFamily="34" charset="0"/>
+              <a:cs typeface="Open Sans" panose="020B0606030504020204" pitchFamily="34" charset="0"/>
+            </a:endParaRPr>
+          </a:p>
+          <a:p>
+            <a:endParaRPr lang="nl-BE" dirty="0">
+              <a:solidFill>
+                <a:srgbClr val="5F6060"/>
+              </a:solidFill>
+              <a:latin typeface="Open Sans" panose="020B0606030504020204" pitchFamily="34" charset="0"/>
+              <a:ea typeface="Open Sans" panose="020B0606030504020204" pitchFamily="34" charset="0"/>
+              <a:cs typeface="Open Sans" panose="020B0606030504020204" pitchFamily="34" charset="0"/>
+            </a:endParaRPr>
+          </a:p>
+        </p:txBody>
+      </p:sp>
+    </p:spTree>
+    <p:extLst>
+      <p:ext uri="{BB962C8B-B14F-4D97-AF65-F5344CB8AC3E}">
+        <p14:creationId xmlns:p14="http://schemas.microsoft.com/office/powerpoint/2010/main" val="188369376"/>
       </p:ext>
     </p:extLst>
   </p:cSld>
@@ -3532,57 +6389,57 @@
 </file>
 
 <file path=ppt/theme/theme1.xml><?xml version="1.0" encoding="utf-8"?>
-<a:theme xmlns:a="http://schemas.openxmlformats.org/drawingml/2006/main" name="View">
+<a:theme xmlns:a="http://schemas.openxmlformats.org/drawingml/2006/main" name="Diepte">
   <a:themeElements>
-    <a:clrScheme name="View">
+    <a:clrScheme name="Diepte">
       <a:dk1>
-        <a:srgbClr val="000000"/>
+        <a:sysClr val="windowText" lastClr="000000"/>
       </a:dk1>
       <a:lt1>
-        <a:srgbClr val="FFFFFF"/>
+        <a:sysClr val="window" lastClr="FFFFFF"/>
       </a:lt1>
       <a:dk2>
-        <a:srgbClr val="46464A"/>
+        <a:srgbClr val="455F51"/>
       </a:dk2>
       <a:lt2>
-        <a:srgbClr val="D6D3CC"/>
+        <a:srgbClr val="94D7E4"/>
       </a:lt2>
       <a:accent1>
-        <a:srgbClr val="6F6F74"/>
+        <a:srgbClr val="41AEBD"/>
       </a:accent1>
       <a:accent2>
-        <a:srgbClr val="92A9B9"/>
+        <a:srgbClr val="97E9D5"/>
       </a:accent2>
       <a:accent3>
-        <a:srgbClr val="A7B789"/>
+        <a:srgbClr val="A2CF49"/>
       </a:accent3>
       <a:accent4>
-        <a:srgbClr val="B9A489"/>
+        <a:srgbClr val="608F3D"/>
       </a:accent4>
       <a:accent5>
-        <a:srgbClr val="8D6374"/>
+        <a:srgbClr val="F4DE3A"/>
       </a:accent5>
       <a:accent6>
-        <a:srgbClr val="9B7362"/>
+        <a:srgbClr val="FCB11C"/>
       </a:accent6>
       <a:hlink>
-        <a:srgbClr val="67AABF"/>
+        <a:srgbClr val="FBCA98"/>
       </a:hlink>
       <a:folHlink>
-        <a:srgbClr val="ABAFA5"/>
+        <a:srgbClr val="D3B86D"/>
       </a:folHlink>
     </a:clrScheme>
-    <a:fontScheme name="View">
+    <a:fontScheme name="Diepte">
       <a:majorFont>
-        <a:latin typeface="Century Schoolbook" panose="02040604050505020304"/>
+        <a:latin typeface="Corbel" panose="020B0503020204020204"/>
         <a:ea typeface=""/>
         <a:cs typeface=""/>
-        <a:font script="Jpan" typeface="ＭＳ ゴシック"/>
-        <a:font script="Hang" typeface="맑은 고딕"/>
-        <a:font script="Hans" typeface="宋体"/>
+        <a:font script="Jpan" typeface="HGｺﾞｼｯｸM"/>
+        <a:font script="Hang" typeface="HY엽서L"/>
+        <a:font script="Hans" typeface="华文楷体"/>
         <a:font script="Hant" typeface="新細明體"/>
         <a:font script="Arab" typeface="Tahoma"/>
-        <a:font script="Hebr" typeface="Gisha"/>
+        <a:font script="Hebr" typeface="Miriam"/>
         <a:font script="Thai" typeface="DilleniaUPC"/>
         <a:font script="Ethi" typeface="Nyala"/>
         <a:font script="Beng" typeface="Vrinda"/>
@@ -3604,20 +6461,20 @@
         <a:font script="Laoo" typeface="DokChampa"/>
         <a:font script="Sinh" typeface="Iskoola Pota"/>
         <a:font script="Mong" typeface="Mongolian Baiti"/>
-        <a:font script="Viet" typeface="Tahoma"/>
+        <a:font script="Viet" typeface="Arial"/>
         <a:font script="Uigh" typeface="Microsoft Uighur"/>
         <a:font script="Geor" typeface="Sylfaen"/>
       </a:majorFont>
       <a:minorFont>
-        <a:latin typeface="Century Schoolbook" panose="02040604050505020304"/>
+        <a:latin typeface="Corbel" panose="020B0503020204020204"/>
         <a:ea typeface=""/>
         <a:cs typeface=""/>
-        <a:font script="Jpan" typeface="ＭＳ ゴシック"/>
-        <a:font script="Hang" typeface="맑은 고딕"/>
-        <a:font script="Hans" typeface="宋体"/>
+        <a:font script="Jpan" typeface="HGｺﾞｼｯｸM"/>
+        <a:font script="Hang" typeface="HY엽서L"/>
+        <a:font script="Hans" typeface="华文楷体"/>
         <a:font script="Hant" typeface="新細明體"/>
         <a:font script="Arab" typeface="Tahoma"/>
-        <a:font script="Hebr" typeface="Gisha"/>
+        <a:font script="Hebr" typeface="Miriam"/>
         <a:font script="Thai" typeface="DilleniaUPC"/>
         <a:font script="Ethi" typeface="Nyala"/>
         <a:font script="Beng" typeface="Vrinda"/>
@@ -3639,51 +6496,90 @@
         <a:font script="Laoo" typeface="DokChampa"/>
         <a:font script="Sinh" typeface="Iskoola Pota"/>
         <a:font script="Mong" typeface="Mongolian Baiti"/>
-        <a:font script="Viet" typeface="Verdana"/>
+        <a:font script="Viet" typeface="Arial"/>
         <a:font script="Uigh" typeface="Microsoft Uighur"/>
         <a:font script="Geor" typeface="Sylfaen"/>
       </a:minorFont>
     </a:fontScheme>
-    <a:fmtScheme name="View">
+    <a:fmtScheme name="Diepte">
       <a:fillStyleLst>
         <a:solidFill>
           <a:schemeClr val="phClr"/>
         </a:solidFill>
-        <a:solidFill>
-          <a:schemeClr val="phClr">
-            <a:tint val="60000"/>
-            <a:satMod val="120000"/>
-          </a:schemeClr>
-        </a:solidFill>
-        <a:solidFill>
-          <a:schemeClr val="phClr">
-            <a:shade val="75000"/>
-            <a:satMod val="160000"/>
-          </a:schemeClr>
-        </a:solidFill>
+        <a:gradFill rotWithShape="1">
+          <a:gsLst>
+            <a:gs pos="0">
+              <a:schemeClr val="phClr">
+                <a:lumMod val="110000"/>
+                <a:satMod val="105000"/>
+                <a:tint val="67000"/>
+              </a:schemeClr>
+            </a:gs>
+            <a:gs pos="50000">
+              <a:schemeClr val="phClr">
+                <a:lumMod val="105000"/>
+                <a:satMod val="103000"/>
+                <a:tint val="73000"/>
+              </a:schemeClr>
+            </a:gs>
+            <a:gs pos="100000">
+              <a:schemeClr val="phClr">
+                <a:lumMod val="105000"/>
+                <a:satMod val="109000"/>
+                <a:tint val="81000"/>
+              </a:schemeClr>
+            </a:gs>
+          </a:gsLst>
+          <a:lin ang="5400000" scaled="0"/>
+        </a:gradFill>
+        <a:gradFill rotWithShape="1">
+          <a:gsLst>
+            <a:gs pos="0">
+              <a:schemeClr val="phClr">
+                <a:satMod val="103000"/>
+                <a:lumMod val="102000"/>
+                <a:tint val="94000"/>
+              </a:schemeClr>
+            </a:gs>
+            <a:gs pos="50000">
+              <a:schemeClr val="phClr">
+                <a:satMod val="110000"/>
+                <a:lumMod val="100000"/>
+                <a:shade val="100000"/>
+              </a:schemeClr>
+            </a:gs>
+            <a:gs pos="100000">
+              <a:schemeClr val="phClr">
+                <a:lumMod val="99000"/>
+                <a:satMod val="120000"/>
+                <a:shade val="78000"/>
+              </a:schemeClr>
+            </a:gs>
+          </a:gsLst>
+          <a:lin ang="5400000" scaled="0"/>
+        </a:gradFill>
       </a:fillStyleLst>
       <a:lnStyleLst>
-        <a:ln w="9525" cap="flat" cmpd="sng" algn="ctr">
+        <a:ln w="6350" cap="flat" cmpd="sng" algn="ctr">
           <a:solidFill>
             <a:schemeClr val="phClr"/>
           </a:solidFill>
           <a:prstDash val="solid"/>
+          <a:miter lim="800000"/>
         </a:ln>
-        <a:ln w="13970" cap="flat" cmpd="sng" algn="ctr">
+        <a:ln w="12700" cap="flat" cmpd="sng" algn="ctr">
           <a:solidFill>
             <a:schemeClr val="phClr"/>
           </a:solidFill>
           <a:prstDash val="solid"/>
+          <a:miter lim="800000"/>
         </a:ln>
-        <a:ln w="17145" cap="flat" cmpd="sng" algn="ctr">
+        <a:ln w="19050" cap="flat" cmpd="sng" algn="ctr">
           <a:solidFill>
-            <a:schemeClr val="phClr">
-              <a:shade val="95000"/>
-              <a:alpha val="95000"/>
-              <a:satMod val="150000"/>
-            </a:schemeClr>
+            <a:schemeClr val="phClr"/>
           </a:solidFill>
           <a:prstDash val="solid"/>
+          <a:miter lim="800000"/>
         </a:ln>
       </a:lnStyleLst>
       <a:effectStyleLst>
@@ -3691,52 +6587,16 @@
           <a:effectLst/>
         </a:effectStyle>
         <a:effectStyle>
+          <a:effectLst/>
+        </a:effectStyle>
+        <a:effectStyle>
           <a:effectLst>
-            <a:outerShdw blurRad="50800" dist="15240" dir="5400000" algn="tl" rotWithShape="0">
+            <a:outerShdw blurRad="57150" dist="19050" dir="5400000" algn="ctr" rotWithShape="0">
               <a:srgbClr val="000000">
-                <a:alpha val="75000"/>
+                <a:alpha val="63000"/>
               </a:srgbClr>
             </a:outerShdw>
           </a:effectLst>
-          <a:scene3d>
-            <a:camera prst="orthographicFront">
-              <a:rot lat="0" lon="0" rev="0"/>
-            </a:camera>
-            <a:lightRig rig="brightRoom" dir="tl"/>
-          </a:scene3d>
-          <a:sp3d contourW="9525" prstMaterial="flat">
-            <a:bevelT w="0" h="0" prst="coolSlant"/>
-            <a:contourClr>
-              <a:schemeClr val="phClr">
-                <a:shade val="35000"/>
-                <a:satMod val="130000"/>
-              </a:schemeClr>
-            </a:contourClr>
-          </a:sp3d>
-        </a:effectStyle>
-        <a:effectStyle>
-          <a:effectLst>
-            <a:outerShdw blurRad="76200" dist="25400" dir="5400000" algn="tl" rotWithShape="0">
-              <a:srgbClr val="000000">
-                <a:alpha val="55000"/>
-              </a:srgbClr>
-            </a:outerShdw>
-          </a:effectLst>
-          <a:scene3d>
-            <a:camera prst="orthographicFront">
-              <a:rot lat="0" lon="0" rev="0"/>
-            </a:camera>
-            <a:lightRig rig="brightRoom" dir="tl"/>
-          </a:scene3d>
-          <a:sp3d contourW="19050" prstMaterial="flat">
-            <a:bevelT w="0" h="0" prst="coolSlant"/>
-            <a:contourClr>
-              <a:schemeClr val="phClr">
-                <a:shade val="25000"/>
-                <a:satMod val="140000"/>
-              </a:schemeClr>
-            </a:contourClr>
-          </a:sp3d>
         </a:effectStyle>
       </a:effectStyleLst>
       <a:bgFillStyleLst>
@@ -3753,23 +6613,28 @@
           <a:gsLst>
             <a:gs pos="0">
               <a:schemeClr val="phClr">
-                <a:tint val="94000"/>
+                <a:tint val="93000"/>
+                <a:satMod val="150000"/>
                 <a:shade val="98000"/>
+                <a:lumMod val="102000"/>
+              </a:schemeClr>
+            </a:gs>
+            <a:gs pos="50000">
+              <a:schemeClr val="phClr">
+                <a:tint val="98000"/>
                 <a:satMod val="130000"/>
-                <a:lumMod val="102000"/>
+                <a:shade val="90000"/>
+                <a:lumMod val="103000"/>
               </a:schemeClr>
             </a:gs>
             <a:gs pos="100000">
               <a:schemeClr val="phClr">
-                <a:tint val="98000"/>
-                <a:shade val="78000"/>
-                <a:satMod val="140000"/>
+                <a:shade val="63000"/>
+                <a:satMod val="120000"/>
               </a:schemeClr>
             </a:gs>
           </a:gsLst>
-          <a:path path="circle">
-            <a:fillToRect l="100000" t="100000" r="100000" b="100000"/>
-          </a:path>
+          <a:lin ang="5400000" scaled="0"/>
         </a:gradFill>
       </a:bgFillStyleLst>
     </a:fmtScheme>
@@ -3778,7 +6643,7 @@
   <a:extraClrSchemeLst/>
   <a:extLst>
     <a:ext uri="{05A4C25C-085E-4340-85A3-A5531E510DB2}">
-      <thm15:themeFamily xmlns:thm15="http://schemas.microsoft.com/office/thememl/2012/main" name="View" id="{BA0EB5A6-F2D4-4F82-977B-64ADEE4A2A69}" vid="{3969A8A2-35DB-4E3B-8885-16FD20568674}"/>
+      <thm15:themeFamily xmlns:thm15="http://schemas.microsoft.com/office/thememl/2012/main" name="Depth" id="{7BEAFC2A-325C-49C4-AC08-2B765DA903F9}" vid="{1735E755-43E6-43AA-ABA2-C989ECC79AF5}"/>
     </a:ext>
   </a:extLst>
 </a:theme>
